--- a/2021/PСT_GergelKozinov/PCT2021_kozinov.pptx
+++ b/2021/PСT_GergelKozinov/PCT2021_kozinov.pptx
@@ -157,7 +157,7 @@
   </p:defaultTextStyle>
   <p:extLst>
     <p:ext uri="{EFAFB233-063F-42B5-8137-9DF3F51BA10A}">
-      <p15:sldGuideLst xmlns:p15="http://schemas.microsoft.com/office/powerpoint/2012/main" xmlns="">
+      <p15:sldGuideLst xmlns:p15="http://schemas.microsoft.com/office/powerpoint/2012/main">
         <p15:guide id="1" orient="horz" pos="2160">
           <p15:clr>
             <a:srgbClr val="A4A3A4"/>
@@ -171,7 +171,7 @@
       </p15:sldGuideLst>
     </p:ext>
     <p:ext uri="{2D200454-40CA-4A62-9FC3-DE9A4176ACB9}">
-      <p15:notesGuideLst xmlns:p15="http://schemas.microsoft.com/office/powerpoint/2012/main" xmlns="">
+      <p15:notesGuideLst xmlns:p15="http://schemas.microsoft.com/office/powerpoint/2012/main">
         <p15:guide id="1" orient="horz" pos="3156">
           <p15:clr>
             <a:srgbClr val="A4A3A4"/>
@@ -317,7 +317,7 @@
     </p:spTree>
     <p:extLst>
       <p:ext uri="{BB962C8B-B14F-4D97-AF65-F5344CB8AC3E}">
-        <p14:creationId xmlns:p14="http://schemas.microsoft.com/office/powerpoint/2010/main" xmlns="" val="2479832248"/>
+        <p14:creationId xmlns:p14="http://schemas.microsoft.com/office/powerpoint/2010/main" val="2479832248"/>
       </p:ext>
     </p:extLst>
   </p:cSld>
@@ -652,7 +652,7 @@
     </p:spTree>
     <p:extLst>
       <p:ext uri="{BB962C8B-B14F-4D97-AF65-F5344CB8AC3E}">
-        <p14:creationId xmlns:p14="http://schemas.microsoft.com/office/powerpoint/2010/main" xmlns="" val="2923553093"/>
+        <p14:creationId xmlns:p14="http://schemas.microsoft.com/office/powerpoint/2010/main" val="2923553093"/>
       </p:ext>
     </p:extLst>
   </p:cSld>
@@ -1104,7 +1104,7 @@
           <a:blip r:embed="rId2" cstate="print">
             <a:extLst>
               <a:ext uri="{28A0092B-C50C-407E-A947-70E740481C1C}">
-                <a14:useLocalDpi xmlns:a14="http://schemas.microsoft.com/office/drawing/2010/main" xmlns="" val="0"/>
+                <a14:useLocalDpi xmlns:a14="http://schemas.microsoft.com/office/drawing/2010/main" val="0"/>
               </a:ext>
             </a:extLst>
           </a:blip>
@@ -1127,7 +1127,7 @@
           <p:cNvPr id="10" name="Line 12">
             <a:extLst>
               <a:ext uri="{FF2B5EF4-FFF2-40B4-BE49-F238E27FC236}">
-                <a16:creationId xmlns:a16="http://schemas.microsoft.com/office/drawing/2014/main" xmlns="" id="{70369828-50AA-41DA-9F5A-AA39D39C6BBF}"/>
+                <a16:creationId xmlns:a16="http://schemas.microsoft.com/office/drawing/2014/main" id="{70369828-50AA-41DA-9F5A-AA39D39C6BBF}"/>
               </a:ext>
             </a:extLst>
           </p:cNvPr>
@@ -1180,7 +1180,7 @@
           <p:cNvPr id="4" name="Прямоугольник 3">
             <a:extLst>
               <a:ext uri="{FF2B5EF4-FFF2-40B4-BE49-F238E27FC236}">
-                <a16:creationId xmlns:a16="http://schemas.microsoft.com/office/drawing/2014/main" xmlns="" id="{F9D44C81-6232-4FF9-AF64-1FA8189B525D}"/>
+                <a16:creationId xmlns:a16="http://schemas.microsoft.com/office/drawing/2014/main" id="{F9D44C81-6232-4FF9-AF64-1FA8189B525D}"/>
               </a:ext>
             </a:extLst>
           </p:cNvPr>
@@ -1248,7 +1248,7 @@
     </p:spTree>
     <p:extLst>
       <p:ext uri="{BB962C8B-B14F-4D97-AF65-F5344CB8AC3E}">
-        <p14:creationId xmlns:p14="http://schemas.microsoft.com/office/powerpoint/2010/main" xmlns="" val="1789485586"/>
+        <p14:creationId xmlns:p14="http://schemas.microsoft.com/office/powerpoint/2010/main" val="1789485586"/>
       </p:ext>
     </p:extLst>
   </p:cSld>
@@ -1572,7 +1572,7 @@
               <a:defRPr/>
             </a:pPr>
             <a:r>
-              <a:rPr lang="en-US" smtClean="0"/>
+              <a:rPr lang="en-US"/>
               <a:t>30.03.2021</a:t>
             </a:r>
             <a:endParaRPr lang="ru-RU" dirty="0"/>
@@ -1628,7 +1628,7 @@
               <a:defRPr/>
             </a:pPr>
             <a:r>
-              <a:rPr lang="en-US" smtClean="0"/>
+              <a:rPr lang="en-US"/>
               <a:t>Parallel Computations for Solving Multicriteria Mixed-Integer Optimization Problems</a:t>
             </a:r>
             <a:endParaRPr lang="ru-RU" dirty="0"/>
@@ -1697,14 +1697,13 @@
               <a:t>‹#›</a:t>
             </a:fld>
             <a:r>
-              <a:rPr lang="en-US" dirty="0" smtClean="0"/>
+              <a:rPr lang="en-US" dirty="0"/>
               <a:t>/</a:t>
             </a:r>
             <a:r>
-              <a:rPr lang="ru-RU" dirty="0" smtClean="0"/>
+              <a:rPr lang="ru-RU" dirty="0"/>
               <a:t>16</a:t>
             </a:r>
-            <a:endParaRPr lang="ru-RU" dirty="0"/>
           </a:p>
         </p:txBody>
       </p:sp>
@@ -1720,7 +1719,7 @@
           <a:blip r:embed="rId2" cstate="print">
             <a:extLst>
               <a:ext uri="{28A0092B-C50C-407E-A947-70E740481C1C}">
-                <a14:useLocalDpi xmlns:a14="http://schemas.microsoft.com/office/drawing/2010/main" xmlns="" val="0"/>
+                <a14:useLocalDpi xmlns:a14="http://schemas.microsoft.com/office/drawing/2010/main" val="0"/>
               </a:ext>
             </a:extLst>
           </a:blip>
@@ -1741,7 +1740,7 @@
     </p:spTree>
     <p:extLst>
       <p:ext uri="{BB962C8B-B14F-4D97-AF65-F5344CB8AC3E}">
-        <p14:creationId xmlns:p14="http://schemas.microsoft.com/office/powerpoint/2010/main" xmlns="" val="1339846117"/>
+        <p14:creationId xmlns:p14="http://schemas.microsoft.com/office/powerpoint/2010/main" val="1339846117"/>
       </p:ext>
     </p:extLst>
   </p:cSld>
@@ -2035,14 +2034,13 @@
               <a:t>‹#›</a:t>
             </a:fld>
             <a:r>
-              <a:rPr lang="en-US" dirty="0" smtClean="0"/>
+              <a:rPr lang="en-US" dirty="0"/>
               <a:t>/</a:t>
             </a:r>
             <a:r>
-              <a:rPr lang="ru-RU" dirty="0" smtClean="0"/>
+              <a:rPr lang="ru-RU" dirty="0"/>
               <a:t>16</a:t>
             </a:r>
-            <a:endParaRPr lang="ru-RU" dirty="0"/>
           </a:p>
         </p:txBody>
       </p:sp>
@@ -2098,7 +2096,7 @@
               <a:defRPr/>
             </a:pPr>
             <a:r>
-              <a:rPr lang="en-US" smtClean="0"/>
+              <a:rPr lang="en-US"/>
               <a:t>30.03.2021</a:t>
             </a:r>
             <a:endParaRPr lang="ru-RU" dirty="0"/>
@@ -2154,7 +2152,7 @@
               <a:defRPr/>
             </a:pPr>
             <a:r>
-              <a:rPr lang="en-US" smtClean="0"/>
+              <a:rPr lang="en-US"/>
               <a:t>Parallel Computations for Solving Multicriteria Mixed-Integer Optimization Problems</a:t>
             </a:r>
             <a:endParaRPr lang="ru-RU" dirty="0"/>
@@ -2173,7 +2171,7 @@
           <a:blip r:embed="rId2" cstate="print">
             <a:extLst>
               <a:ext uri="{28A0092B-C50C-407E-A947-70E740481C1C}">
-                <a14:useLocalDpi xmlns:a14="http://schemas.microsoft.com/office/drawing/2010/main" xmlns="" val="0"/>
+                <a14:useLocalDpi xmlns:a14="http://schemas.microsoft.com/office/drawing/2010/main" val="0"/>
               </a:ext>
             </a:extLst>
           </a:blip>
@@ -2194,7 +2192,7 @@
     </p:spTree>
     <p:extLst>
       <p:ext uri="{BB962C8B-B14F-4D97-AF65-F5344CB8AC3E}">
-        <p14:creationId xmlns:p14="http://schemas.microsoft.com/office/powerpoint/2010/main" xmlns="" val="3560034855"/>
+        <p14:creationId xmlns:p14="http://schemas.microsoft.com/office/powerpoint/2010/main" val="3560034855"/>
       </p:ext>
     </p:extLst>
   </p:cSld>
@@ -2393,7 +2391,7 @@
               <a:defRPr/>
             </a:pPr>
             <a:r>
-              <a:rPr lang="en-US" smtClean="0"/>
+              <a:rPr lang="en-US"/>
               <a:t>30.03.2021</a:t>
             </a:r>
             <a:endParaRPr lang="ru-RU" dirty="0"/>
@@ -2449,7 +2447,7 @@
               <a:defRPr/>
             </a:pPr>
             <a:r>
-              <a:rPr lang="en-US" smtClean="0"/>
+              <a:rPr lang="en-US"/>
               <a:t>Parallel Computations for Solving Multicriteria Mixed-Integer Optimization Problems</a:t>
             </a:r>
             <a:endParaRPr lang="ru-RU" dirty="0"/>
@@ -2518,14 +2516,13 @@
               <a:t>‹#›</a:t>
             </a:fld>
             <a:r>
-              <a:rPr lang="en-US" dirty="0" smtClean="0"/>
+              <a:rPr lang="en-US" dirty="0"/>
               <a:t>/</a:t>
             </a:r>
             <a:r>
-              <a:rPr lang="ru-RU" dirty="0" smtClean="0"/>
+              <a:rPr lang="ru-RU" dirty="0"/>
               <a:t>16</a:t>
             </a:r>
-            <a:endParaRPr lang="ru-RU" dirty="0"/>
           </a:p>
         </p:txBody>
       </p:sp>
@@ -2682,7 +2679,7 @@
           <a:blip r:embed="rId5" cstate="print">
             <a:extLst>
               <a:ext uri="{28A0092B-C50C-407E-A947-70E740481C1C}">
-                <a14:useLocalDpi xmlns:a14="http://schemas.microsoft.com/office/drawing/2010/main" xmlns="" val="0"/>
+                <a14:useLocalDpi xmlns:a14="http://schemas.microsoft.com/office/drawing/2010/main" val="0"/>
               </a:ext>
             </a:extLst>
           </a:blip>
@@ -2703,7 +2700,7 @@
     </p:spTree>
     <p:extLst>
       <p:ext uri="{BB962C8B-B14F-4D97-AF65-F5344CB8AC3E}">
-        <p14:creationId xmlns:p14="http://schemas.microsoft.com/office/powerpoint/2010/main" xmlns="" val="663257492"/>
+        <p14:creationId xmlns:p14="http://schemas.microsoft.com/office/powerpoint/2010/main" val="663257492"/>
       </p:ext>
     </p:extLst>
   </p:cSld>
@@ -3129,7 +3126,7 @@
           <p:cNvPr id="4" name="Rectangle 6">
             <a:extLst>
               <a:ext uri="{FF2B5EF4-FFF2-40B4-BE49-F238E27FC236}">
-                <a16:creationId xmlns:a16="http://schemas.microsoft.com/office/drawing/2014/main" xmlns="" id="{405E28CF-B7F8-4FC0-BAA9-FA75955222E8}"/>
+                <a16:creationId xmlns:a16="http://schemas.microsoft.com/office/drawing/2014/main" id="{405E28CF-B7F8-4FC0-BAA9-FA75955222E8}"/>
               </a:ext>
             </a:extLst>
           </p:cNvPr>
@@ -3152,14 +3149,14 @@
           </a:ln>
           <a:extLst>
             <a:ext uri="{909E8E84-426E-40DD-AFC4-6F175D3DCCD1}">
-              <a14:hiddenFill xmlns:a14="http://schemas.microsoft.com/office/drawing/2010/main" xmlns="">
+              <a14:hiddenFill xmlns:a14="http://schemas.microsoft.com/office/drawing/2010/main">
                 <a:solidFill>
                   <a:srgbClr val="FFFFFF"/>
                 </a:solidFill>
               </a14:hiddenFill>
             </a:ext>
             <a:ext uri="{91240B29-F687-4F45-9708-019B960494DF}">
-              <a14:hiddenLine xmlns:a14="http://schemas.microsoft.com/office/drawing/2010/main" xmlns="" w="9525">
+              <a14:hiddenLine xmlns:a14="http://schemas.microsoft.com/office/drawing/2010/main" w="9525">
                 <a:solidFill>
                   <a:srgbClr val="000000"/>
                 </a:solidFill>
@@ -3368,7 +3365,7 @@
               <a:rPr lang="ru-RU" altLang="ru-RU" sz="2200" dirty="0">
                 <a:latin typeface="Cambria" panose="02040503050406030204" pitchFamily="18" charset="0"/>
               </a:rPr>
-              <a:t>д.т.н., проф., Гергель В.П., ИИТММ, ННГУ</a:t>
+              <a:t>д.т.н., проф., Гергель В.П., ИТММ, ННГУ</a:t>
             </a:r>
           </a:p>
           <a:p>
@@ -3382,7 +3379,7 @@
               <a:rPr lang="ru-RU" altLang="ru-RU" sz="2200" b="1" u="sng" dirty="0">
                 <a:latin typeface="Cambria" panose="02040503050406030204" pitchFamily="18" charset="0"/>
               </a:rPr>
-              <a:t>к.т.н., преподаватель, </a:t>
+              <a:t>к.т.н., преп., </a:t>
             </a:r>
             <a:r>
               <a:rPr lang="ru-RU" altLang="ru-RU" sz="2200" b="1" u="sng" dirty="0" err="1">
@@ -3394,7 +3391,7 @@
               <a:rPr lang="ru-RU" altLang="ru-RU" sz="2200" b="1" u="sng" dirty="0">
                 <a:latin typeface="Cambria" panose="02040503050406030204" pitchFamily="18" charset="0"/>
               </a:rPr>
-              <a:t> Е.А. , ИИТММ, ННГУ</a:t>
+              <a:t> Е.А. , ИТММ, ННГУ</a:t>
             </a:r>
           </a:p>
         </p:txBody>
@@ -3404,7 +3401,7 @@
           <p:cNvPr id="7" name="Подзаголовок 6">
             <a:extLst>
               <a:ext uri="{FF2B5EF4-FFF2-40B4-BE49-F238E27FC236}">
-                <a16:creationId xmlns:a16="http://schemas.microsoft.com/office/drawing/2014/main" xmlns="" id="{24CA9CCD-1849-49E0-B228-E66A0E7DE132}"/>
+                <a16:creationId xmlns:a16="http://schemas.microsoft.com/office/drawing/2014/main" id="{24CA9CCD-1849-49E0-B228-E66A0E7DE132}"/>
               </a:ext>
             </a:extLst>
           </p:cNvPr>
@@ -3438,7 +3435,7 @@
           <p:cNvPr id="1026" name="Picture 2" descr="Параллельные вычислительные технологии 2021 (ПаВТ'2021)">
             <a:extLst>
               <a:ext uri="{FF2B5EF4-FFF2-40B4-BE49-F238E27FC236}">
-                <a16:creationId xmlns:a16="http://schemas.microsoft.com/office/drawing/2014/main" xmlns="" id="{57DCAD94-4E9E-4440-8019-63393CCDA15C}"/>
+                <a16:creationId xmlns:a16="http://schemas.microsoft.com/office/drawing/2014/main" id="{57DCAD94-4E9E-4440-8019-63393CCDA15C}"/>
               </a:ext>
             </a:extLst>
           </p:cNvPr>
@@ -3451,7 +3448,7 @@
           <a:blip r:embed="rId2" cstate="print">
             <a:extLst>
               <a:ext uri="{28A0092B-C50C-407E-A947-70E740481C1C}">
-                <a14:useLocalDpi xmlns:a14="http://schemas.microsoft.com/office/drawing/2010/main" xmlns="" val="0"/>
+                <a14:useLocalDpi xmlns:a14="http://schemas.microsoft.com/office/drawing/2010/main" val="0"/>
               </a:ext>
             </a:extLst>
           </a:blip>
@@ -3471,7 +3468,7 @@
           <a:noFill/>
           <a:extLst>
             <a:ext uri="{909E8E84-426E-40DD-AFC4-6F175D3DCCD1}">
-              <a14:hiddenFill xmlns:a14="http://schemas.microsoft.com/office/drawing/2010/main" xmlns="">
+              <a14:hiddenFill xmlns:a14="http://schemas.microsoft.com/office/drawing/2010/main">
                 <a:solidFill>
                   <a:srgbClr val="FFFFFF"/>
                 </a:solidFill>
@@ -3485,7 +3482,7 @@
           <p:cNvPr id="10" name="TextBox 9">
             <a:extLst>
               <a:ext uri="{FF2B5EF4-FFF2-40B4-BE49-F238E27FC236}">
-                <a16:creationId xmlns:a16="http://schemas.microsoft.com/office/drawing/2014/main" xmlns="" id="{63DF5F1D-3089-47BB-9D50-5CD7983EC7F6}"/>
+                <a16:creationId xmlns:a16="http://schemas.microsoft.com/office/drawing/2014/main" id="{63DF5F1D-3089-47BB-9D50-5CD7983EC7F6}"/>
               </a:ext>
             </a:extLst>
           </p:cNvPr>
@@ -3522,7 +3519,7 @@
     </p:spTree>
     <p:extLst>
       <p:ext uri="{BB962C8B-B14F-4D97-AF65-F5344CB8AC3E}">
-        <p14:creationId xmlns:p14="http://schemas.microsoft.com/office/powerpoint/2010/main" xmlns="" val="2598553540"/>
+        <p14:creationId xmlns:p14="http://schemas.microsoft.com/office/powerpoint/2010/main" val="2598553540"/>
       </p:ext>
     </p:extLst>
   </p:cSld>
@@ -3554,7 +3551,7 @@
           <p:cNvPr id="2" name="Заголовок 1">
             <a:extLst>
               <a:ext uri="{FF2B5EF4-FFF2-40B4-BE49-F238E27FC236}">
-                <a16:creationId xmlns:a16="http://schemas.microsoft.com/office/drawing/2014/main" xmlns="" id="{0F98FC4E-42F6-4A34-A2BC-F48B0B30B0ED}"/>
+                <a16:creationId xmlns:a16="http://schemas.microsoft.com/office/drawing/2014/main" id="{0F98FC4E-42F6-4A34-A2BC-F48B0B30B0ED}"/>
               </a:ext>
             </a:extLst>
           </p:cNvPr>
@@ -3574,40 +3571,8 @@
           <a:p>
             <a:r>
               <a:rPr lang="ru-RU" sz="2400" dirty="0"/>
-              <a:t>Основы предлагаемого подхода: Ускорение вычислений на основе повторного использования информации…</a:t>
-            </a:r>
-          </a:p>
-        </p:txBody>
-      </p:sp>
-      <p:sp>
-        <p:nvSpPr>
-          <p:cNvPr id="4" name="Дата 3">
-            <a:extLst>
-              <a:ext uri="{FF2B5EF4-FFF2-40B4-BE49-F238E27FC236}">
-                <a16:creationId xmlns:a16="http://schemas.microsoft.com/office/drawing/2014/main" xmlns="" id="{18622E11-8CAA-48A5-AEA0-C7B626BC9336}"/>
-              </a:ext>
-            </a:extLst>
-          </p:cNvPr>
-          <p:cNvSpPr>
-            <a:spLocks noGrp="1"/>
-          </p:cNvSpPr>
-          <p:nvPr>
-            <p:ph type="dt" sz="half" idx="2"/>
-          </p:nvPr>
-        </p:nvSpPr>
-        <p:spPr/>
-        <p:txBody>
-          <a:bodyPr/>
-          <a:lstStyle/>
-          <a:p>
-            <a:pPr>
-              <a:defRPr/>
-            </a:pPr>
-            <a:r>
-              <a:rPr lang="en-US" smtClean="0"/>
-              <a:t>30.03.2021</a:t>
-            </a:r>
-            <a:endParaRPr lang="ru-RU" dirty="0"/>
+              <a:t>Основы подхода: Использование поисковой информации</a:t>
+            </a:r>
           </a:p>
         </p:txBody>
       </p:sp>
@@ -3616,7 +3581,7 @@
           <p:cNvPr id="5" name="Нижний колонтитул 4">
             <a:extLst>
               <a:ext uri="{FF2B5EF4-FFF2-40B4-BE49-F238E27FC236}">
-                <a16:creationId xmlns:a16="http://schemas.microsoft.com/office/drawing/2014/main" xmlns="" id="{8145241D-19E6-4D80-9597-2D01BE771BD8}"/>
+                <a16:creationId xmlns:a16="http://schemas.microsoft.com/office/drawing/2014/main" id="{8145241D-19E6-4D80-9597-2D01BE771BD8}"/>
               </a:ext>
             </a:extLst>
           </p:cNvPr>
@@ -3636,7 +3601,7 @@
               <a:defRPr/>
             </a:pPr>
             <a:r>
-              <a:rPr lang="en-US" smtClean="0"/>
+              <a:rPr lang="en-US"/>
               <a:t>Parallel Computations for Solving Multicriteria Mixed-Integer Optimization Problems</a:t>
             </a:r>
             <a:endParaRPr lang="ru-RU" dirty="0"/>
@@ -3674,35 +3639,35 @@
               <a:t> </a:t>
             </a:r>
             <a:r>
-              <a:rPr lang="en-US" i="1" dirty="0" smtClean="0"/>
-              <a:t>f  </a:t>
-            </a:r>
-            <a:r>
-              <a:rPr lang="en-US" i="1" baseline="30000" dirty="0" err="1" smtClean="0"/>
+              <a:rPr lang="en-US" i="1" dirty="0"/>
+              <a:t>f </a:t>
+            </a:r>
+            <a:r>
+              <a:rPr lang="en-US" i="1" baseline="30000" dirty="0" err="1"/>
               <a:t>i</a:t>
             </a:r>
             <a:r>
-              <a:rPr lang="en-US" i="1" baseline="30000" dirty="0" smtClean="0"/>
+              <a:rPr lang="en-US" i="1" baseline="30000" dirty="0"/>
               <a:t> </a:t>
             </a:r>
             <a:r>
-              <a:rPr lang="ru-RU" dirty="0" smtClean="0"/>
+              <a:rPr lang="ru-RU" dirty="0"/>
               <a:t>=</a:t>
             </a:r>
             <a:r>
-              <a:rPr lang="en-US" dirty="0" smtClean="0"/>
+              <a:rPr lang="en-US" dirty="0"/>
               <a:t> </a:t>
             </a:r>
             <a:r>
-              <a:rPr lang="en-US" i="1" dirty="0" smtClean="0"/>
+              <a:rPr lang="en-US" i="1" dirty="0"/>
               <a:t>f</a:t>
             </a:r>
             <a:r>
-              <a:rPr lang="ru-RU" dirty="0" smtClean="0"/>
+              <a:rPr lang="ru-RU" dirty="0"/>
               <a:t>(</a:t>
             </a:r>
             <a:r>
-              <a:rPr lang="en-US" dirty="0" smtClean="0"/>
+              <a:rPr lang="en-US" dirty="0"/>
               <a:t> </a:t>
             </a:r>
             <a:r>
@@ -3718,22 +3683,21 @@
               <a:t> </a:t>
             </a:r>
             <a:r>
-              <a:rPr lang="en-US" dirty="0" smtClean="0"/>
+              <a:rPr lang="en-US" dirty="0"/>
               <a:t>, </a:t>
             </a:r>
             <a:r>
-              <a:rPr lang="en-US" i="1" dirty="0" err="1" smtClean="0"/>
+              <a:rPr lang="en-US" i="1" dirty="0" err="1"/>
               <a:t>w</a:t>
             </a:r>
             <a:r>
-              <a:rPr lang="en-US" i="1" baseline="30000" dirty="0" err="1" smtClean="0"/>
+              <a:rPr lang="en-US" i="1" baseline="30000" dirty="0" err="1"/>
               <a:t>i</a:t>
             </a:r>
             <a:r>
-              <a:rPr lang="ru-RU" dirty="0" smtClean="0"/>
+              <a:rPr lang="ru-RU" dirty="0"/>
               <a:t>).</a:t>
             </a:r>
-            <a:endParaRPr lang="ru-RU" dirty="0"/>
           </a:p>
           <a:p>
             <a:pPr lvl="1"/>
@@ -3800,18 +3764,14 @@
             </a:r>
             <a:r>
               <a:rPr lang="en-US" dirty="0"/>
-              <a:t> </a:t>
-            </a:r>
-            <a:r>
-              <a:rPr lang="en-US" dirty="0" smtClean="0"/>
-              <a:t>(</a:t>
-            </a:r>
-            <a:r>
-              <a:rPr lang="ru-RU" dirty="0" smtClean="0"/>
+              <a:t> (</a:t>
+            </a:r>
+            <a:r>
+              <a:rPr lang="ru-RU" dirty="0"/>
               <a:t>𝑦</a:t>
             </a:r>
             <a:r>
-              <a:rPr lang="en-US" dirty="0" smtClean="0"/>
+              <a:rPr lang="en-US" dirty="0"/>
               <a:t> </a:t>
             </a:r>
             <a:r>
@@ -3832,39 +3792,31 @@
             </a:r>
             <a:r>
               <a:rPr lang="ru-RU" dirty="0"/>
+              <a:t> )</a:t>
+            </a:r>
+            <a:r>
+              <a:rPr lang="en-US" dirty="0"/>
+              <a:t> , </a:t>
+            </a:r>
+            <a:r>
+              <a:rPr lang="en-US" i="1" dirty="0" err="1"/>
+              <a:t>w</a:t>
+            </a:r>
+            <a:r>
+              <a:rPr lang="en-US" i="1" baseline="-25000" dirty="0" err="1"/>
+              <a:t>i</a:t>
+            </a:r>
+            <a:r>
+              <a:rPr lang="en-US" i="1" baseline="-25000" dirty="0"/>
               <a:t> </a:t>
             </a:r>
             <a:r>
-              <a:rPr lang="ru-RU" dirty="0" smtClean="0"/>
-              <a:t>)</a:t>
-            </a:r>
-            <a:r>
-              <a:rPr lang="en-US" dirty="0" smtClean="0"/>
-              <a:t> , </a:t>
-            </a:r>
-            <a:r>
-              <a:rPr lang="en-US" i="1" dirty="0" err="1" smtClean="0"/>
-              <a:t>w</a:t>
-            </a:r>
-            <a:r>
-              <a:rPr lang="en-US" i="1" baseline="-25000" dirty="0" err="1" smtClean="0"/>
-              <a:t>i</a:t>
-            </a:r>
-            <a:r>
-              <a:rPr lang="en-US" i="1" baseline="-25000" dirty="0" smtClean="0"/>
-              <a:t> </a:t>
-            </a:r>
-            <a:r>
-              <a:rPr lang="en-US" dirty="0" smtClean="0"/>
+              <a:rPr lang="en-US" dirty="0"/>
               <a:t>) </a:t>
             </a:r>
             <a:r>
-              <a:rPr lang="ru-RU" dirty="0" smtClean="0"/>
-              <a:t>– </a:t>
-            </a:r>
-            <a:r>
               <a:rPr lang="ru-RU" dirty="0"/>
-              <a:t>редуцированные точки,</a:t>
+              <a:t>– редуцированные точки,</a:t>
             </a:r>
             <a:endParaRPr lang="en-US" dirty="0"/>
           </a:p>
@@ -3893,18 +3845,15 @@
           <a:p>
             <a:r>
               <a:rPr lang="ru-RU" dirty="0"/>
-              <a:t>Переход к новой постановке задачи может быть выполнен</a:t>
-            </a:r>
-            <a:br>
+              <a:t>При переходе к новой задаче поисковая информация может быть пересчитана </a:t>
+            </a:r>
+            <a:r>
+              <a:rPr lang="ru-RU" b="1" i="1" dirty="0"/>
+              <a:t>без дополнительных вычислений значений критериев</a:t>
+            </a:r>
+            <a:r>
               <a:rPr lang="ru-RU" dirty="0"/>
-            </a:br>
-            <a:r>
-              <a:rPr lang="ru-RU" b="1" i="1" dirty="0"/>
-              <a:t>без дополнительных вычислений характеристик</a:t>
-            </a:r>
-            <a:r>
-              <a:rPr lang="ru-RU" dirty="0"/>
-              <a:t> :</a:t>
+              <a:t>:</a:t>
             </a:r>
           </a:p>
           <a:p>
@@ -3915,30 +3864,21 @@
           </a:p>
           <a:p>
             <a:r>
-              <a:rPr lang="ru-RU" dirty="0" smtClean="0"/>
-              <a:t>Алгоритм использующий представленные техники будем называть </a:t>
-            </a:r>
-            <a:r>
-              <a:rPr lang="en-US" b="1" u="sng" dirty="0" err="1" smtClean="0"/>
-              <a:t>Algorthm</a:t>
-            </a:r>
-            <a:r>
-              <a:rPr lang="en-US" b="1" u="sng" dirty="0" smtClean="0"/>
-              <a:t> for  Global Mixed-Integer Search </a:t>
-            </a:r>
-            <a:r>
-              <a:rPr lang="en-US" b="1" u="sng" dirty="0" smtClean="0"/>
-              <a:t>(AGMIS</a:t>
-            </a:r>
-            <a:r>
-              <a:rPr lang="ru-RU" b="1" u="sng" dirty="0" smtClean="0"/>
+              <a:rPr lang="ru-RU" dirty="0"/>
+              <a:t>Алгоритм, разработанный в рамках предложенного подхода, именуется далее как </a:t>
+            </a:r>
+            <a:r>
+              <a:rPr lang="en-US" b="1" u="sng" dirty="0"/>
+              <a:t>Algorithm for  Global Mixed-Integer Search (AGMIS</a:t>
+            </a:r>
+            <a:r>
+              <a:rPr lang="ru-RU" b="1" u="sng" dirty="0"/>
               <a:t>)</a:t>
             </a:r>
             <a:r>
-              <a:rPr lang="ru-RU" dirty="0" smtClean="0"/>
+              <a:rPr lang="ru-RU" dirty="0"/>
               <a:t>.</a:t>
             </a:r>
-            <a:endParaRPr lang="ru-RU" dirty="0"/>
           </a:p>
           <a:p>
             <a:endParaRPr lang="en-US" dirty="0"/>
@@ -4360,7 +4300,7 @@
               <a:buNone/>
               <a:tabLst/>
             </a:pPr>
-            <a:endParaRPr kumimoji="0" lang="en-US" sz="1800" b="0" i="0" u="none" strike="noStrike" cap="none" normalizeH="0" baseline="0" smtClean="0">
+            <a:endParaRPr kumimoji="0" lang="en-US" sz="1800" b="0" i="0" u="none" strike="noStrike" cap="none" normalizeH="0" baseline="0">
               <a:ln>
                 <a:noFill/>
               </a:ln>
@@ -4499,7 +4439,7 @@
               <a:buNone/>
               <a:tabLst/>
             </a:pPr>
-            <a:endParaRPr kumimoji="0" lang="en-US" sz="1800" b="0" i="0" u="none" strike="noStrike" cap="none" normalizeH="0" baseline="0" smtClean="0">
+            <a:endParaRPr kumimoji="0" lang="en-US" sz="1800" b="0" i="0" u="none" strike="noStrike" cap="none" normalizeH="0" baseline="0">
               <a:ln>
                 <a:noFill/>
               </a:ln>
@@ -4515,7 +4455,47 @@
       </p:sp>
       <p:sp>
         <p:nvSpPr>
-          <p:cNvPr id="22" name="Номер слайда 21"/>
+          <p:cNvPr id="20" name="Дата 3">
+            <a:extLst>
+              <a:ext uri="{FF2B5EF4-FFF2-40B4-BE49-F238E27FC236}">
+                <a16:creationId xmlns:a16="http://schemas.microsoft.com/office/drawing/2014/main" id="{401A14A2-EACA-4655-9AA9-CF5BBB4BA375}"/>
+              </a:ext>
+            </a:extLst>
+          </p:cNvPr>
+          <p:cNvSpPr>
+            <a:spLocks noGrp="1"/>
+          </p:cNvSpPr>
+          <p:nvPr>
+            <p:ph type="dt" sz="half" idx="2"/>
+          </p:nvPr>
+        </p:nvSpPr>
+        <p:spPr>
+          <a:xfrm>
+            <a:off x="882257" y="6480746"/>
+            <a:ext cx="2051711" cy="260622"/>
+          </a:xfrm>
+        </p:spPr>
+        <p:txBody>
+          <a:bodyPr/>
+          <a:lstStyle/>
+          <a:p>
+            <a:pPr>
+              <a:defRPr/>
+            </a:pPr>
+            <a:r>
+              <a:rPr lang="ru-RU" sz="1200" b="1" dirty="0" err="1"/>
+              <a:t>ПаВТ</a:t>
+            </a:r>
+            <a:r>
+              <a:rPr lang="ru-RU" sz="1200" b="1" dirty="0"/>
+              <a:t> 2021</a:t>
+            </a:r>
+          </a:p>
+        </p:txBody>
+      </p:sp>
+      <p:sp>
+        <p:nvSpPr>
+          <p:cNvPr id="21" name="Номер слайда 6"/>
           <p:cNvSpPr>
             <a:spLocks noGrp="1"/>
           </p:cNvSpPr>
@@ -4523,7 +4503,12 @@
             <p:ph type="sldNum" sz="quarter" idx="4"/>
           </p:nvPr>
         </p:nvSpPr>
-        <p:spPr/>
+        <p:spPr>
+          <a:xfrm>
+            <a:off x="8843171" y="6480746"/>
+            <a:ext cx="935567" cy="260622"/>
+          </a:xfrm>
+        </p:spPr>
         <p:txBody>
           <a:bodyPr/>
           <a:lstStyle/>
@@ -4539,21 +4524,20 @@
               <a:t>10</a:t>
             </a:fld>
             <a:r>
-              <a:rPr lang="en-US" smtClean="0"/>
+              <a:rPr lang="en-US" dirty="0"/>
               <a:t>/</a:t>
             </a:r>
             <a:r>
-              <a:rPr lang="ru-RU" smtClean="0"/>
+              <a:rPr lang="ru-RU" dirty="0"/>
               <a:t>16</a:t>
             </a:r>
-            <a:endParaRPr lang="ru-RU" dirty="0"/>
           </a:p>
         </p:txBody>
       </p:sp>
     </p:spTree>
     <p:extLst>
       <p:ext uri="{BB962C8B-B14F-4D97-AF65-F5344CB8AC3E}">
-        <p14:creationId xmlns:p14="http://schemas.microsoft.com/office/powerpoint/2010/main" xmlns="" val="3526660057"/>
+        <p14:creationId xmlns:p14="http://schemas.microsoft.com/office/powerpoint/2010/main" val="3526660057"/>
       </p:ext>
     </p:extLst>
   </p:cSld>
@@ -4599,42 +4583,17 @@
           <a:p>
             <a:r>
               <a:rPr lang="ru-RU" dirty="0"/>
-              <a:t>Параллельные вычисления для </a:t>
-            </a:r>
-            <a:br>
+              <a:t>Параллельные вычисления для систем с общей</a:t>
+            </a:r>
+            <a:r>
+              <a:rPr lang="en-US" dirty="0"/>
+              <a:t> </a:t>
+            </a:r>
+            <a:r>
               <a:rPr lang="ru-RU" dirty="0"/>
-            </a:br>
-            <a:r>
-              <a:rPr lang="ru-RU" dirty="0"/>
-              <a:t>вычислительных систем с общей памятью</a:t>
+              <a:t>разделяемой памятью</a:t>
             </a:r>
             <a:endParaRPr lang="en-US" dirty="0"/>
-          </a:p>
-        </p:txBody>
-      </p:sp>
-      <p:sp>
-        <p:nvSpPr>
-          <p:cNvPr id="4" name="Дата 3"/>
-          <p:cNvSpPr>
-            <a:spLocks noGrp="1"/>
-          </p:cNvSpPr>
-          <p:nvPr>
-            <p:ph type="dt" sz="half" idx="2"/>
-          </p:nvPr>
-        </p:nvSpPr>
-        <p:spPr/>
-        <p:txBody>
-          <a:bodyPr/>
-          <a:lstStyle/>
-          <a:p>
-            <a:pPr>
-              <a:defRPr/>
-            </a:pPr>
-            <a:r>
-              <a:rPr lang="en-US" smtClean="0"/>
-              <a:t>30.03.2021</a:t>
-            </a:r>
-            <a:endParaRPr lang="ru-RU" dirty="0"/>
           </a:p>
         </p:txBody>
       </p:sp>
@@ -4657,7 +4616,7 @@
               <a:defRPr/>
             </a:pPr>
             <a:r>
-              <a:rPr lang="en-US" smtClean="0"/>
+              <a:rPr lang="en-US"/>
               <a:t>Parallel Computations for Solving Multicriteria Mixed-Integer Optimization Problems</a:t>
             </a:r>
             <a:endParaRPr lang="ru-RU" dirty="0"/>
@@ -4674,7 +4633,12 @@
             <p:ph idx="1"/>
           </p:nvPr>
         </p:nvSpPr>
-        <p:spPr/>
+        <p:spPr>
+          <a:xfrm>
+            <a:off x="238092" y="1071546"/>
+            <a:ext cx="9667908" cy="5214974"/>
+          </a:xfrm>
+        </p:spPr>
         <p:txBody>
           <a:bodyPr>
             <a:noAutofit/>
@@ -4682,41 +4646,36 @@
           <a:lstStyle/>
           <a:p>
             <a:r>
-              <a:rPr lang="ru-RU" sz="2200" dirty="0" smtClean="0"/>
-              <a:t>Параллельный </a:t>
-            </a:r>
-            <a:r>
               <a:rPr lang="ru-RU" sz="2200" dirty="0"/>
-              <a:t>алгоритм, дополненный возможностью повторного использования </a:t>
-            </a:r>
-            <a:r>
-              <a:rPr lang="ru-RU" sz="2200" dirty="0" smtClean="0"/>
-              <a:t>информации </a:t>
-            </a:r>
-            <a:r>
-              <a:rPr lang="en-US" sz="2200" b="1" u="sng" dirty="0" smtClean="0"/>
-              <a:t>(</a:t>
-            </a:r>
-            <a:r>
-              <a:rPr lang="en-US" sz="2200" b="1" u="sng" dirty="0" smtClean="0"/>
-              <a:t>P</a:t>
-            </a:r>
-            <a:r>
-              <a:rPr lang="en-US" sz="2200" b="1" u="sng" dirty="0" smtClean="0"/>
+              <a:t>Параллельный алгоритм </a:t>
+            </a:r>
+            <a:r>
+              <a:rPr lang="en-US" sz="2200" b="1" u="sng" dirty="0"/>
+              <a:t>(PAGMIS</a:t>
+            </a:r>
+            <a:r>
+              <a:rPr lang="ru-RU" sz="2200" b="1" u="sng" dirty="0"/>
+              <a:t>)</a:t>
+            </a:r>
+            <a:r>
+              <a:rPr lang="en-US" sz="2200" b="1" dirty="0"/>
+              <a:t> </a:t>
+            </a:r>
+            <a:r>
+              <a:rPr lang="ru-RU" sz="2200" dirty="0"/>
+              <a:t>определяется как расширение последовательного метода </a:t>
+            </a:r>
+            <a:r>
+              <a:rPr lang="en-US" sz="2200" dirty="0"/>
               <a:t>AGMIS</a:t>
             </a:r>
             <a:r>
-              <a:rPr lang="ru-RU" sz="2200" b="1" u="sng" dirty="0" smtClean="0"/>
-              <a:t>)</a:t>
-            </a:r>
-            <a:r>
-              <a:rPr lang="ru-RU" sz="2200" dirty="0" smtClean="0"/>
+              <a:rPr lang="ru-RU" sz="2200" dirty="0"/>
               <a:t>:</a:t>
             </a:r>
-            <a:endParaRPr lang="ru-RU" sz="2200" dirty="0"/>
-          </a:p>
-          <a:p>
-            <a:pPr marL="457200" indent="-457200">
+          </a:p>
+          <a:p>
+            <a:pPr>
               <a:buFont typeface="+mj-lt"/>
               <a:buAutoNum type="arabicPeriod"/>
             </a:pPr>
@@ -4880,17 +4839,16 @@
               <a:t> </a:t>
             </a:r>
             <a:r>
-              <a:rPr lang="en-US" sz="2200" i="1" dirty="0" smtClean="0"/>
+              <a:rPr lang="en-US" sz="2200" i="1" dirty="0"/>
               <a:t>l</a:t>
             </a:r>
             <a:r>
-              <a:rPr lang="ru-RU" sz="2200" dirty="0" smtClean="0"/>
+              <a:rPr lang="ru-RU" sz="2200" dirty="0"/>
               <a:t>. </a:t>
             </a:r>
-            <a:endParaRPr lang="ru-RU" sz="2200" dirty="0"/>
-          </a:p>
-          <a:p>
-            <a:pPr marL="457200" indent="-457200">
+          </a:p>
+          <a:p>
+            <a:pPr>
               <a:buFont typeface="+mj-lt"/>
               <a:buAutoNum type="arabicPeriod"/>
             </a:pPr>
@@ -4932,27 +4890,19 @@
             </a:r>
             <a:r>
               <a:rPr lang="ru-RU" sz="2200" dirty="0"/>
-              <a:t>) </a:t>
-            </a:r>
-            <a:r>
-              <a:rPr lang="ru-RU" sz="2200" dirty="0" smtClean="0"/>
-              <a:t>вычислить</a:t>
-            </a:r>
-            <a:r>
-              <a:rPr lang="en-US" sz="2200" dirty="0" smtClean="0"/>
+              <a:t>) вычислить</a:t>
+            </a:r>
+            <a:r>
+              <a:rPr lang="en-US" sz="2200" dirty="0"/>
               <a:t> </a:t>
             </a:r>
             <a:r>
-              <a:rPr lang="ru-RU" sz="2200" dirty="0" smtClean="0"/>
-              <a:t>значения характеристики </a:t>
-            </a:r>
-            <a:r>
               <a:rPr lang="ru-RU" sz="2200" dirty="0"/>
-              <a:t>интервалов 𝑅(𝑖).</a:t>
-            </a:r>
-          </a:p>
-          <a:p>
-            <a:pPr marL="457200" indent="-457200">
+              <a:t>значения характеристики интервалов 𝑅(𝑖).</a:t>
+            </a:r>
+          </a:p>
+          <a:p>
+            <a:pPr>
               <a:spcAft>
                 <a:spcPts val="300"/>
               </a:spcAft>
@@ -4961,36 +4911,20 @@
             </a:pPr>
             <a:r>
               <a:rPr lang="ru-RU" sz="2200" dirty="0"/>
-              <a:t>Отсортировать интервалы </a:t>
-            </a:r>
-            <a:r>
-              <a:rPr lang="ru-RU" sz="2200" dirty="0" smtClean="0"/>
-              <a:t>по убыванию характеристик</a:t>
-            </a:r>
-            <a:r>
-              <a:rPr lang="ru-RU" sz="2200" dirty="0"/>
-              <a:t>, </a:t>
-            </a:r>
-            <a:r>
-              <a:rPr lang="ru-RU" sz="2200" dirty="0" smtClean="0"/>
-              <a:t/>
-            </a:r>
-            <a:br>
-              <a:rPr lang="ru-RU" sz="2200" dirty="0" smtClean="0"/>
-            </a:br>
-            <a:r>
-              <a:rPr lang="ru-RU" sz="2200" dirty="0" smtClean="0"/>
-              <a:t>взять </a:t>
-            </a:r>
-            <a:r>
-              <a:rPr lang="ru-RU" sz="2200" dirty="0"/>
-              <a:t>𝑝 интервалов </a:t>
+              <a:t>Отсортировать интервалы по убыванию характеристик и </a:t>
             </a:r>
             <a:br>
               <a:rPr lang="ru-RU" sz="2200" dirty="0"/>
             </a:br>
             <a:r>
               <a:rPr lang="ru-RU" sz="2200" dirty="0"/>
+              <a:t>взять 𝑝 интервалов </a:t>
+            </a:r>
+            <a:br>
+              <a:rPr lang="ru-RU" sz="2200" dirty="0"/>
+            </a:br>
+            <a:r>
+              <a:rPr lang="ru-RU" sz="2200" dirty="0"/>
               <a:t> 𝑅</a:t>
             </a:r>
             <a:r>
@@ -5127,7 +5061,7 @@
             </a:r>
           </a:p>
           <a:p>
-            <a:pPr marL="457200" indent="-457200">
+            <a:pPr>
               <a:buFont typeface="+mj-lt"/>
               <a:buAutoNum type="arabicPeriod"/>
             </a:pPr>
@@ -5135,38 +5069,30 @@
               <a:rPr lang="ru-RU" sz="2200" b="1" dirty="0"/>
               <a:t>Провести 𝑝 испытаний </a:t>
             </a:r>
-            <a:r>
-              <a:rPr lang="ru-RU" sz="2200" b="1" dirty="0" smtClean="0"/>
-              <a:t/>
-            </a:r>
             <a:br>
-              <a:rPr lang="ru-RU" sz="2200" b="1" dirty="0" smtClean="0"/>
+              <a:rPr lang="ru-RU" sz="2200" b="1" dirty="0"/>
             </a:br>
             <a:r>
-              <a:rPr lang="ru-RU" sz="2200" b="1" dirty="0" smtClean="0"/>
+              <a:rPr lang="ru-RU" sz="2200" b="1" dirty="0"/>
               <a:t>параллельно</a:t>
             </a:r>
             <a:endParaRPr lang="en-US" sz="2200" b="1" dirty="0"/>
           </a:p>
           <a:p>
-            <a:pPr marL="457200" indent="-457200">
+            <a:pPr>
               <a:buFont typeface="+mj-lt"/>
               <a:buAutoNum type="arabicPeriod"/>
             </a:pPr>
             <a:endParaRPr lang="ru-RU" sz="2200" b="1" dirty="0"/>
           </a:p>
           <a:p>
-            <a:pPr marL="457200" indent="-457200">
+            <a:pPr>
               <a:buFont typeface="+mj-lt"/>
               <a:buAutoNum type="arabicPeriod"/>
             </a:pPr>
             <a:r>
               <a:rPr lang="ru-RU" sz="2200" dirty="0"/>
               <a:t>Критерий остановки:</a:t>
-            </a:r>
-            <a:r>
-              <a:rPr lang="en-US" sz="2200" dirty="0"/>
-              <a:t/>
             </a:r>
             <a:br>
               <a:rPr lang="en-US" sz="2200" dirty="0"/>
@@ -5433,7 +5359,47 @@
       </p:pic>
       <p:sp>
         <p:nvSpPr>
-          <p:cNvPr id="14" name="Номер слайда 13"/>
+          <p:cNvPr id="13" name="Дата 3">
+            <a:extLst>
+              <a:ext uri="{FF2B5EF4-FFF2-40B4-BE49-F238E27FC236}">
+                <a16:creationId xmlns:a16="http://schemas.microsoft.com/office/drawing/2014/main" id="{401A14A2-EACA-4655-9AA9-CF5BBB4BA375}"/>
+              </a:ext>
+            </a:extLst>
+          </p:cNvPr>
+          <p:cNvSpPr>
+            <a:spLocks noGrp="1"/>
+          </p:cNvSpPr>
+          <p:nvPr>
+            <p:ph type="dt" sz="half" idx="2"/>
+          </p:nvPr>
+        </p:nvSpPr>
+        <p:spPr>
+          <a:xfrm>
+            <a:off x="882257" y="6480746"/>
+            <a:ext cx="2051711" cy="260622"/>
+          </a:xfrm>
+        </p:spPr>
+        <p:txBody>
+          <a:bodyPr/>
+          <a:lstStyle/>
+          <a:p>
+            <a:pPr>
+              <a:defRPr/>
+            </a:pPr>
+            <a:r>
+              <a:rPr lang="ru-RU" sz="1200" b="1" dirty="0" err="1"/>
+              <a:t>ПаВТ</a:t>
+            </a:r>
+            <a:r>
+              <a:rPr lang="ru-RU" sz="1200" b="1" dirty="0"/>
+              <a:t> 2021</a:t>
+            </a:r>
+          </a:p>
+        </p:txBody>
+      </p:sp>
+      <p:sp>
+        <p:nvSpPr>
+          <p:cNvPr id="15" name="Номер слайда 6"/>
           <p:cNvSpPr>
             <a:spLocks noGrp="1"/>
           </p:cNvSpPr>
@@ -5441,7 +5407,12 @@
             <p:ph type="sldNum" sz="quarter" idx="4"/>
           </p:nvPr>
         </p:nvSpPr>
-        <p:spPr/>
+        <p:spPr>
+          <a:xfrm>
+            <a:off x="8843171" y="6480746"/>
+            <a:ext cx="935567" cy="260622"/>
+          </a:xfrm>
+        </p:spPr>
         <p:txBody>
           <a:bodyPr/>
           <a:lstStyle/>
@@ -5457,21 +5428,20 @@
               <a:t>11</a:t>
             </a:fld>
             <a:r>
-              <a:rPr lang="en-US" smtClean="0"/>
+              <a:rPr lang="en-US" dirty="0"/>
               <a:t>/</a:t>
             </a:r>
             <a:r>
-              <a:rPr lang="ru-RU" smtClean="0"/>
+              <a:rPr lang="ru-RU" dirty="0"/>
               <a:t>16</a:t>
             </a:r>
-            <a:endParaRPr lang="ru-RU" dirty="0"/>
           </a:p>
         </p:txBody>
       </p:sp>
     </p:spTree>
     <p:extLst>
       <p:ext uri="{BB962C8B-B14F-4D97-AF65-F5344CB8AC3E}">
-        <p14:creationId xmlns:p14="http://schemas.microsoft.com/office/powerpoint/2010/main" xmlns="" val="618850280"/>
+        <p14:creationId xmlns:p14="http://schemas.microsoft.com/office/powerpoint/2010/main" val="618850280"/>
       </p:ext>
     </p:extLst>
   </p:cSld>
@@ -5503,7 +5473,7 @@
           <p:cNvPr id="2" name="Заголовок 1">
             <a:extLst>
               <a:ext uri="{FF2B5EF4-FFF2-40B4-BE49-F238E27FC236}">
-                <a16:creationId xmlns:a16="http://schemas.microsoft.com/office/drawing/2014/main" xmlns="" id="{58075F12-C5B6-40C6-8BE2-519007171384}"/>
+                <a16:creationId xmlns:a16="http://schemas.microsoft.com/office/drawing/2014/main" id="{58075F12-C5B6-40C6-8BE2-519007171384}"/>
               </a:ext>
             </a:extLst>
           </p:cNvPr>
@@ -5522,10 +5492,13 @@
           <a:lstStyle/>
           <a:p>
             <a:r>
-              <a:rPr lang="ru-RU" sz="2400" dirty="0" smtClean="0"/>
-              <a:t>Результаты вычислительных экспериментов…</a:t>
-            </a:r>
-            <a:endParaRPr lang="ru-RU" sz="2400" dirty="0"/>
+              <a:rPr lang="ru-RU" sz="2800" dirty="0"/>
+              <a:t>Результаты вычислительных экспериментов</a:t>
+            </a:r>
+            <a:r>
+              <a:rPr lang="ru-RU" sz="2400" dirty="0"/>
+              <a:t>…</a:t>
+            </a:r>
           </a:p>
         </p:txBody>
       </p:sp>
@@ -5534,7 +5507,7 @@
           <p:cNvPr id="3" name="Объект 2">
             <a:extLst>
               <a:ext uri="{FF2B5EF4-FFF2-40B4-BE49-F238E27FC236}">
-                <a16:creationId xmlns:a16="http://schemas.microsoft.com/office/drawing/2014/main" xmlns="" id="{B22B4373-32A7-4E84-8CB2-303E06E45A0E}"/>
+                <a16:creationId xmlns:a16="http://schemas.microsoft.com/office/drawing/2014/main" id="{B22B4373-32A7-4E84-8CB2-303E06E45A0E}"/>
               </a:ext>
             </a:extLst>
           </p:cNvPr>
@@ -5552,147 +5525,81 @@
           <a:p>
             <a:r>
               <a:rPr lang="ru-RU" dirty="0"/>
-              <a:t>Вычислительные эксперименты проводились на </a:t>
-            </a:r>
-            <a:r>
-              <a:rPr lang="ru-RU" dirty="0" smtClean="0"/>
-              <a:t>суперкомпьютерах </a:t>
-            </a:r>
+              <a:t>Вычислительные эксперименты проводились на суперкомпьютерах «Лобачевский» Нижегородского государственного университета и </a:t>
+            </a:r>
+            <a:r>
+              <a:rPr lang="en-US" dirty="0"/>
+              <a:t>Endeavor.</a:t>
+            </a:r>
+            <a:endParaRPr lang="ru-RU" dirty="0"/>
+          </a:p>
+          <a:p>
             <a:r>
               <a:rPr lang="ru-RU" dirty="0"/>
-              <a:t>«Лобачевский» Нижегородского государственного </a:t>
-            </a:r>
-            <a:r>
-              <a:rPr lang="ru-RU" dirty="0" smtClean="0"/>
-              <a:t>университета и </a:t>
-            </a:r>
-            <a:r>
-              <a:rPr lang="en-US" dirty="0" smtClean="0"/>
-              <a:t>Endeavor.</a:t>
-            </a:r>
-            <a:endParaRPr lang="ru-RU" dirty="0" smtClean="0"/>
-          </a:p>
-          <a:p>
-            <a:r>
-              <a:rPr lang="ru-RU" dirty="0" smtClean="0"/>
               <a:t>Характеристики вычислительных узлов</a:t>
             </a:r>
             <a:r>
-              <a:rPr lang="en-US" dirty="0" smtClean="0"/>
+              <a:rPr lang="en-US" dirty="0"/>
               <a:t>: </a:t>
             </a:r>
-            <a:endParaRPr lang="ru-RU" dirty="0" smtClean="0"/>
+            <a:endParaRPr lang="ru-RU" dirty="0"/>
           </a:p>
           <a:p>
             <a:pPr lvl="1"/>
             <a:r>
-              <a:rPr lang="en-US" dirty="0" smtClean="0"/>
-              <a:t>2 x Intel </a:t>
-            </a:r>
-            <a:r>
-              <a:rPr lang="en-US" dirty="0" smtClean="0"/>
-              <a:t>Xeon Platinum 8260L, 2.4 GHz, </a:t>
-            </a:r>
-            <a:r>
-              <a:rPr lang="en-US" dirty="0" smtClean="0"/>
-              <a:t>(48</a:t>
-            </a:r>
-            <a:r>
-              <a:rPr lang="ru-RU" dirty="0" smtClean="0"/>
+              <a:rPr lang="en-US" dirty="0"/>
+              <a:t>2 x Intel Xeon Platinum 8260L, 2.4 GHz, (48</a:t>
+            </a:r>
+            <a:r>
+              <a:rPr lang="ru-RU" dirty="0"/>
               <a:t> вычислительных</a:t>
             </a:r>
             <a:r>
-              <a:rPr lang="en-US" dirty="0" smtClean="0"/>
+              <a:rPr lang="en-US" dirty="0"/>
               <a:t> </a:t>
             </a:r>
             <a:r>
-              <a:rPr lang="ru-RU" dirty="0" smtClean="0"/>
+              <a:rPr lang="ru-RU" dirty="0"/>
               <a:t>ядер</a:t>
             </a:r>
             <a:r>
-              <a:rPr lang="en-US" dirty="0" smtClean="0"/>
+              <a:rPr lang="en-US" dirty="0"/>
               <a:t>)</a:t>
             </a:r>
-            <a:endParaRPr lang="ru-RU" dirty="0" smtClean="0"/>
+            <a:r>
+              <a:rPr lang="ru-RU" dirty="0"/>
+              <a:t>,</a:t>
+            </a:r>
           </a:p>
           <a:p>
             <a:pPr lvl="1"/>
             <a:r>
-              <a:rPr lang="en-US" dirty="0" smtClean="0"/>
-              <a:t>256 </a:t>
-            </a:r>
-            <a:r>
-              <a:rPr lang="en-US" dirty="0" smtClean="0"/>
-              <a:t>GB </a:t>
-            </a:r>
-            <a:r>
-              <a:rPr lang="en-US" dirty="0" smtClean="0"/>
-              <a:t>RAM. </a:t>
-            </a:r>
-            <a:endParaRPr lang="ru-RU" dirty="0" smtClean="0"/>
+              <a:rPr lang="en-US" dirty="0"/>
+              <a:t>256 GB RAM. </a:t>
+            </a:r>
+            <a:endParaRPr lang="ru-RU" dirty="0"/>
           </a:p>
           <a:p>
             <a:pPr lvl="1"/>
             <a:r>
-              <a:rPr lang="ru-RU" dirty="0" smtClean="0"/>
+              <a:rPr lang="ru-RU" dirty="0"/>
               <a:t>Компилятор из набора инструментов</a:t>
             </a:r>
             <a:r>
-              <a:rPr lang="en-US" dirty="0" smtClean="0"/>
+              <a:rPr lang="en-US" dirty="0"/>
               <a:t> </a:t>
             </a:r>
-            <a:r>
-              <a:rPr lang="ru-RU" dirty="0" smtClean="0"/>
-              <a:t/>
-            </a:r>
             <a:br>
-              <a:rPr lang="ru-RU" dirty="0" smtClean="0"/>
+              <a:rPr lang="ru-RU" dirty="0"/>
             </a:br>
             <a:r>
-              <a:rPr lang="en-US" dirty="0" smtClean="0"/>
-              <a:t>Intel </a:t>
-            </a:r>
-            <a:r>
-              <a:rPr lang="en-US" dirty="0" smtClean="0"/>
-              <a:t>Parallel Studio XE </a:t>
-            </a:r>
-            <a:r>
-              <a:rPr lang="en-US" dirty="0" smtClean="0"/>
-              <a:t>2019</a:t>
-            </a:r>
-            <a:endParaRPr lang="ru-RU" dirty="0" smtClean="0"/>
-          </a:p>
-        </p:txBody>
-      </p:sp>
-      <p:sp>
-        <p:nvSpPr>
-          <p:cNvPr id="4" name="Дата 3">
-            <a:extLst>
-              <a:ext uri="{FF2B5EF4-FFF2-40B4-BE49-F238E27FC236}">
-                <a16:creationId xmlns:a16="http://schemas.microsoft.com/office/drawing/2014/main" xmlns="" id="{CDB41290-F6E1-4027-97A0-BF8897310946}"/>
-              </a:ext>
-            </a:extLst>
-          </p:cNvPr>
-          <p:cNvSpPr>
-            <a:spLocks noGrp="1"/>
-          </p:cNvSpPr>
-          <p:nvPr>
-            <p:ph type="dt" sz="half" idx="2"/>
-          </p:nvPr>
-        </p:nvSpPr>
-        <p:spPr/>
-        <p:txBody>
-          <a:bodyPr/>
-          <a:lstStyle/>
-          <a:p>
-            <a:pPr>
-              <a:defRPr/>
-            </a:pPr>
-            <a:r>
-              <a:rPr lang="en-US" smtClean="0"/>
-              <a:t>30.03.2021</a:t>
-            </a:r>
-            <a:endParaRPr lang="ru-RU" dirty="0"/>
+              <a:rPr lang="en-US" dirty="0"/>
+              <a:t>Intel Parallel Studio XE 2019</a:t>
+            </a:r>
+            <a:r>
+              <a:rPr lang="ru-RU" dirty="0"/>
+              <a:t>.</a:t>
+            </a:r>
           </a:p>
         </p:txBody>
       </p:sp>
@@ -5701,7 +5608,7 @@
           <p:cNvPr id="5" name="Нижний колонтитул 4">
             <a:extLst>
               <a:ext uri="{FF2B5EF4-FFF2-40B4-BE49-F238E27FC236}">
-                <a16:creationId xmlns:a16="http://schemas.microsoft.com/office/drawing/2014/main" xmlns="" id="{2B8EDD30-8AC3-4A33-AF59-897BCA711B96}"/>
+                <a16:creationId xmlns:a16="http://schemas.microsoft.com/office/drawing/2014/main" id="{2B8EDD30-8AC3-4A33-AF59-897BCA711B96}"/>
               </a:ext>
             </a:extLst>
           </p:cNvPr>
@@ -5721,7 +5628,7 @@
               <a:defRPr/>
             </a:pPr>
             <a:r>
-              <a:rPr lang="en-US" smtClean="0"/>
+              <a:rPr lang="en-US"/>
               <a:t>Parallel Computations for Solving Multicriteria Mixed-Integer Optimization Problems</a:t>
             </a:r>
             <a:endParaRPr lang="ru-RU" dirty="0"/>
@@ -5730,7 +5637,47 @@
       </p:sp>
       <p:sp>
         <p:nvSpPr>
-          <p:cNvPr id="8" name="Номер слайда 7"/>
+          <p:cNvPr id="7" name="Дата 3">
+            <a:extLst>
+              <a:ext uri="{FF2B5EF4-FFF2-40B4-BE49-F238E27FC236}">
+                <a16:creationId xmlns:a16="http://schemas.microsoft.com/office/drawing/2014/main" id="{401A14A2-EACA-4655-9AA9-CF5BBB4BA375}"/>
+              </a:ext>
+            </a:extLst>
+          </p:cNvPr>
+          <p:cNvSpPr>
+            <a:spLocks noGrp="1"/>
+          </p:cNvSpPr>
+          <p:nvPr>
+            <p:ph type="dt" sz="half" idx="2"/>
+          </p:nvPr>
+        </p:nvSpPr>
+        <p:spPr>
+          <a:xfrm>
+            <a:off x="882257" y="6480746"/>
+            <a:ext cx="2051711" cy="260622"/>
+          </a:xfrm>
+        </p:spPr>
+        <p:txBody>
+          <a:bodyPr/>
+          <a:lstStyle/>
+          <a:p>
+            <a:pPr>
+              <a:defRPr/>
+            </a:pPr>
+            <a:r>
+              <a:rPr lang="ru-RU" sz="1200" b="1" dirty="0" err="1"/>
+              <a:t>ПаВТ</a:t>
+            </a:r>
+            <a:r>
+              <a:rPr lang="ru-RU" sz="1200" b="1" dirty="0"/>
+              <a:t> 2021</a:t>
+            </a:r>
+          </a:p>
+        </p:txBody>
+      </p:sp>
+      <p:sp>
+        <p:nvSpPr>
+          <p:cNvPr id="9" name="Номер слайда 6"/>
           <p:cNvSpPr>
             <a:spLocks noGrp="1"/>
           </p:cNvSpPr>
@@ -5738,7 +5685,12 @@
             <p:ph type="sldNum" sz="quarter" idx="4"/>
           </p:nvPr>
         </p:nvSpPr>
-        <p:spPr/>
+        <p:spPr>
+          <a:xfrm>
+            <a:off x="8843171" y="6480746"/>
+            <a:ext cx="935567" cy="260622"/>
+          </a:xfrm>
+        </p:spPr>
         <p:txBody>
           <a:bodyPr/>
           <a:lstStyle/>
@@ -5754,21 +5706,20 @@
               <a:t>12</a:t>
             </a:fld>
             <a:r>
-              <a:rPr lang="en-US" smtClean="0"/>
+              <a:rPr lang="en-US" dirty="0"/>
               <a:t>/</a:t>
             </a:r>
             <a:r>
-              <a:rPr lang="ru-RU" smtClean="0"/>
+              <a:rPr lang="ru-RU" dirty="0"/>
               <a:t>16</a:t>
             </a:r>
-            <a:endParaRPr lang="ru-RU" dirty="0"/>
           </a:p>
         </p:txBody>
       </p:sp>
     </p:spTree>
     <p:extLst>
       <p:ext uri="{BB962C8B-B14F-4D97-AF65-F5344CB8AC3E}">
-        <p14:creationId xmlns:p14="http://schemas.microsoft.com/office/powerpoint/2010/main" xmlns="" val="313646760"/>
+        <p14:creationId xmlns:p14="http://schemas.microsoft.com/office/powerpoint/2010/main" val="313646760"/>
       </p:ext>
     </p:extLst>
   </p:cSld>
@@ -5800,7 +5751,7 @@
           <p:cNvPr id="2" name="Заголовок 1">
             <a:extLst>
               <a:ext uri="{FF2B5EF4-FFF2-40B4-BE49-F238E27FC236}">
-                <a16:creationId xmlns:a16="http://schemas.microsoft.com/office/drawing/2014/main" xmlns="" id="{58075F12-C5B6-40C6-8BE2-519007171384}"/>
+                <a16:creationId xmlns:a16="http://schemas.microsoft.com/office/drawing/2014/main" id="{58075F12-C5B6-40C6-8BE2-519007171384}"/>
               </a:ext>
             </a:extLst>
           </p:cNvPr>
@@ -5819,10 +5770,9 @@
           <a:lstStyle/>
           <a:p>
             <a:r>
-              <a:rPr lang="ru-RU" sz="2400" dirty="0" smtClean="0"/>
+              <a:rPr lang="ru-RU" sz="2800" dirty="0"/>
               <a:t>Результаты вычислительных экспериментов…</a:t>
             </a:r>
-            <a:endParaRPr lang="ru-RU" sz="2400" dirty="0"/>
           </a:p>
         </p:txBody>
       </p:sp>
@@ -5831,7 +5781,7 @@
           <p:cNvPr id="3" name="Объект 2">
             <a:extLst>
               <a:ext uri="{FF2B5EF4-FFF2-40B4-BE49-F238E27FC236}">
-                <a16:creationId xmlns:a16="http://schemas.microsoft.com/office/drawing/2014/main" xmlns="" id="{B22B4373-32A7-4E84-8CB2-303E06E45A0E}"/>
+                <a16:creationId xmlns:a16="http://schemas.microsoft.com/office/drawing/2014/main" id="{B22B4373-32A7-4E84-8CB2-303E06E45A0E}"/>
               </a:ext>
             </a:extLst>
           </p:cNvPr>
@@ -5844,7 +5794,7 @@
         </p:nvSpPr>
         <p:spPr>
           <a:xfrm>
-            <a:off x="238092" y="1071546"/>
+            <a:off x="238092" y="972128"/>
             <a:ext cx="9395428" cy="5337192"/>
           </a:xfrm>
         </p:spPr>
@@ -5854,104 +5804,53 @@
           </a:bodyPr>
           <a:lstStyle/>
           <a:p>
+            <a:pPr>
+              <a:lnSpc>
+                <a:spcPct val="90000"/>
+              </a:lnSpc>
+              <a:spcBef>
+                <a:spcPts val="0"/>
+              </a:spcBef>
+              <a:spcAft>
+                <a:spcPts val="300"/>
+              </a:spcAft>
+            </a:pPr>
             <a:r>
               <a:rPr lang="ru-RU" dirty="0"/>
-              <a:t>Решалась двумерная </a:t>
-            </a:r>
-            <a:r>
-              <a:rPr lang="ru-RU" dirty="0" smtClean="0"/>
-              <a:t>тестовая задача </a:t>
-            </a:r>
+              <a:t>Двухмерная задача многокритериальной оптимизации  с двумя критериями.</a:t>
+            </a:r>
+            <a:endParaRPr lang="en-US" dirty="0"/>
+          </a:p>
+          <a:p>
+            <a:pPr>
+              <a:lnSpc>
+                <a:spcPct val="90000"/>
+              </a:lnSpc>
+              <a:spcBef>
+                <a:spcPts val="0"/>
+              </a:spcBef>
+              <a:spcAft>
+                <a:spcPts val="300"/>
+              </a:spcAft>
+            </a:pPr>
             <a:r>
               <a:rPr lang="ru-RU" dirty="0"/>
-              <a:t>с двумя критериями.</a:t>
-            </a:r>
-            <a:endParaRPr lang="en-US" dirty="0"/>
-          </a:p>
-          <a:p>
-            <a:r>
-              <a:rPr lang="ru-RU" dirty="0"/>
-              <a:t>Сравнивается эффективность </a:t>
-            </a:r>
-            <a:r>
-              <a:rPr lang="ru-RU" dirty="0" smtClean="0"/>
-              <a:t>алгоритмов</a:t>
-            </a:r>
+              <a:t>Оценка эффективности решения задачи с использованием различных алгоритмов</a:t>
+            </a:r>
+          </a:p>
+          <a:p>
             <a:endParaRPr lang="ru-RU" dirty="0"/>
           </a:p>
           <a:p>
-            <a:pPr lvl="1"/>
-            <a:r>
-              <a:rPr lang="en-US" sz="2000" dirty="0" smtClean="0"/>
-              <a:t>AGMIS</a:t>
-            </a:r>
-            <a:r>
-              <a:rPr lang="ru-RU" sz="2000" dirty="0" smtClean="0"/>
-              <a:t> – разработанный алгоритм</a:t>
-            </a:r>
-            <a:endParaRPr lang="en-US" sz="2000" dirty="0" smtClean="0">
-              <a:latin typeface="Times New Roman"/>
-              <a:ea typeface="Times New Roman"/>
-              <a:cs typeface="Times New Roman"/>
-            </a:endParaRPr>
-          </a:p>
-          <a:p>
-            <a:pPr lvl="1"/>
-            <a:r>
-              <a:rPr lang="ru-RU" dirty="0" smtClean="0"/>
-              <a:t>Результаты остальных алгоритмов взяты из опубликованных статей</a:t>
-            </a:r>
             <a:endParaRPr lang="ru-RU" dirty="0"/>
           </a:p>
           <a:p>
-            <a:pPr lvl="1"/>
             <a:endParaRPr lang="ru-RU" dirty="0"/>
           </a:p>
           <a:p>
-            <a:endParaRPr lang="ru-RU" dirty="0" smtClean="0"/>
-          </a:p>
-          <a:p>
-            <a:endParaRPr lang="ru-RU" dirty="0" smtClean="0"/>
-          </a:p>
-          <a:p>
-            <a:endParaRPr lang="ru-RU" dirty="0" smtClean="0"/>
-          </a:p>
-          <a:p>
-            <a:endParaRPr lang="ru-RU" dirty="0" smtClean="0"/>
-          </a:p>
-          <a:p>
-            <a:endParaRPr lang="ru-RU" dirty="0" smtClean="0"/>
-          </a:p>
-        </p:txBody>
-      </p:sp>
-      <p:sp>
-        <p:nvSpPr>
-          <p:cNvPr id="4" name="Дата 3">
-            <a:extLst>
-              <a:ext uri="{FF2B5EF4-FFF2-40B4-BE49-F238E27FC236}">
-                <a16:creationId xmlns:a16="http://schemas.microsoft.com/office/drawing/2014/main" xmlns="" id="{CDB41290-F6E1-4027-97A0-BF8897310946}"/>
-              </a:ext>
-            </a:extLst>
-          </p:cNvPr>
-          <p:cNvSpPr>
-            <a:spLocks noGrp="1"/>
-          </p:cNvSpPr>
-          <p:nvPr>
-            <p:ph type="dt" sz="half" idx="2"/>
-          </p:nvPr>
-        </p:nvSpPr>
-        <p:spPr/>
-        <p:txBody>
-          <a:bodyPr/>
-          <a:lstStyle/>
-          <a:p>
-            <a:pPr>
-              <a:defRPr/>
-            </a:pPr>
-            <a:r>
-              <a:rPr lang="en-US" smtClean="0"/>
-              <a:t>30.03.2021</a:t>
-            </a:r>
+            <a:endParaRPr lang="ru-RU" dirty="0"/>
+          </a:p>
+          <a:p>
             <a:endParaRPr lang="ru-RU" dirty="0"/>
           </a:p>
         </p:txBody>
@@ -5961,7 +5860,7 @@
           <p:cNvPr id="5" name="Нижний колонтитул 4">
             <a:extLst>
               <a:ext uri="{FF2B5EF4-FFF2-40B4-BE49-F238E27FC236}">
-                <a16:creationId xmlns:a16="http://schemas.microsoft.com/office/drawing/2014/main" xmlns="" id="{2B8EDD30-8AC3-4A33-AF59-897BCA711B96}"/>
+                <a16:creationId xmlns:a16="http://schemas.microsoft.com/office/drawing/2014/main" id="{2B8EDD30-8AC3-4A33-AF59-897BCA711B96}"/>
               </a:ext>
             </a:extLst>
           </p:cNvPr>
@@ -5981,7 +5880,7 @@
               <a:defRPr/>
             </a:pPr>
             <a:r>
-              <a:rPr lang="en-US" smtClean="0"/>
+              <a:rPr lang="en-US"/>
               <a:t>Parallel Computations for Solving Multicriteria Mixed-Integer Optimization Problems</a:t>
             </a:r>
             <a:endParaRPr lang="ru-RU" dirty="0"/>
@@ -5994,10 +5893,16 @@
           <p:cNvGraphicFramePr>
             <a:graphicFrameLocks noGrp="1"/>
           </p:cNvGraphicFramePr>
-          <p:nvPr/>
+          <p:nvPr>
+            <p:extLst>
+              <p:ext uri="{D42A27DB-BD31-4B8C-83A1-F6EECF244321}">
+                <p14:modId xmlns:p14="http://schemas.microsoft.com/office/powerpoint/2010/main" val="3853735199"/>
+              </p:ext>
+            </p:extLst>
+          </p:nvPr>
         </p:nvGraphicFramePr>
         <p:xfrm>
-          <a:off x="344489" y="2780928"/>
+          <a:off x="488505" y="2524427"/>
           <a:ext cx="9000999" cy="2488749"/>
         </p:xfrm>
         <a:graphic>
@@ -6005,12 +5910,48 @@
             <a:tbl>
               <a:tblPr/>
               <a:tblGrid>
-                <a:gridCol w="3816423"/>
-                <a:gridCol w="936104"/>
-                <a:gridCol w="936104"/>
-                <a:gridCol w="1152128"/>
-                <a:gridCol w="936104"/>
-                <a:gridCol w="1224136"/>
+                <a:gridCol w="3816423">
+                  <a:extLst>
+                    <a:ext uri="{9D8B030D-6E8A-4147-A177-3AD203B41FA5}">
+                      <a16:colId xmlns:a16="http://schemas.microsoft.com/office/drawing/2014/main" val="20000"/>
+                    </a:ext>
+                  </a:extLst>
+                </a:gridCol>
+                <a:gridCol w="936104">
+                  <a:extLst>
+                    <a:ext uri="{9D8B030D-6E8A-4147-A177-3AD203B41FA5}">
+                      <a16:colId xmlns:a16="http://schemas.microsoft.com/office/drawing/2014/main" val="20001"/>
+                    </a:ext>
+                  </a:extLst>
+                </a:gridCol>
+                <a:gridCol w="936104">
+                  <a:extLst>
+                    <a:ext uri="{9D8B030D-6E8A-4147-A177-3AD203B41FA5}">
+                      <a16:colId xmlns:a16="http://schemas.microsoft.com/office/drawing/2014/main" val="20002"/>
+                    </a:ext>
+                  </a:extLst>
+                </a:gridCol>
+                <a:gridCol w="1152128">
+                  <a:extLst>
+                    <a:ext uri="{9D8B030D-6E8A-4147-A177-3AD203B41FA5}">
+                      <a16:colId xmlns:a16="http://schemas.microsoft.com/office/drawing/2014/main" val="20003"/>
+                    </a:ext>
+                  </a:extLst>
+                </a:gridCol>
+                <a:gridCol w="936104">
+                  <a:extLst>
+                    <a:ext uri="{9D8B030D-6E8A-4147-A177-3AD203B41FA5}">
+                      <a16:colId xmlns:a16="http://schemas.microsoft.com/office/drawing/2014/main" val="20004"/>
+                    </a:ext>
+                  </a:extLst>
+                </a:gridCol>
+                <a:gridCol w="1224136">
+                  <a:extLst>
+                    <a:ext uri="{9D8B030D-6E8A-4147-A177-3AD203B41FA5}">
+                      <a16:colId xmlns:a16="http://schemas.microsoft.com/office/drawing/2014/main" val="20005"/>
+                    </a:ext>
+                  </a:extLst>
+                </a:gridCol>
               </a:tblGrid>
               <a:tr h="382543">
                 <a:tc>
@@ -6359,7 +6300,7 @@
                         </a:spcAft>
                       </a:pPr>
                       <a:r>
-                        <a:rPr lang="en-US" sz="2400" b="1" u="none" dirty="0" smtClean="0"/>
+                        <a:rPr lang="en-US" sz="2400" b="1" u="none" dirty="0"/>
                         <a:t>AGMIS</a:t>
                       </a:r>
                       <a:endParaRPr lang="en-US" sz="2200" u="none" dirty="0">
@@ -6408,6 +6349,11 @@
                     </a:lnB>
                   </a:tcPr>
                 </a:tc>
+                <a:extLst>
+                  <a:ext uri="{0D108BD9-81ED-4DB2-BD59-A6C34878D82A}">
+                    <a16:rowId xmlns:a16="http://schemas.microsoft.com/office/drawing/2014/main" val="10000"/>
+                  </a:ext>
+                </a:extLst>
               </a:tr>
               <a:tr h="650322">
                 <a:tc>
@@ -6430,17 +6376,6 @@
                           <a:cs typeface="Times New Roman"/>
                         </a:rPr>
                         <a:t>Количество </a:t>
-                      </a:r>
-                      <a:r>
-                        <a:rPr lang="en-US" sz="2200" b="1">
-                          <a:solidFill>
-                            <a:srgbClr val="000000"/>
-                          </a:solidFill>
-                          <a:latin typeface="Times New Roman"/>
-                          <a:ea typeface="Times New Roman"/>
-                          <a:cs typeface="Times New Roman"/>
-                        </a:rPr>
-                        <a:t/>
                       </a:r>
                       <a:br>
                         <a:rPr lang="en-US" sz="2200" b="1">
@@ -6844,6 +6779,11 @@
                     </a:lnB>
                   </a:tcPr>
                 </a:tc>
+                <a:extLst>
+                  <a:ext uri="{0D108BD9-81ED-4DB2-BD59-A6C34878D82A}">
+                    <a16:rowId xmlns:a16="http://schemas.microsoft.com/office/drawing/2014/main" val="10001"/>
+                  </a:ext>
+                </a:extLst>
               </a:tr>
               <a:tr h="650322">
                 <a:tc>
@@ -7248,6 +7188,11 @@
                     </a:lnB>
                   </a:tcPr>
                 </a:tc>
+                <a:extLst>
+                  <a:ext uri="{0D108BD9-81ED-4DB2-BD59-A6C34878D82A}">
+                    <a16:rowId xmlns:a16="http://schemas.microsoft.com/office/drawing/2014/main" val="10002"/>
+                  </a:ext>
+                </a:extLst>
               </a:tr>
               <a:tr h="382543">
                 <a:tc>
@@ -7269,18 +7214,7 @@
                           <a:ea typeface="Times New Roman"/>
                           <a:cs typeface="Times New Roman"/>
                         </a:rPr>
-                        <a:t>HV </a:t>
-                      </a:r>
-                      <a:r>
-                        <a:rPr lang="ru-RU" sz="2200" b="1" dirty="0" smtClean="0">
-                          <a:solidFill>
-                            <a:srgbClr val="000000"/>
-                          </a:solidFill>
-                          <a:latin typeface="Times New Roman"/>
-                          <a:ea typeface="Times New Roman"/>
-                          <a:cs typeface="Times New Roman"/>
-                        </a:rPr>
-                        <a:t>индекс (лучше больше)</a:t>
+                        <a:t>HV индекс (лучше больше)</a:t>
                       </a:r>
                       <a:endParaRPr lang="en-US" sz="2200" dirty="0">
                         <a:latin typeface="Times New Roman"/>
@@ -7663,6 +7597,11 @@
                     </a:lnB>
                   </a:tcPr>
                 </a:tc>
+                <a:extLst>
+                  <a:ext uri="{0D108BD9-81ED-4DB2-BD59-A6C34878D82A}">
+                    <a16:rowId xmlns:a16="http://schemas.microsoft.com/office/drawing/2014/main" val="10003"/>
+                  </a:ext>
+                </a:extLst>
               </a:tr>
               <a:tr h="382543">
                 <a:tc>
@@ -7684,29 +7623,7 @@
                           <a:ea typeface="Times New Roman"/>
                           <a:cs typeface="Times New Roman"/>
                         </a:rPr>
-                        <a:t>DU </a:t>
-                      </a:r>
-                      <a:r>
-                        <a:rPr lang="ru-RU" sz="2200" b="1" dirty="0" smtClean="0">
-                          <a:solidFill>
-                            <a:srgbClr val="000000"/>
-                          </a:solidFill>
-                          <a:latin typeface="Times New Roman"/>
-                          <a:ea typeface="Times New Roman"/>
-                          <a:cs typeface="Times New Roman"/>
-                        </a:rPr>
-                        <a:t>индекс </a:t>
-                      </a:r>
-                      <a:r>
-                        <a:rPr lang="ru-RU" sz="2200" b="1" dirty="0" smtClean="0">
-                          <a:solidFill>
-                            <a:srgbClr val="000000"/>
-                          </a:solidFill>
-                          <a:latin typeface="Times New Roman"/>
-                          <a:ea typeface="Times New Roman"/>
-                          <a:cs typeface="Times New Roman"/>
-                        </a:rPr>
-                        <a:t>(лучше меньше)</a:t>
+                        <a:t>DU индекс (лучше меньше)</a:t>
                       </a:r>
                       <a:endParaRPr lang="en-US" sz="2200" dirty="0">
                         <a:latin typeface="Times New Roman"/>
@@ -8089,6 +8006,11 @@
                     </a:lnB>
                   </a:tcPr>
                 </a:tc>
+                <a:extLst>
+                  <a:ext uri="{0D108BD9-81ED-4DB2-BD59-A6C34878D82A}">
+                    <a16:rowId xmlns:a16="http://schemas.microsoft.com/office/drawing/2014/main" val="10004"/>
+                  </a:ext>
+                </a:extLst>
               </a:tr>
             </a:tbl>
           </a:graphicData>
@@ -8096,7 +8018,383 @@
       </p:graphicFrame>
       <p:sp>
         <p:nvSpPr>
-          <p:cNvPr id="13" name="Номер слайда 12"/>
+          <p:cNvPr id="8" name="Объект 2">
+            <a:extLst>
+              <a:ext uri="{FF2B5EF4-FFF2-40B4-BE49-F238E27FC236}">
+                <a16:creationId xmlns:a16="http://schemas.microsoft.com/office/drawing/2014/main" id="{B22B4373-32A7-4E84-8CB2-303E06E45A0E}"/>
+              </a:ext>
+            </a:extLst>
+          </p:cNvPr>
+          <p:cNvSpPr txBox="1">
+            <a:spLocks/>
+          </p:cNvSpPr>
+          <p:nvPr/>
+        </p:nvSpPr>
+        <p:spPr bwMode="auto">
+          <a:xfrm>
+            <a:off x="345705" y="5076584"/>
+            <a:ext cx="9395428" cy="1304744"/>
+          </a:xfrm>
+          <a:prstGeom prst="rect">
+            <a:avLst/>
+          </a:prstGeom>
+          <a:noFill/>
+          <a:ln w="9525">
+            <a:noFill/>
+            <a:miter lim="800000"/>
+            <a:headEnd/>
+            <a:tailEnd/>
+          </a:ln>
+        </p:spPr>
+        <p:txBody>
+          <a:bodyPr vert="horz" wrap="square" lIns="91440" tIns="45720" rIns="91440" bIns="45720" numCol="1" anchor="t" anchorCtr="0" compatLnSpc="1">
+            <a:prstTxWarp prst="textNoShape">
+              <a:avLst/>
+            </a:prstTxWarp>
+            <a:normAutofit lnSpcReduction="10000"/>
+          </a:bodyPr>
+          <a:lstStyle>
+            <a:lvl1pPr marL="266700" indent="-266700" algn="l" rtl="0" eaLnBrk="0" fontAlgn="base" hangingPunct="0">
+              <a:spcBef>
+                <a:spcPct val="20000"/>
+              </a:spcBef>
+              <a:spcAft>
+                <a:spcPct val="0"/>
+              </a:spcAft>
+              <a:buSzPct val="80000"/>
+              <a:buFont typeface="Wingdings" pitchFamily="2" charset="2"/>
+              <a:buChar char="q"/>
+              <a:defRPr sz="2400">
+                <a:solidFill>
+                  <a:schemeClr val="tx1"/>
+                </a:solidFill>
+                <a:latin typeface="Times New Roman" panose="02020603050405020304" pitchFamily="18" charset="0"/>
+                <a:ea typeface="+mn-ea"/>
+                <a:cs typeface="Times New Roman" panose="02020603050405020304" pitchFamily="18" charset="0"/>
+              </a:defRPr>
+            </a:lvl1pPr>
+            <a:lvl2pPr marL="542925" indent="-276225" algn="l" rtl="0" eaLnBrk="0" fontAlgn="base" hangingPunct="0">
+              <a:spcBef>
+                <a:spcPct val="20000"/>
+              </a:spcBef>
+              <a:spcAft>
+                <a:spcPct val="0"/>
+              </a:spcAft>
+              <a:buChar char="–"/>
+              <a:defRPr sz="2200">
+                <a:solidFill>
+                  <a:schemeClr val="tx1"/>
+                </a:solidFill>
+                <a:latin typeface="Times New Roman" panose="02020603050405020304" pitchFamily="18" charset="0"/>
+                <a:cs typeface="Times New Roman" panose="02020603050405020304" pitchFamily="18" charset="0"/>
+              </a:defRPr>
+            </a:lvl2pPr>
+            <a:lvl3pPr marL="809625" indent="-266700" algn="l" rtl="0" eaLnBrk="0" fontAlgn="base" hangingPunct="0">
+              <a:spcBef>
+                <a:spcPct val="20000"/>
+              </a:spcBef>
+              <a:spcAft>
+                <a:spcPct val="0"/>
+              </a:spcAft>
+              <a:buChar char="•"/>
+              <a:defRPr sz="2000">
+                <a:solidFill>
+                  <a:schemeClr val="tx1"/>
+                </a:solidFill>
+                <a:latin typeface="Times New Roman" panose="02020603050405020304" pitchFamily="18" charset="0"/>
+                <a:cs typeface="Times New Roman" panose="02020603050405020304" pitchFamily="18" charset="0"/>
+              </a:defRPr>
+            </a:lvl3pPr>
+            <a:lvl4pPr marL="1076325" indent="-266700" algn="l" rtl="0" eaLnBrk="0" fontAlgn="base" hangingPunct="0">
+              <a:spcBef>
+                <a:spcPct val="20000"/>
+              </a:spcBef>
+              <a:spcAft>
+                <a:spcPct val="0"/>
+              </a:spcAft>
+              <a:buChar char="–"/>
+              <a:defRPr sz="1800">
+                <a:solidFill>
+                  <a:schemeClr val="tx1"/>
+                </a:solidFill>
+                <a:latin typeface="Times New Roman" panose="02020603050405020304" pitchFamily="18" charset="0"/>
+                <a:cs typeface="Times New Roman" panose="02020603050405020304" pitchFamily="18" charset="0"/>
+              </a:defRPr>
+            </a:lvl4pPr>
+            <a:lvl5pPr marL="1343025" indent="-266700" algn="l" rtl="0" eaLnBrk="0" fontAlgn="base" hangingPunct="0">
+              <a:spcBef>
+                <a:spcPct val="20000"/>
+              </a:spcBef>
+              <a:spcAft>
+                <a:spcPct val="0"/>
+              </a:spcAft>
+              <a:buFont typeface="Wingdings" pitchFamily="2" charset="2"/>
+              <a:buChar char="Ø"/>
+              <a:tabLst/>
+              <a:defRPr sz="1600">
+                <a:solidFill>
+                  <a:schemeClr val="tx1"/>
+                </a:solidFill>
+                <a:latin typeface="Times New Roman" panose="02020603050405020304" pitchFamily="18" charset="0"/>
+                <a:cs typeface="Times New Roman" panose="02020603050405020304" pitchFamily="18" charset="0"/>
+              </a:defRPr>
+            </a:lvl5pPr>
+            <a:lvl6pPr marL="2514600" indent="-228600" algn="l" rtl="0" eaLnBrk="1" fontAlgn="base" hangingPunct="1">
+              <a:spcBef>
+                <a:spcPct val="20000"/>
+              </a:spcBef>
+              <a:spcAft>
+                <a:spcPct val="0"/>
+              </a:spcAft>
+              <a:buFont typeface="Wingdings" pitchFamily="2" charset="2"/>
+              <a:buChar char="Ø"/>
+              <a:defRPr sz="1600">
+                <a:solidFill>
+                  <a:schemeClr val="tx1"/>
+                </a:solidFill>
+                <a:latin typeface="+mn-lt"/>
+                <a:cs typeface="+mn-cs"/>
+              </a:defRPr>
+            </a:lvl6pPr>
+            <a:lvl7pPr marL="2971800" indent="-228600" algn="l" rtl="0" eaLnBrk="1" fontAlgn="base" hangingPunct="1">
+              <a:spcBef>
+                <a:spcPct val="20000"/>
+              </a:spcBef>
+              <a:spcAft>
+                <a:spcPct val="0"/>
+              </a:spcAft>
+              <a:buFont typeface="Wingdings" pitchFamily="2" charset="2"/>
+              <a:buChar char="Ø"/>
+              <a:defRPr sz="1600">
+                <a:solidFill>
+                  <a:schemeClr val="tx1"/>
+                </a:solidFill>
+                <a:latin typeface="+mn-lt"/>
+                <a:cs typeface="+mn-cs"/>
+              </a:defRPr>
+            </a:lvl7pPr>
+            <a:lvl8pPr marL="3429000" indent="-228600" algn="l" rtl="0" eaLnBrk="1" fontAlgn="base" hangingPunct="1">
+              <a:spcBef>
+                <a:spcPct val="20000"/>
+              </a:spcBef>
+              <a:spcAft>
+                <a:spcPct val="0"/>
+              </a:spcAft>
+              <a:buFont typeface="Wingdings" pitchFamily="2" charset="2"/>
+              <a:buChar char="Ø"/>
+              <a:defRPr sz="1600">
+                <a:solidFill>
+                  <a:schemeClr val="tx1"/>
+                </a:solidFill>
+                <a:latin typeface="+mn-lt"/>
+                <a:cs typeface="+mn-cs"/>
+              </a:defRPr>
+            </a:lvl8pPr>
+            <a:lvl9pPr marL="3886200" indent="-228600" algn="l" rtl="0" eaLnBrk="1" fontAlgn="base" hangingPunct="1">
+              <a:spcBef>
+                <a:spcPct val="20000"/>
+              </a:spcBef>
+              <a:spcAft>
+                <a:spcPct val="0"/>
+              </a:spcAft>
+              <a:buFont typeface="Wingdings" pitchFamily="2" charset="2"/>
+              <a:buChar char="Ø"/>
+              <a:defRPr sz="1600">
+                <a:solidFill>
+                  <a:schemeClr val="tx1"/>
+                </a:solidFill>
+                <a:latin typeface="+mn-lt"/>
+                <a:cs typeface="+mn-cs"/>
+              </a:defRPr>
+            </a:lvl9pPr>
+          </a:lstStyle>
+          <a:p>
+            <a:pPr marL="180975" indent="-180975">
+              <a:spcBef>
+                <a:spcPts val="0"/>
+              </a:spcBef>
+              <a:spcAft>
+                <a:spcPts val="300"/>
+              </a:spcAft>
+              <a:buFont typeface="Arial" panose="020B0604020202020204" pitchFamily="34" charset="0"/>
+              <a:buChar char="•"/>
+            </a:pPr>
+            <a:r>
+              <a:rPr lang="ru-RU" sz="2000" kern="0" dirty="0"/>
+              <a:t>сравниваемые алгоритмы - </a:t>
+            </a:r>
+            <a:r>
+              <a:rPr lang="ru-RU" sz="2000" dirty="0" err="1"/>
+              <a:t>Monte-Carlo</a:t>
+            </a:r>
+            <a:r>
+              <a:rPr lang="ru-RU" sz="2000" dirty="0"/>
+              <a:t> (MC), </a:t>
+            </a:r>
+            <a:r>
+              <a:rPr lang="ru-RU" sz="2000" dirty="0" err="1"/>
+              <a:t>genetic</a:t>
+            </a:r>
+            <a:r>
+              <a:rPr lang="ru-RU" sz="2000" dirty="0"/>
+              <a:t> </a:t>
+            </a:r>
+            <a:r>
+              <a:rPr lang="ru-RU" sz="2000" dirty="0" err="1"/>
+              <a:t>algorithm</a:t>
+            </a:r>
+            <a:r>
+              <a:rPr lang="ru-RU" sz="2000" dirty="0"/>
+              <a:t> SEMO </a:t>
+            </a:r>
+            <a:r>
+              <a:rPr lang="ru-RU" sz="2000" dirty="0" err="1"/>
+              <a:t>from</a:t>
+            </a:r>
+            <a:r>
+              <a:rPr lang="ru-RU" sz="2000" dirty="0"/>
+              <a:t> </a:t>
+            </a:r>
+            <a:r>
+              <a:rPr lang="ru-RU" sz="2000" dirty="0" err="1"/>
+              <a:t>the</a:t>
+            </a:r>
+            <a:r>
+              <a:rPr lang="ru-RU" sz="2000" dirty="0"/>
+              <a:t> PISA </a:t>
+            </a:r>
+            <a:r>
+              <a:rPr lang="ru-RU" sz="2000" dirty="0" err="1"/>
+              <a:t>library</a:t>
+            </a:r>
+            <a:r>
+              <a:rPr lang="ru-RU" sz="2000" dirty="0"/>
+              <a:t>, </a:t>
+            </a:r>
+            <a:r>
+              <a:rPr lang="ru-RU" sz="2000" dirty="0" err="1"/>
+              <a:t>Non-uniform</a:t>
+            </a:r>
+            <a:r>
+              <a:rPr lang="ru-RU" sz="2000" dirty="0"/>
+              <a:t> </a:t>
+            </a:r>
+            <a:r>
+              <a:rPr lang="ru-RU" sz="2000" dirty="0" err="1"/>
+              <a:t>coverage</a:t>
+            </a:r>
+            <a:r>
+              <a:rPr lang="ru-RU" sz="2000" dirty="0"/>
+              <a:t> (NUC), </a:t>
+            </a:r>
+            <a:r>
+              <a:rPr lang="en-US" sz="2000" dirty="0"/>
+              <a:t>B</a:t>
+            </a:r>
+            <a:r>
+              <a:rPr lang="ru-RU" sz="2000" dirty="0"/>
+              <a:t>i-</a:t>
+            </a:r>
+            <a:r>
+              <a:rPr lang="ru-RU" sz="2000" dirty="0" err="1"/>
+              <a:t>objective</a:t>
+            </a:r>
+            <a:r>
+              <a:rPr lang="ru-RU" sz="2000" dirty="0"/>
+              <a:t> Lipschitz </a:t>
+            </a:r>
+            <a:r>
+              <a:rPr lang="ru-RU" sz="2000" dirty="0" err="1"/>
+              <a:t>optimization</a:t>
+            </a:r>
+            <a:r>
+              <a:rPr lang="ru-RU" sz="2000" dirty="0"/>
+              <a:t> (BLO),</a:t>
+            </a:r>
+          </a:p>
+          <a:p>
+            <a:pPr marL="180975" indent="-180975">
+              <a:spcBef>
+                <a:spcPts val="0"/>
+              </a:spcBef>
+              <a:buFont typeface="Arial" panose="020B0604020202020204" pitchFamily="34" charset="0"/>
+              <a:buChar char="•"/>
+            </a:pPr>
+            <a:r>
+              <a:rPr lang="ru-RU" sz="2000" dirty="0"/>
+              <a:t>оценка результатов решения – полнота (HV</a:t>
+            </a:r>
+            <a:r>
+              <a:rPr lang="ru-RU" sz="2000" dirty="0">
+                <a:sym typeface="Symbol" panose="05050102010706020507" pitchFamily="18" charset="2"/>
+              </a:rPr>
+              <a:t></a:t>
+            </a:r>
+            <a:r>
+              <a:rPr lang="ru-RU" sz="2000" dirty="0"/>
+              <a:t>) и равномерность (</a:t>
+            </a:r>
+            <a:r>
+              <a:rPr lang="en-US" sz="2000" dirty="0"/>
+              <a:t>DU</a:t>
+            </a:r>
+            <a:r>
+              <a:rPr lang="ru-RU" sz="2000" dirty="0">
+                <a:sym typeface="Symbol" panose="05050102010706020507" pitchFamily="18" charset="2"/>
+              </a:rPr>
+              <a:t></a:t>
+            </a:r>
+            <a:r>
+              <a:rPr lang="ru-RU" sz="2000" dirty="0"/>
+              <a:t>) аппроксимации области Парето </a:t>
+            </a:r>
+            <a:endParaRPr lang="ru-RU" sz="2000" kern="0" dirty="0"/>
+          </a:p>
+        </p:txBody>
+      </p:sp>
+      <p:sp>
+        <p:nvSpPr>
+          <p:cNvPr id="9" name="Дата 3">
+            <a:extLst>
+              <a:ext uri="{FF2B5EF4-FFF2-40B4-BE49-F238E27FC236}">
+                <a16:creationId xmlns:a16="http://schemas.microsoft.com/office/drawing/2014/main" id="{401A14A2-EACA-4655-9AA9-CF5BBB4BA375}"/>
+              </a:ext>
+            </a:extLst>
+          </p:cNvPr>
+          <p:cNvSpPr>
+            <a:spLocks noGrp="1"/>
+          </p:cNvSpPr>
+          <p:nvPr>
+            <p:ph type="dt" sz="half" idx="2"/>
+          </p:nvPr>
+        </p:nvSpPr>
+        <p:spPr>
+          <a:xfrm>
+            <a:off x="882257" y="6480746"/>
+            <a:ext cx="2051711" cy="260622"/>
+          </a:xfrm>
+        </p:spPr>
+        <p:txBody>
+          <a:bodyPr/>
+          <a:lstStyle/>
+          <a:p>
+            <a:pPr>
+              <a:defRPr/>
+            </a:pPr>
+            <a:r>
+              <a:rPr lang="ru-RU" sz="1200" b="1" dirty="0" err="1"/>
+              <a:t>ПаВТ</a:t>
+            </a:r>
+            <a:r>
+              <a:rPr lang="ru-RU" sz="1200" b="1" dirty="0"/>
+              <a:t> 2021</a:t>
+            </a:r>
+          </a:p>
+        </p:txBody>
+      </p:sp>
+      <p:sp>
+        <p:nvSpPr>
+          <p:cNvPr id="10" name="Номер слайда 6"/>
           <p:cNvSpPr>
             <a:spLocks noGrp="1"/>
           </p:cNvSpPr>
@@ -8104,7 +8402,12 @@
             <p:ph type="sldNum" sz="quarter" idx="4"/>
           </p:nvPr>
         </p:nvSpPr>
-        <p:spPr/>
+        <p:spPr>
+          <a:xfrm>
+            <a:off x="8843171" y="6480746"/>
+            <a:ext cx="935567" cy="260622"/>
+          </a:xfrm>
+        </p:spPr>
         <p:txBody>
           <a:bodyPr/>
           <a:lstStyle/>
@@ -8120,21 +8423,20 @@
               <a:t>13</a:t>
             </a:fld>
             <a:r>
-              <a:rPr lang="en-US" smtClean="0"/>
+              <a:rPr lang="en-US" dirty="0"/>
               <a:t>/</a:t>
             </a:r>
             <a:r>
-              <a:rPr lang="ru-RU" smtClean="0"/>
+              <a:rPr lang="ru-RU" dirty="0"/>
               <a:t>16</a:t>
             </a:r>
-            <a:endParaRPr lang="ru-RU" dirty="0"/>
           </a:p>
         </p:txBody>
       </p:sp>
     </p:spTree>
     <p:extLst>
       <p:ext uri="{BB962C8B-B14F-4D97-AF65-F5344CB8AC3E}">
-        <p14:creationId xmlns:p14="http://schemas.microsoft.com/office/powerpoint/2010/main" xmlns="" val="2547929575"/>
+        <p14:creationId xmlns:p14="http://schemas.microsoft.com/office/powerpoint/2010/main" val="2547929575"/>
       </p:ext>
     </p:extLst>
   </p:cSld>
@@ -8166,7 +8468,7 @@
           <p:cNvPr id="2" name="Заголовок 1">
             <a:extLst>
               <a:ext uri="{FF2B5EF4-FFF2-40B4-BE49-F238E27FC236}">
-                <a16:creationId xmlns:a16="http://schemas.microsoft.com/office/drawing/2014/main" xmlns="" id="{58075F12-C5B6-40C6-8BE2-519007171384}"/>
+                <a16:creationId xmlns:a16="http://schemas.microsoft.com/office/drawing/2014/main" id="{58075F12-C5B6-40C6-8BE2-519007171384}"/>
               </a:ext>
             </a:extLst>
           </p:cNvPr>
@@ -8185,42 +8487,9 @@
           <a:lstStyle/>
           <a:p>
             <a:r>
-              <a:rPr lang="ru-RU" sz="2400" dirty="0" smtClean="0"/>
+              <a:rPr lang="ru-RU" sz="2800" dirty="0"/>
               <a:t>Результаты вычислительных экспериментов…</a:t>
             </a:r>
-            <a:endParaRPr lang="ru-RU" sz="2400" dirty="0"/>
-          </a:p>
-        </p:txBody>
-      </p:sp>
-      <p:sp>
-        <p:nvSpPr>
-          <p:cNvPr id="4" name="Дата 3">
-            <a:extLst>
-              <a:ext uri="{FF2B5EF4-FFF2-40B4-BE49-F238E27FC236}">
-                <a16:creationId xmlns:a16="http://schemas.microsoft.com/office/drawing/2014/main" xmlns="" id="{CDB41290-F6E1-4027-97A0-BF8897310946}"/>
-              </a:ext>
-            </a:extLst>
-          </p:cNvPr>
-          <p:cNvSpPr>
-            <a:spLocks noGrp="1"/>
-          </p:cNvSpPr>
-          <p:nvPr>
-            <p:ph type="dt" sz="half" idx="2"/>
-          </p:nvPr>
-        </p:nvSpPr>
-        <p:spPr/>
-        <p:txBody>
-          <a:bodyPr/>
-          <a:lstStyle/>
-          <a:p>
-            <a:pPr>
-              <a:defRPr/>
-            </a:pPr>
-            <a:r>
-              <a:rPr lang="en-US" smtClean="0"/>
-              <a:t>30.03.2021</a:t>
-            </a:r>
-            <a:endParaRPr lang="ru-RU" dirty="0"/>
           </a:p>
         </p:txBody>
       </p:sp>
@@ -8229,7 +8498,7 @@
           <p:cNvPr id="5" name="Нижний колонтитул 4">
             <a:extLst>
               <a:ext uri="{FF2B5EF4-FFF2-40B4-BE49-F238E27FC236}">
-                <a16:creationId xmlns:a16="http://schemas.microsoft.com/office/drawing/2014/main" xmlns="" id="{2B8EDD30-8AC3-4A33-AF59-897BCA711B96}"/>
+                <a16:creationId xmlns:a16="http://schemas.microsoft.com/office/drawing/2014/main" id="{2B8EDD30-8AC3-4A33-AF59-897BCA711B96}"/>
               </a:ext>
             </a:extLst>
           </p:cNvPr>
@@ -8249,7 +8518,7 @@
               <a:defRPr/>
             </a:pPr>
             <a:r>
-              <a:rPr lang="en-US" smtClean="0"/>
+              <a:rPr lang="en-US"/>
               <a:t>Parallel Computations for Solving Multicriteria Mixed-Integer Optimization Problems</a:t>
             </a:r>
             <a:endParaRPr lang="ru-RU" dirty="0"/>
@@ -8273,191 +8542,203 @@
           <a:p>
             <a:r>
               <a:rPr lang="ru-RU" dirty="0"/>
-              <a:t>Оценка эффективности параллельных вычислений </a:t>
-            </a:r>
-            <a:br>
+              <a:t>Оценка эффективности параллельных вычислений:</a:t>
+            </a:r>
+          </a:p>
+          <a:p>
+            <a:pPr lvl="1"/>
+            <a:r>
+              <a:rPr lang="ru-RU" sz="2400" dirty="0"/>
+              <a:t>Решалась серия задач многокритериальной оптимизации:</a:t>
+            </a:r>
+          </a:p>
+          <a:p>
+            <a:pPr lvl="2">
+              <a:spcBef>
+                <a:spcPts val="0"/>
+              </a:spcBef>
+              <a:spcAft>
+                <a:spcPts val="300"/>
+              </a:spcAft>
+            </a:pPr>
+            <a:r>
+              <a:rPr lang="ru-RU" sz="2400" dirty="0"/>
+              <a:t>Число задач в серии – 100.</a:t>
+            </a:r>
+          </a:p>
+          <a:p>
+            <a:pPr lvl="2">
+              <a:spcBef>
+                <a:spcPts val="0"/>
+              </a:spcBef>
+              <a:spcAft>
+                <a:spcPts val="300"/>
+              </a:spcAft>
+            </a:pPr>
+            <a:r>
+              <a:rPr lang="ru-RU" sz="2400" dirty="0"/>
+              <a:t>Способ получения критериев – генератор GKLS.</a:t>
+            </a:r>
+          </a:p>
+          <a:p>
+            <a:pPr lvl="2">
+              <a:spcBef>
+                <a:spcPts val="0"/>
+              </a:spcBef>
+              <a:spcAft>
+                <a:spcPts val="300"/>
+              </a:spcAft>
+            </a:pPr>
+            <a:r>
+              <a:rPr lang="ru-RU" sz="2400" dirty="0"/>
+              <a:t>Число критериев – 2,</a:t>
+            </a:r>
+          </a:p>
+          <a:p>
+            <a:pPr lvl="2">
+              <a:spcBef>
+                <a:spcPts val="0"/>
+              </a:spcBef>
+              <a:spcAft>
+                <a:spcPts val="300"/>
+              </a:spcAft>
+            </a:pPr>
+            <a:r>
+              <a:rPr lang="ru-RU" sz="2400" dirty="0"/>
+              <a:t>Число непрерывных параметров – 4,</a:t>
+            </a:r>
+          </a:p>
+          <a:p>
+            <a:pPr lvl="2">
+              <a:spcBef>
+                <a:spcPts val="0"/>
+              </a:spcBef>
+              <a:spcAft>
+                <a:spcPts val="300"/>
+              </a:spcAft>
+            </a:pPr>
+            <a:r>
+              <a:rPr lang="ru-RU" sz="2400" dirty="0"/>
+              <a:t>Число дискретных параметров – 5,</a:t>
+            </a:r>
+          </a:p>
+          <a:p>
+            <a:pPr lvl="2">
+              <a:spcBef>
+                <a:spcPts val="0"/>
+              </a:spcBef>
+              <a:spcAft>
+                <a:spcPts val="300"/>
+              </a:spcAft>
+            </a:pPr>
+            <a:r>
+              <a:rPr lang="ru-RU" sz="2400" dirty="0"/>
+              <a:t>Число значений для каждого дискретного параметра – 2,</a:t>
+            </a:r>
+          </a:p>
+          <a:p>
+            <a:pPr lvl="2">
+              <a:spcBef>
+                <a:spcPts val="0"/>
+              </a:spcBef>
+              <a:spcAft>
+                <a:spcPts val="300"/>
+              </a:spcAft>
+            </a:pPr>
+            <a:r>
+              <a:rPr lang="ru-RU" sz="2400" dirty="0"/>
+              <a:t>Число рассматриваемых сверток – 50,</a:t>
+            </a:r>
+          </a:p>
+          <a:p>
+            <a:pPr lvl="2">
+              <a:spcBef>
+                <a:spcPts val="0"/>
+              </a:spcBef>
+              <a:spcAft>
+                <a:spcPts val="300"/>
+              </a:spcAft>
+            </a:pPr>
+            <a:r>
+              <a:rPr lang="ru-RU" sz="2400" dirty="0"/>
+              <a:t>Точность метода  –  </a:t>
+            </a:r>
+            <a:r>
+              <a:rPr lang="el-GR" sz="2400" i="1" dirty="0"/>
+              <a:t>ε</a:t>
+            </a:r>
+            <a:r>
+              <a:rPr lang="ru-RU" sz="2400" i="1" dirty="0"/>
+              <a:t> </a:t>
+            </a:r>
+            <a:r>
+              <a:rPr lang="el-GR" sz="2400" dirty="0"/>
+              <a:t>=</a:t>
+            </a:r>
+            <a:r>
+              <a:rPr lang="ru-RU" sz="2400" dirty="0"/>
+              <a:t> </a:t>
+            </a:r>
+            <a:r>
+              <a:rPr lang="el-GR" sz="2400" dirty="0"/>
+              <a:t>0.05</a:t>
+            </a:r>
+            <a:r>
+              <a:rPr lang="ru-RU" sz="2400" dirty="0"/>
+              <a:t>.</a:t>
+            </a:r>
+          </a:p>
+          <a:p>
+            <a:r>
               <a:rPr lang="ru-RU" dirty="0"/>
-            </a:br>
-            <a:r>
-              <a:rPr lang="ru-RU" dirty="0"/>
-              <a:t>при решении задач МКО</a:t>
-            </a:r>
-            <a:r>
-              <a:rPr lang="ru-RU" dirty="0" smtClean="0"/>
-              <a:t>:</a:t>
-            </a:r>
-          </a:p>
-          <a:p>
-            <a:pPr lvl="1"/>
-            <a:r>
-              <a:rPr lang="ru-RU" dirty="0" smtClean="0"/>
-              <a:t>Решалась </a:t>
-            </a:r>
-            <a:r>
-              <a:rPr lang="ru-RU" dirty="0"/>
-              <a:t>серия задач МКО:</a:t>
-            </a:r>
-          </a:p>
-          <a:p>
-            <a:pPr lvl="2"/>
-            <a:r>
-              <a:rPr lang="ru-RU" dirty="0" smtClean="0"/>
-              <a:t>Число </a:t>
-            </a:r>
-            <a:r>
-              <a:rPr lang="ru-RU" dirty="0"/>
-              <a:t>задач в серии – 100.</a:t>
-            </a:r>
-          </a:p>
-          <a:p>
-            <a:pPr lvl="2"/>
-            <a:r>
-              <a:rPr lang="ru-RU" dirty="0" smtClean="0"/>
-              <a:t>Способ </a:t>
-            </a:r>
-            <a:r>
-              <a:rPr lang="ru-RU" dirty="0"/>
-              <a:t>получения критериев – генератор GKLS</a:t>
-            </a:r>
-            <a:r>
-              <a:rPr lang="ru-RU" dirty="0" smtClean="0"/>
-              <a:t>.</a:t>
-            </a:r>
-          </a:p>
-          <a:p>
-            <a:pPr lvl="2"/>
-            <a:r>
-              <a:rPr lang="ru-RU" dirty="0" smtClean="0"/>
-              <a:t>Число </a:t>
-            </a:r>
-            <a:r>
-              <a:rPr lang="ru-RU" dirty="0" smtClean="0"/>
-              <a:t>критериев – </a:t>
-            </a:r>
-            <a:r>
-              <a:rPr lang="ru-RU" dirty="0" smtClean="0"/>
-              <a:t>2,</a:t>
-            </a:r>
-            <a:endParaRPr lang="ru-RU" dirty="0" smtClean="0"/>
-          </a:p>
-          <a:p>
-            <a:pPr lvl="2"/>
-            <a:r>
-              <a:rPr lang="ru-RU" dirty="0" smtClean="0"/>
-              <a:t>Число непрерывных </a:t>
-            </a:r>
-            <a:r>
-              <a:rPr lang="ru-RU" dirty="0" smtClean="0"/>
-              <a:t>параметров – </a:t>
-            </a:r>
-            <a:r>
-              <a:rPr lang="ru-RU" dirty="0" smtClean="0"/>
-              <a:t>4,</a:t>
-            </a:r>
-            <a:endParaRPr lang="ru-RU" dirty="0"/>
-          </a:p>
-          <a:p>
-            <a:pPr lvl="2"/>
-            <a:r>
-              <a:rPr lang="ru-RU" dirty="0" smtClean="0"/>
-              <a:t>Число дискретных </a:t>
-            </a:r>
-            <a:r>
-              <a:rPr lang="ru-RU" dirty="0"/>
-              <a:t>параметров – </a:t>
-            </a:r>
-            <a:r>
-              <a:rPr lang="ru-RU" dirty="0" smtClean="0"/>
-              <a:t>5,</a:t>
-            </a:r>
-          </a:p>
-          <a:p>
-            <a:pPr lvl="2"/>
-            <a:r>
-              <a:rPr lang="ru-RU" dirty="0" smtClean="0"/>
-              <a:t>Число значений </a:t>
-            </a:r>
-            <a:r>
-              <a:rPr lang="ru-RU" dirty="0" smtClean="0"/>
-              <a:t>дискретных параметров – </a:t>
-            </a:r>
-            <a:r>
-              <a:rPr lang="ru-RU" dirty="0" smtClean="0"/>
-              <a:t>2,</a:t>
-            </a:r>
-            <a:endParaRPr lang="ru-RU" dirty="0"/>
-          </a:p>
-          <a:p>
-            <a:pPr lvl="2"/>
-            <a:r>
-              <a:rPr lang="ru-RU" dirty="0" smtClean="0"/>
-              <a:t>Число </a:t>
-            </a:r>
-            <a:r>
-              <a:rPr lang="ru-RU" dirty="0"/>
-              <a:t>рассматриваемых сверток – </a:t>
-            </a:r>
-            <a:r>
-              <a:rPr lang="ru-RU" dirty="0" smtClean="0"/>
-              <a:t>50,</a:t>
-            </a:r>
-          </a:p>
-          <a:p>
-            <a:pPr lvl="2"/>
-            <a:r>
-              <a:rPr lang="ru-RU" dirty="0" smtClean="0"/>
-              <a:t>Точность метода </a:t>
-            </a:r>
-            <a:r>
-              <a:rPr lang="ru-RU" dirty="0" smtClean="0"/>
-              <a:t> – </a:t>
-            </a:r>
-            <a:r>
-              <a:rPr lang="ru-RU" dirty="0" smtClean="0"/>
-              <a:t> </a:t>
-            </a:r>
-            <a:r>
-              <a:rPr lang="el-GR" i="1" dirty="0" smtClean="0"/>
-              <a:t>ε</a:t>
-            </a:r>
-            <a:r>
-              <a:rPr lang="ru-RU" i="1" dirty="0" smtClean="0"/>
-              <a:t> </a:t>
-            </a:r>
-            <a:r>
-              <a:rPr lang="el-GR" dirty="0" smtClean="0"/>
-              <a:t>=</a:t>
-            </a:r>
-            <a:r>
-              <a:rPr lang="ru-RU" dirty="0" smtClean="0"/>
-              <a:t> </a:t>
-            </a:r>
-            <a:r>
-              <a:rPr lang="el-GR" dirty="0" smtClean="0"/>
-              <a:t>0.05</a:t>
-            </a:r>
-            <a:r>
-              <a:rPr lang="ru-RU" dirty="0" smtClean="0"/>
-              <a:t>.</a:t>
-            </a:r>
-            <a:endParaRPr lang="ru-RU" dirty="0" smtClean="0"/>
-          </a:p>
-          <a:p>
-            <a:r>
-              <a:rPr lang="ru-RU" dirty="0" smtClean="0"/>
-              <a:t>В результатах экспериментов приведено средние число испытаний на решение одной задачи </a:t>
-            </a:r>
-            <a:r>
-              <a:rPr lang="ru-RU" dirty="0" smtClean="0"/>
-              <a:t>МКО</a:t>
-            </a:r>
-            <a:endParaRPr lang="ru-RU" dirty="0" smtClean="0"/>
+              <a:t>В результатах экспериментов приведено среднее число испытаний, выполняемое для решение одной задачи из серии.</a:t>
+            </a:r>
           </a:p>
         </p:txBody>
       </p:sp>
       <p:sp>
         <p:nvSpPr>
-          <p:cNvPr id="9" name="Номер слайда 8"/>
+          <p:cNvPr id="8" name="Дата 3">
+            <a:extLst>
+              <a:ext uri="{FF2B5EF4-FFF2-40B4-BE49-F238E27FC236}">
+                <a16:creationId xmlns:a16="http://schemas.microsoft.com/office/drawing/2014/main" id="{401A14A2-EACA-4655-9AA9-CF5BBB4BA375}"/>
+              </a:ext>
+            </a:extLst>
+          </p:cNvPr>
+          <p:cNvSpPr>
+            <a:spLocks noGrp="1"/>
+          </p:cNvSpPr>
+          <p:nvPr>
+            <p:ph type="dt" sz="half" idx="2"/>
+          </p:nvPr>
+        </p:nvSpPr>
+        <p:spPr>
+          <a:xfrm>
+            <a:off x="882257" y="6480746"/>
+            <a:ext cx="2051711" cy="260622"/>
+          </a:xfrm>
+        </p:spPr>
+        <p:txBody>
+          <a:bodyPr/>
+          <a:lstStyle/>
+          <a:p>
+            <a:pPr>
+              <a:defRPr/>
+            </a:pPr>
+            <a:r>
+              <a:rPr lang="ru-RU" sz="1200" b="1" dirty="0" err="1"/>
+              <a:t>ПаВТ</a:t>
+            </a:r>
+            <a:r>
+              <a:rPr lang="ru-RU" sz="1200" b="1" dirty="0"/>
+              <a:t> 2021</a:t>
+            </a:r>
+          </a:p>
+        </p:txBody>
+      </p:sp>
+      <p:sp>
+        <p:nvSpPr>
+          <p:cNvPr id="10" name="Номер слайда 6"/>
           <p:cNvSpPr>
             <a:spLocks noGrp="1"/>
           </p:cNvSpPr>
@@ -8465,7 +8746,12 @@
             <p:ph type="sldNum" sz="quarter" idx="4"/>
           </p:nvPr>
         </p:nvSpPr>
-        <p:spPr/>
+        <p:spPr>
+          <a:xfrm>
+            <a:off x="8843171" y="6480746"/>
+            <a:ext cx="935567" cy="260622"/>
+          </a:xfrm>
+        </p:spPr>
         <p:txBody>
           <a:bodyPr/>
           <a:lstStyle/>
@@ -8481,21 +8767,20 @@
               <a:t>14</a:t>
             </a:fld>
             <a:r>
-              <a:rPr lang="en-US" smtClean="0"/>
+              <a:rPr lang="en-US" dirty="0"/>
               <a:t>/</a:t>
             </a:r>
             <a:r>
-              <a:rPr lang="ru-RU" smtClean="0"/>
+              <a:rPr lang="ru-RU" dirty="0"/>
               <a:t>16</a:t>
             </a:r>
-            <a:endParaRPr lang="ru-RU" dirty="0"/>
           </a:p>
         </p:txBody>
       </p:sp>
     </p:spTree>
     <p:extLst>
       <p:ext uri="{BB962C8B-B14F-4D97-AF65-F5344CB8AC3E}">
-        <p14:creationId xmlns:p14="http://schemas.microsoft.com/office/powerpoint/2010/main" xmlns="" val="2865818583"/>
+        <p14:creationId xmlns:p14="http://schemas.microsoft.com/office/powerpoint/2010/main" val="2865818583"/>
       </p:ext>
     </p:extLst>
   </p:cSld>
@@ -8538,7 +8823,7 @@
           <a:lstStyle/>
           <a:p>
             <a:r>
-              <a:rPr lang="ru-RU" sz="3200" dirty="0" smtClean="0"/>
+              <a:rPr lang="ru-RU" sz="3200" dirty="0"/>
               <a:t>Результаты вычислительных экспериментов</a:t>
             </a:r>
             <a:endParaRPr lang="en-US" dirty="0"/>
@@ -8553,6 +8838,11 @@
           </p:cNvGraphicFramePr>
           <p:nvPr>
             <p:ph idx="1"/>
+            <p:extLst>
+              <p:ext uri="{D42A27DB-BD31-4B8C-83A1-F6EECF244321}">
+                <p14:modId xmlns:p14="http://schemas.microsoft.com/office/powerpoint/2010/main" val="13365408"/>
+              </p:ext>
+            </p:extLst>
           </p:nvPr>
         </p:nvGraphicFramePr>
         <p:xfrm>
@@ -8564,11 +8854,41 @@
             <a:tbl>
               <a:tblPr/>
               <a:tblGrid>
-                <a:gridCol w="1882819"/>
-                <a:gridCol w="1778730"/>
-                <a:gridCol w="1451019"/>
-                <a:gridCol w="1440160"/>
-                <a:gridCol w="1872208"/>
+                <a:gridCol w="1882819">
+                  <a:extLst>
+                    <a:ext uri="{9D8B030D-6E8A-4147-A177-3AD203B41FA5}">
+                      <a16:colId xmlns:a16="http://schemas.microsoft.com/office/drawing/2014/main" val="20000"/>
+                    </a:ext>
+                  </a:extLst>
+                </a:gridCol>
+                <a:gridCol w="1778730">
+                  <a:extLst>
+                    <a:ext uri="{9D8B030D-6E8A-4147-A177-3AD203B41FA5}">
+                      <a16:colId xmlns:a16="http://schemas.microsoft.com/office/drawing/2014/main" val="20001"/>
+                    </a:ext>
+                  </a:extLst>
+                </a:gridCol>
+                <a:gridCol w="1451019">
+                  <a:extLst>
+                    <a:ext uri="{9D8B030D-6E8A-4147-A177-3AD203B41FA5}">
+                      <a16:colId xmlns:a16="http://schemas.microsoft.com/office/drawing/2014/main" val="20002"/>
+                    </a:ext>
+                  </a:extLst>
+                </a:gridCol>
+                <a:gridCol w="1440160">
+                  <a:extLst>
+                    <a:ext uri="{9D8B030D-6E8A-4147-A177-3AD203B41FA5}">
+                      <a16:colId xmlns:a16="http://schemas.microsoft.com/office/drawing/2014/main" val="20003"/>
+                    </a:ext>
+                  </a:extLst>
+                </a:gridCol>
+                <a:gridCol w="1872208">
+                  <a:extLst>
+                    <a:ext uri="{9D8B030D-6E8A-4147-A177-3AD203B41FA5}">
+                      <a16:colId xmlns:a16="http://schemas.microsoft.com/office/drawing/2014/main" val="20004"/>
+                    </a:ext>
+                  </a:extLst>
+                </a:gridCol>
               </a:tblGrid>
               <a:tr h="585666">
                 <a:tc>
@@ -8582,7 +8902,7 @@
                         </a:spcAft>
                       </a:pPr>
                       <a:r>
-                        <a:rPr lang="ru-RU" sz="2200">
+                        <a:rPr lang="ru-RU" sz="2200" dirty="0">
                           <a:solidFill>
                             <a:srgbClr val="000000"/>
                           </a:solidFill>
@@ -8592,14 +8912,14 @@
                         </a:rPr>
                         <a:t>Число ядер</a:t>
                       </a:r>
-                      <a:endParaRPr lang="en-US" sz="2200">
+                      <a:endParaRPr lang="en-US" sz="2200" dirty="0">
                         <a:latin typeface="Times New Roman"/>
                         <a:ea typeface="Times New Roman"/>
                         <a:cs typeface="Times New Roman"/>
                       </a:endParaRPr>
                     </a:p>
                   </a:txBody>
-                  <a:tcPr marL="68580" marR="68580" marT="0" marB="0" anchor="b">
+                  <a:tcPr marL="68580" marR="68580" marT="0" marB="0" anchor="ctr">
                     <a:lnL w="12700" cap="flat" cmpd="sng" algn="ctr">
                       <a:solidFill>
                         <a:srgbClr val="000000"/>
@@ -8649,7 +8969,7 @@
                         </a:spcAft>
                       </a:pPr>
                       <a:r>
-                        <a:rPr lang="ru-RU" sz="2200">
+                        <a:rPr lang="ru-RU" sz="2200" dirty="0">
                           <a:solidFill>
                             <a:srgbClr val="000000"/>
                           </a:solidFill>
@@ -8659,14 +8979,14 @@
                         </a:rPr>
                         <a:t>Итераций</a:t>
                       </a:r>
-                      <a:endParaRPr lang="en-US" sz="2200">
+                      <a:endParaRPr lang="en-US" sz="2200" dirty="0">
                         <a:latin typeface="Times New Roman"/>
                         <a:ea typeface="Times New Roman"/>
                         <a:cs typeface="Times New Roman"/>
                       </a:endParaRPr>
                     </a:p>
                   </a:txBody>
-                  <a:tcPr marL="68580" marR="68580" marT="0" marB="0" anchor="b">
+                  <a:tcPr marL="68580" marR="68580" marT="0" marB="0" anchor="ctr">
                     <a:lnL w="12700" cap="flat" cmpd="sng" algn="ctr">
                       <a:solidFill>
                         <a:srgbClr val="000000"/>
@@ -8716,7 +9036,7 @@
                         </a:spcAft>
                       </a:pPr>
                       <a:r>
-                        <a:rPr lang="ru-RU" sz="2200">
+                        <a:rPr lang="ru-RU" sz="2200" dirty="0">
                           <a:solidFill>
                             <a:srgbClr val="000000"/>
                           </a:solidFill>
@@ -8726,14 +9046,14 @@
                         </a:rPr>
                         <a:t>Ускорение</a:t>
                       </a:r>
-                      <a:endParaRPr lang="en-US" sz="2200">
+                      <a:endParaRPr lang="en-US" sz="2200" dirty="0">
                         <a:latin typeface="Times New Roman"/>
                         <a:ea typeface="Times New Roman"/>
                         <a:cs typeface="Times New Roman"/>
                       </a:endParaRPr>
                     </a:p>
                   </a:txBody>
-                  <a:tcPr marL="68580" marR="68580" marT="0" marB="0" anchor="b">
+                  <a:tcPr marL="68580" marR="68580" marT="0" marB="0" anchor="ctr">
                     <a:lnL w="12700" cap="flat" cmpd="sng" algn="ctr">
                       <a:solidFill>
                         <a:srgbClr val="000000"/>
@@ -8783,7 +9103,7 @@
                         </a:spcAft>
                       </a:pPr>
                       <a:r>
-                        <a:rPr lang="ru-RU" sz="2200">
+                        <a:rPr lang="ru-RU" sz="2200" dirty="0">
                           <a:solidFill>
                             <a:srgbClr val="000000"/>
                           </a:solidFill>
@@ -8793,14 +9113,14 @@
                         </a:rPr>
                         <a:t>DU</a:t>
                       </a:r>
-                      <a:endParaRPr lang="en-US" sz="2200">
+                      <a:endParaRPr lang="en-US" sz="2200" dirty="0">
                         <a:latin typeface="Times New Roman"/>
                         <a:ea typeface="Times New Roman"/>
                         <a:cs typeface="Times New Roman"/>
                       </a:endParaRPr>
                     </a:p>
                   </a:txBody>
-                  <a:tcPr marL="68580" marR="68580" marT="0" marB="0" anchor="b">
+                  <a:tcPr marL="68580" marR="68580" marT="0" marB="0" anchor="ctr">
                     <a:lnL w="12700" cap="flat" cmpd="sng" algn="ctr">
                       <a:solidFill>
                         <a:srgbClr val="000000"/>
@@ -8850,7 +9170,7 @@
                         </a:spcAft>
                       </a:pPr>
                       <a:r>
-                        <a:rPr lang="ru-RU" sz="2200">
+                        <a:rPr lang="ru-RU" sz="2200" dirty="0">
                           <a:solidFill>
                             <a:srgbClr val="000000"/>
                           </a:solidFill>
@@ -8860,14 +9180,14 @@
                         </a:rPr>
                         <a:t>HV</a:t>
                       </a:r>
-                      <a:endParaRPr lang="en-US" sz="2200">
+                      <a:endParaRPr lang="en-US" sz="2200" dirty="0">
                         <a:latin typeface="Times New Roman"/>
                         <a:ea typeface="Times New Roman"/>
                         <a:cs typeface="Times New Roman"/>
                       </a:endParaRPr>
                     </a:p>
                   </a:txBody>
-                  <a:tcPr marL="68580" marR="68580" marT="0" marB="0" anchor="b">
+                  <a:tcPr marL="68580" marR="68580" marT="0" marB="0" anchor="ctr">
                     <a:lnL w="12700" cap="flat" cmpd="sng" algn="ctr">
                       <a:solidFill>
                         <a:srgbClr val="000000"/>
@@ -8906,6 +9226,11 @@
                     </a:lnB>
                   </a:tcPr>
                 </a:tc>
+                <a:extLst>
+                  <a:ext uri="{0D108BD9-81ED-4DB2-BD59-A6C34878D82A}">
+                    <a16:rowId xmlns:a16="http://schemas.microsoft.com/office/drawing/2014/main" val="10000"/>
+                  </a:ext>
+                </a:extLst>
               </a:tr>
               <a:tr h="292832">
                 <a:tc gridSpan="5">
@@ -8919,7 +9244,7 @@
                         </a:spcAft>
                       </a:pPr>
                       <a:r>
-                        <a:rPr lang="ru-RU" sz="2200">
+                        <a:rPr lang="ru-RU" sz="2200" dirty="0">
                           <a:solidFill>
                             <a:srgbClr val="000000"/>
                           </a:solidFill>
@@ -8929,7 +9254,7 @@
                         </a:rPr>
                         <a:t>Оценка области Парето полученная перебором</a:t>
                       </a:r>
-                      <a:endParaRPr lang="en-US" sz="2200">
+                      <a:endParaRPr lang="en-US" sz="2200" dirty="0">
                         <a:latin typeface="Times New Roman"/>
                         <a:ea typeface="Times New Roman"/>
                         <a:cs typeface="Times New Roman"/>
@@ -9015,6 +9340,11 @@
                   </a:txBody>
                   <a:tcPr/>
                 </a:tc>
+                <a:extLst>
+                  <a:ext uri="{0D108BD9-81ED-4DB2-BD59-A6C34878D82A}">
+                    <a16:rowId xmlns:a16="http://schemas.microsoft.com/office/drawing/2014/main" val="10001"/>
+                  </a:ext>
+                </a:extLst>
               </a:tr>
               <a:tr h="292832">
                 <a:tc>
@@ -9352,6 +9682,11 @@
                     </a:lnB>
                   </a:tcPr>
                 </a:tc>
+                <a:extLst>
+                  <a:ext uri="{0D108BD9-81ED-4DB2-BD59-A6C34878D82A}">
+                    <a16:rowId xmlns:a16="http://schemas.microsoft.com/office/drawing/2014/main" val="10002"/>
+                  </a:ext>
+                </a:extLst>
               </a:tr>
               <a:tr h="585666">
                 <a:tc gridSpan="5">
@@ -9365,7 +9700,7 @@
                         </a:spcAft>
                       </a:pPr>
                       <a:r>
-                        <a:rPr lang="ru-RU" sz="2200">
+                        <a:rPr lang="ru-RU" sz="2200" dirty="0">
                           <a:solidFill>
                             <a:srgbClr val="000000"/>
                           </a:solidFill>
@@ -9373,16 +9708,27 @@
                           <a:ea typeface="Times New Roman"/>
                           <a:cs typeface="Times New Roman"/>
                         </a:rPr>
-                        <a:t>Оценка области Парето полученная методом PAMMI</a:t>
+                        <a:t>Оценка области Парето, получаемая методом PA</a:t>
                       </a:r>
-                      <a:endParaRPr lang="en-US" sz="2200">
+                      <a:r>
+                        <a:rPr lang="en-US" sz="2200" dirty="0">
+                          <a:solidFill>
+                            <a:srgbClr val="000000"/>
+                          </a:solidFill>
+                          <a:latin typeface="Times New Roman"/>
+                          <a:ea typeface="Times New Roman"/>
+                          <a:cs typeface="Times New Roman"/>
+                        </a:rPr>
+                        <a:t>GMIS</a:t>
+                      </a:r>
+                      <a:endParaRPr lang="en-US" sz="2200" dirty="0">
                         <a:latin typeface="Times New Roman"/>
                         <a:ea typeface="Times New Roman"/>
                         <a:cs typeface="Times New Roman"/>
                       </a:endParaRPr>
                     </a:p>
                   </a:txBody>
-                  <a:tcPr marL="68580" marR="68580" marT="0" marB="0" anchor="b">
+                  <a:tcPr marL="68580" marR="68580" marT="0" marB="0" anchor="ctr">
                     <a:lnL w="12700" cap="flat" cmpd="sng" algn="ctr">
                       <a:solidFill>
                         <a:srgbClr val="000000"/>
@@ -9461,6 +9807,11 @@
                   </a:txBody>
                   <a:tcPr/>
                 </a:tc>
+                <a:extLst>
+                  <a:ext uri="{0D108BD9-81ED-4DB2-BD59-A6C34878D82A}">
+                    <a16:rowId xmlns:a16="http://schemas.microsoft.com/office/drawing/2014/main" val="10003"/>
+                  </a:ext>
+                </a:extLst>
               </a:tr>
               <a:tr h="292832">
                 <a:tc>
@@ -9798,6 +10149,11 @@
                     </a:lnB>
                   </a:tcPr>
                 </a:tc>
+                <a:extLst>
+                  <a:ext uri="{0D108BD9-81ED-4DB2-BD59-A6C34878D82A}">
+                    <a16:rowId xmlns:a16="http://schemas.microsoft.com/office/drawing/2014/main" val="10004"/>
+                  </a:ext>
+                </a:extLst>
               </a:tr>
               <a:tr h="292832">
                 <a:tc>
@@ -10135,6 +10491,11 @@
                     </a:lnB>
                   </a:tcPr>
                 </a:tc>
+                <a:extLst>
+                  <a:ext uri="{0D108BD9-81ED-4DB2-BD59-A6C34878D82A}">
+                    <a16:rowId xmlns:a16="http://schemas.microsoft.com/office/drawing/2014/main" val="10005"/>
+                  </a:ext>
+                </a:extLst>
               </a:tr>
               <a:tr h="292832">
                 <a:tc>
@@ -10472,6 +10833,11 @@
                     </a:lnB>
                   </a:tcPr>
                 </a:tc>
+                <a:extLst>
+                  <a:ext uri="{0D108BD9-81ED-4DB2-BD59-A6C34878D82A}">
+                    <a16:rowId xmlns:a16="http://schemas.microsoft.com/office/drawing/2014/main" val="10006"/>
+                  </a:ext>
+                </a:extLst>
               </a:tr>
               <a:tr h="292832">
                 <a:tc>
@@ -10809,6 +11175,11 @@
                     </a:lnB>
                   </a:tcPr>
                 </a:tc>
+                <a:extLst>
+                  <a:ext uri="{0D108BD9-81ED-4DB2-BD59-A6C34878D82A}">
+                    <a16:rowId xmlns:a16="http://schemas.microsoft.com/office/drawing/2014/main" val="10007"/>
+                  </a:ext>
+                </a:extLst>
               </a:tr>
               <a:tr h="292832">
                 <a:tc>
@@ -11146,6 +11517,11 @@
                     </a:lnB>
                   </a:tcPr>
                 </a:tc>
+                <a:extLst>
+                  <a:ext uri="{0D108BD9-81ED-4DB2-BD59-A6C34878D82A}">
+                    <a16:rowId xmlns:a16="http://schemas.microsoft.com/office/drawing/2014/main" val="10008"/>
+                  </a:ext>
+                </a:extLst>
               </a:tr>
               <a:tr h="292832">
                 <a:tc>
@@ -11483,6 +11859,11 @@
                     </a:lnB>
                   </a:tcPr>
                 </a:tc>
+                <a:extLst>
+                  <a:ext uri="{0D108BD9-81ED-4DB2-BD59-A6C34878D82A}">
+                    <a16:rowId xmlns:a16="http://schemas.microsoft.com/office/drawing/2014/main" val="10009"/>
+                  </a:ext>
+                </a:extLst>
               </a:tr>
               <a:tr h="292832">
                 <a:tc>
@@ -11820,6 +12201,11 @@
                     </a:lnB>
                   </a:tcPr>
                 </a:tc>
+                <a:extLst>
+                  <a:ext uri="{0D108BD9-81ED-4DB2-BD59-A6C34878D82A}">
+                    <a16:rowId xmlns:a16="http://schemas.microsoft.com/office/drawing/2014/main" val="10010"/>
+                  </a:ext>
+                </a:extLst>
               </a:tr>
               <a:tr h="292832">
                 <a:tc>
@@ -12157,6 +12543,11 @@
                     </a:lnB>
                   </a:tcPr>
                 </a:tc>
+                <a:extLst>
+                  <a:ext uri="{0D108BD9-81ED-4DB2-BD59-A6C34878D82A}">
+                    <a16:rowId xmlns:a16="http://schemas.microsoft.com/office/drawing/2014/main" val="10011"/>
+                  </a:ext>
+                </a:extLst>
               </a:tr>
               <a:tr h="292832">
                 <a:tc>
@@ -12494,37 +12885,16 @@
                     </a:lnB>
                   </a:tcPr>
                 </a:tc>
+                <a:extLst>
+                  <a:ext uri="{0D108BD9-81ED-4DB2-BD59-A6C34878D82A}">
+                    <a16:rowId xmlns:a16="http://schemas.microsoft.com/office/drawing/2014/main" val="10012"/>
+                  </a:ext>
+                </a:extLst>
               </a:tr>
             </a:tbl>
           </a:graphicData>
         </a:graphic>
       </p:graphicFrame>
-      <p:sp>
-        <p:nvSpPr>
-          <p:cNvPr id="4" name="Дата 3"/>
-          <p:cNvSpPr>
-            <a:spLocks noGrp="1"/>
-          </p:cNvSpPr>
-          <p:nvPr>
-            <p:ph type="dt" sz="half" idx="2"/>
-          </p:nvPr>
-        </p:nvSpPr>
-        <p:spPr/>
-        <p:txBody>
-          <a:bodyPr/>
-          <a:lstStyle/>
-          <a:p>
-            <a:pPr>
-              <a:defRPr/>
-            </a:pPr>
-            <a:r>
-              <a:rPr lang="en-US" smtClean="0"/>
-              <a:t>30.03.2021</a:t>
-            </a:r>
-            <a:endParaRPr lang="ru-RU" dirty="0"/>
-          </a:p>
-        </p:txBody>
-      </p:sp>
       <p:sp>
         <p:nvSpPr>
           <p:cNvPr id="5" name="Нижний колонтитул 4"/>
@@ -12544,7 +12914,7 @@
               <a:defRPr/>
             </a:pPr>
             <a:r>
-              <a:rPr lang="en-US" smtClean="0"/>
+              <a:rPr lang="en-US"/>
               <a:t>Parallel Computations for Solving Multicriteria Mixed-Integer Optimization Problems</a:t>
             </a:r>
             <a:endParaRPr lang="ru-RU" dirty="0"/>
@@ -12553,7 +12923,47 @@
       </p:sp>
       <p:sp>
         <p:nvSpPr>
-          <p:cNvPr id="8" name="Номер слайда 7"/>
+          <p:cNvPr id="9" name="Дата 3">
+            <a:extLst>
+              <a:ext uri="{FF2B5EF4-FFF2-40B4-BE49-F238E27FC236}">
+                <a16:creationId xmlns:a16="http://schemas.microsoft.com/office/drawing/2014/main" id="{401A14A2-EACA-4655-9AA9-CF5BBB4BA375}"/>
+              </a:ext>
+            </a:extLst>
+          </p:cNvPr>
+          <p:cNvSpPr>
+            <a:spLocks noGrp="1"/>
+          </p:cNvSpPr>
+          <p:nvPr>
+            <p:ph type="dt" sz="half" idx="2"/>
+          </p:nvPr>
+        </p:nvSpPr>
+        <p:spPr>
+          <a:xfrm>
+            <a:off x="882257" y="6480746"/>
+            <a:ext cx="2051711" cy="260622"/>
+          </a:xfrm>
+        </p:spPr>
+        <p:txBody>
+          <a:bodyPr/>
+          <a:lstStyle/>
+          <a:p>
+            <a:pPr>
+              <a:defRPr/>
+            </a:pPr>
+            <a:r>
+              <a:rPr lang="ru-RU" sz="1200" b="1" dirty="0" err="1"/>
+              <a:t>ПаВТ</a:t>
+            </a:r>
+            <a:r>
+              <a:rPr lang="ru-RU" sz="1200" b="1" dirty="0"/>
+              <a:t> 2021</a:t>
+            </a:r>
+          </a:p>
+        </p:txBody>
+      </p:sp>
+      <p:sp>
+        <p:nvSpPr>
+          <p:cNvPr id="10" name="Номер слайда 6"/>
           <p:cNvSpPr>
             <a:spLocks noGrp="1"/>
           </p:cNvSpPr>
@@ -12561,7 +12971,12 @@
             <p:ph type="sldNum" sz="quarter" idx="4"/>
           </p:nvPr>
         </p:nvSpPr>
-        <p:spPr/>
+        <p:spPr>
+          <a:xfrm>
+            <a:off x="8843171" y="6480746"/>
+            <a:ext cx="935567" cy="260622"/>
+          </a:xfrm>
+        </p:spPr>
         <p:txBody>
           <a:bodyPr/>
           <a:lstStyle/>
@@ -12577,14 +12992,13 @@
               <a:t>15</a:t>
             </a:fld>
             <a:r>
-              <a:rPr lang="en-US" smtClean="0"/>
+              <a:rPr lang="en-US" dirty="0"/>
               <a:t>/</a:t>
             </a:r>
             <a:r>
-              <a:rPr lang="ru-RU" smtClean="0"/>
+              <a:rPr lang="ru-RU" dirty="0"/>
               <a:t>16</a:t>
             </a:r>
-            <a:endParaRPr lang="ru-RU" dirty="0"/>
           </a:p>
         </p:txBody>
       </p:sp>
@@ -12615,42 +13029,10 @@
       </p:grpSpPr>
       <p:sp>
         <p:nvSpPr>
-          <p:cNvPr id="4" name="Дата 3">
-            <a:extLst>
-              <a:ext uri="{FF2B5EF4-FFF2-40B4-BE49-F238E27FC236}">
-                <a16:creationId xmlns:a16="http://schemas.microsoft.com/office/drawing/2014/main" xmlns="" id="{353482D3-2541-4911-A4D2-27C572E7D963}"/>
-              </a:ext>
-            </a:extLst>
-          </p:cNvPr>
-          <p:cNvSpPr>
-            <a:spLocks noGrp="1"/>
-          </p:cNvSpPr>
-          <p:nvPr>
-            <p:ph type="dt" sz="half" idx="2"/>
-          </p:nvPr>
-        </p:nvSpPr>
-        <p:spPr/>
-        <p:txBody>
-          <a:bodyPr/>
-          <a:lstStyle/>
-          <a:p>
-            <a:pPr>
-              <a:defRPr/>
-            </a:pPr>
-            <a:r>
-              <a:rPr lang="en-US" smtClean="0"/>
-              <a:t>30.03.2021</a:t>
-            </a:r>
-            <a:endParaRPr lang="ru-RU" dirty="0"/>
-          </a:p>
-        </p:txBody>
-      </p:sp>
-      <p:sp>
-        <p:nvSpPr>
           <p:cNvPr id="5" name="Нижний колонтитул 4">
             <a:extLst>
               <a:ext uri="{FF2B5EF4-FFF2-40B4-BE49-F238E27FC236}">
-                <a16:creationId xmlns:a16="http://schemas.microsoft.com/office/drawing/2014/main" xmlns="" id="{5FF5CEB8-266A-43FD-8316-DFEE2B35C2D2}"/>
+                <a16:creationId xmlns:a16="http://schemas.microsoft.com/office/drawing/2014/main" id="{5FF5CEB8-266A-43FD-8316-DFEE2B35C2D2}"/>
               </a:ext>
             </a:extLst>
           </p:cNvPr>
@@ -12670,7 +13052,7 @@
               <a:defRPr/>
             </a:pPr>
             <a:r>
-              <a:rPr lang="en-US" smtClean="0"/>
+              <a:rPr lang="en-US"/>
               <a:t>Parallel Computations for Solving Multicriteria Mixed-Integer Optimization Problems</a:t>
             </a:r>
             <a:endParaRPr lang="ru-RU" dirty="0"/>
@@ -12692,14 +13074,14 @@
           <a:bodyPr/>
           <a:lstStyle/>
           <a:p>
-            <a:endParaRPr lang="en-US" dirty="0" smtClean="0"/>
+            <a:endParaRPr lang="en-US" dirty="0"/>
           </a:p>
           <a:p>
             <a:pPr marL="0" indent="0" algn="ctr" eaLnBrk="1" hangingPunct="1">
               <a:buNone/>
             </a:pPr>
             <a:r>
-              <a:rPr lang="ru-RU" b="1" dirty="0" smtClean="0"/>
+              <a:rPr lang="ru-RU" b="1" dirty="0"/>
               <a:t>Спасибо за внимание!</a:t>
             </a:r>
           </a:p>
@@ -12707,108 +13089,119 @@
             <a:pPr marL="0" indent="0" algn="ctr" eaLnBrk="1" hangingPunct="1">
               <a:buNone/>
             </a:pPr>
-            <a:endParaRPr lang="ru-RU" b="1" dirty="0" smtClean="0"/>
+            <a:endParaRPr lang="ru-RU" b="1" dirty="0"/>
           </a:p>
           <a:p>
             <a:pPr marL="0" indent="0" algn="ctr" eaLnBrk="1" hangingPunct="1">
               <a:buNone/>
             </a:pPr>
             <a:r>
-              <a:rPr lang="ru-RU" b="1" dirty="0" smtClean="0"/>
+              <a:rPr lang="ru-RU" b="1" dirty="0"/>
               <a:t>Вопросы?</a:t>
             </a:r>
           </a:p>
           <a:p>
-            <a:endParaRPr lang="en-US" dirty="0" smtClean="0"/>
-          </a:p>
-          <a:p>
-            <a:endParaRPr lang="en-US" dirty="0" smtClean="0"/>
-          </a:p>
-          <a:p>
-            <a:r>
-              <a:rPr lang="ru-RU" dirty="0" smtClean="0"/>
-              <a:t>д.т.н., профессор</a:t>
-            </a:r>
-            <a:r>
-              <a:rPr lang="en-US" dirty="0" smtClean="0"/>
+            <a:endParaRPr lang="en-US" dirty="0"/>
+          </a:p>
+          <a:p>
+            <a:pPr marL="0" indent="0">
+              <a:buNone/>
+            </a:pPr>
+            <a:r>
+              <a:rPr lang="ru-RU" b="1" dirty="0"/>
+              <a:t>Контакты:</a:t>
+            </a:r>
+            <a:endParaRPr lang="en-US" b="1" dirty="0"/>
+          </a:p>
+          <a:p>
+            <a:r>
+              <a:rPr lang="ru-RU" dirty="0"/>
+              <a:t>д.т.н., проф.</a:t>
+            </a:r>
+            <a:r>
+              <a:rPr lang="en-US" dirty="0"/>
               <a:t>,</a:t>
             </a:r>
             <a:r>
-              <a:rPr lang="ru-RU" dirty="0" smtClean="0"/>
-              <a:t> директор ИТММ</a:t>
-            </a:r>
-            <a:r>
-              <a:rPr lang="en-US" dirty="0" smtClean="0"/>
+              <a:rPr lang="ru-RU" dirty="0"/>
+              <a:t> ИТММ</a:t>
+            </a:r>
+            <a:r>
+              <a:rPr lang="en-US" dirty="0"/>
               <a:t>,</a:t>
             </a:r>
+            <a:r>
+              <a:rPr lang="ru-RU" dirty="0"/>
+              <a:t> ННГУ</a:t>
+            </a:r>
             <a:br>
-              <a:rPr lang="en-US" dirty="0" smtClean="0"/>
+              <a:rPr lang="en-US" dirty="0"/>
             </a:br>
             <a:r>
-              <a:rPr lang="ru-RU" dirty="0" err="1" smtClean="0"/>
+              <a:rPr lang="ru-RU" dirty="0" err="1"/>
               <a:t>Гергель</a:t>
             </a:r>
             <a:r>
-              <a:rPr lang="ru-RU" dirty="0" smtClean="0"/>
+              <a:rPr lang="ru-RU" dirty="0"/>
               <a:t> Виктор Павлович </a:t>
             </a:r>
-            <a:r>
-              <a:rPr lang="en-US" dirty="0" smtClean="0"/>
-              <a:t/>
-            </a:r>
             <a:br>
-              <a:rPr lang="en-US" dirty="0" smtClean="0"/>
+              <a:rPr lang="en-US" dirty="0"/>
             </a:br>
             <a:r>
-              <a:rPr lang="en-US" dirty="0" smtClean="0">
+              <a:rPr lang="en-US" dirty="0">
                 <a:hlinkClick r:id="rId2"/>
               </a:rPr>
               <a:t>gergel@unn.ru</a:t>
             </a:r>
             <a:r>
-              <a:rPr lang="en-US" dirty="0" smtClean="0"/>
+              <a:rPr lang="en-US" dirty="0"/>
               <a:t> </a:t>
             </a:r>
           </a:p>
           <a:p>
             <a:r>
-              <a:rPr lang="ru-RU" dirty="0" smtClean="0"/>
-              <a:t>преподаватель каф. МОСТ ИТММ</a:t>
-            </a:r>
-            <a:r>
-              <a:rPr lang="en-US" dirty="0" smtClean="0"/>
-              <a:t/>
+              <a:rPr lang="ru-RU" dirty="0" err="1"/>
+              <a:t>к.т.н</a:t>
+            </a:r>
+            <a:r>
+              <a:rPr lang="ru-RU" dirty="0"/>
+              <a:t>, преп. каф. МОСТ, ИТММ</a:t>
+            </a:r>
+            <a:r>
+              <a:rPr lang="en-US" dirty="0"/>
+              <a:t>,</a:t>
+            </a:r>
+            <a:r>
+              <a:rPr lang="ru-RU" dirty="0"/>
+              <a:t> ННГУ</a:t>
             </a:r>
             <a:br>
-              <a:rPr lang="en-US" dirty="0" smtClean="0"/>
+              <a:rPr lang="en-US" dirty="0"/>
             </a:br>
             <a:r>
-              <a:rPr lang="ru-RU" u="sng" dirty="0" err="1" smtClean="0"/>
+              <a:rPr lang="ru-RU" u="sng" dirty="0" err="1"/>
               <a:t>Козинов</a:t>
             </a:r>
             <a:r>
-              <a:rPr lang="ru-RU" u="sng" dirty="0" smtClean="0"/>
+              <a:rPr lang="ru-RU" u="sng" dirty="0"/>
               <a:t> Евгений Александрович</a:t>
             </a:r>
             <a:r>
-              <a:rPr lang="ru-RU" dirty="0" smtClean="0"/>
+              <a:rPr lang="ru-RU" dirty="0"/>
               <a:t> </a:t>
             </a:r>
-            <a:r>
-              <a:rPr lang="en-US" dirty="0" smtClean="0"/>
-              <a:t/>
-            </a:r>
             <a:br>
-              <a:rPr lang="en-US" dirty="0" smtClean="0"/>
+              <a:rPr lang="en-US" dirty="0"/>
             </a:br>
             <a:r>
-              <a:rPr lang="en-US" dirty="0" smtClean="0">
+              <a:rPr lang="en-US" dirty="0">
                 <a:hlinkClick r:id="rId3"/>
               </a:rPr>
               <a:t>evgeny.kozinov@itmm.unn.ru</a:t>
             </a:r>
             <a:r>
-              <a:rPr lang="en-US" dirty="0" smtClean="0"/>
+              <a:rPr lang="en-US" dirty="0"/>
               <a:t> </a:t>
             </a:r>
           </a:p>
@@ -12819,7 +13212,47 @@
       </p:sp>
       <p:sp>
         <p:nvSpPr>
-          <p:cNvPr id="9" name="Номер слайда 8"/>
+          <p:cNvPr id="7" name="Дата 3">
+            <a:extLst>
+              <a:ext uri="{FF2B5EF4-FFF2-40B4-BE49-F238E27FC236}">
+                <a16:creationId xmlns:a16="http://schemas.microsoft.com/office/drawing/2014/main" id="{401A14A2-EACA-4655-9AA9-CF5BBB4BA375}"/>
+              </a:ext>
+            </a:extLst>
+          </p:cNvPr>
+          <p:cNvSpPr>
+            <a:spLocks noGrp="1"/>
+          </p:cNvSpPr>
+          <p:nvPr>
+            <p:ph type="dt" sz="half" idx="2"/>
+          </p:nvPr>
+        </p:nvSpPr>
+        <p:spPr>
+          <a:xfrm>
+            <a:off x="882257" y="6480746"/>
+            <a:ext cx="2051711" cy="260622"/>
+          </a:xfrm>
+        </p:spPr>
+        <p:txBody>
+          <a:bodyPr/>
+          <a:lstStyle/>
+          <a:p>
+            <a:pPr>
+              <a:defRPr/>
+            </a:pPr>
+            <a:r>
+              <a:rPr lang="ru-RU" sz="1200" b="1" dirty="0" err="1"/>
+              <a:t>ПаВТ</a:t>
+            </a:r>
+            <a:r>
+              <a:rPr lang="ru-RU" sz="1200" b="1" dirty="0"/>
+              <a:t> 2021</a:t>
+            </a:r>
+          </a:p>
+        </p:txBody>
+      </p:sp>
+      <p:sp>
+        <p:nvSpPr>
+          <p:cNvPr id="8" name="Номер слайда 6"/>
           <p:cNvSpPr>
             <a:spLocks noGrp="1"/>
           </p:cNvSpPr>
@@ -12827,7 +13260,12 @@
             <p:ph type="sldNum" sz="quarter" idx="4"/>
           </p:nvPr>
         </p:nvSpPr>
-        <p:spPr/>
+        <p:spPr>
+          <a:xfrm>
+            <a:off x="8843171" y="6480746"/>
+            <a:ext cx="935567" cy="260622"/>
+          </a:xfrm>
+        </p:spPr>
         <p:txBody>
           <a:bodyPr/>
           <a:lstStyle/>
@@ -12843,21 +13281,20 @@
               <a:t>16</a:t>
             </a:fld>
             <a:r>
-              <a:rPr lang="en-US" smtClean="0"/>
+              <a:rPr lang="en-US" dirty="0"/>
               <a:t>/</a:t>
             </a:r>
             <a:r>
-              <a:rPr lang="ru-RU" smtClean="0"/>
+              <a:rPr lang="ru-RU" dirty="0"/>
               <a:t>16</a:t>
             </a:r>
-            <a:endParaRPr lang="ru-RU" dirty="0"/>
           </a:p>
         </p:txBody>
       </p:sp>
     </p:spTree>
     <p:extLst>
       <p:ext uri="{BB962C8B-B14F-4D97-AF65-F5344CB8AC3E}">
-        <p14:creationId xmlns:p14="http://schemas.microsoft.com/office/powerpoint/2010/main" xmlns="" val="1925799349"/>
+        <p14:creationId xmlns:p14="http://schemas.microsoft.com/office/powerpoint/2010/main" val="1925799349"/>
       </p:ext>
     </p:extLst>
   </p:cSld>
@@ -12889,7 +13326,7 @@
           <p:cNvPr id="2" name="Заголовок 1">
             <a:extLst>
               <a:ext uri="{FF2B5EF4-FFF2-40B4-BE49-F238E27FC236}">
-                <a16:creationId xmlns:a16="http://schemas.microsoft.com/office/drawing/2014/main" xmlns="" id="{FF1A6598-0736-4737-9A57-C9F43D642B86}"/>
+                <a16:creationId xmlns:a16="http://schemas.microsoft.com/office/drawing/2014/main" id="{FF1A6598-0736-4737-9A57-C9F43D642B86}"/>
               </a:ext>
             </a:extLst>
           </p:cNvPr>
@@ -12917,7 +13354,7 @@
           <p:cNvPr id="3" name="Объект 2">
             <a:extLst>
               <a:ext uri="{FF2B5EF4-FFF2-40B4-BE49-F238E27FC236}">
-                <a16:creationId xmlns:a16="http://schemas.microsoft.com/office/drawing/2014/main" xmlns="" id="{9D447392-3077-48C0-B570-796AD3F2E281}"/>
+                <a16:creationId xmlns:a16="http://schemas.microsoft.com/office/drawing/2014/main" id="{9D447392-3077-48C0-B570-796AD3F2E281}"/>
               </a:ext>
             </a:extLst>
           </p:cNvPr>
@@ -12928,40 +13365,68 @@
             <p:ph idx="1"/>
           </p:nvPr>
         </p:nvSpPr>
-        <p:spPr/>
+        <p:spPr>
+          <a:xfrm>
+            <a:off x="238092" y="1071546"/>
+            <a:ext cx="9179404" cy="5214974"/>
+          </a:xfrm>
+        </p:spPr>
         <p:txBody>
           <a:bodyPr/>
           <a:lstStyle/>
           <a:p>
             <a:r>
-              <a:rPr lang="ru-RU" dirty="0" smtClean="0"/>
-              <a:t>Математическая </a:t>
-            </a:r>
-            <a:r>
-              <a:rPr lang="ru-RU" dirty="0" smtClean="0"/>
-              <a:t>постановка </a:t>
-            </a:r>
-            <a:r>
-              <a:rPr lang="ru-RU" dirty="0" smtClean="0"/>
-              <a:t>задачи </a:t>
-            </a:r>
-            <a:r>
-              <a:rPr lang="ru-RU" dirty="0" smtClean="0"/>
-              <a:t>многокритериальной оптимизации с дискретными параметрами</a:t>
-            </a:r>
-          </a:p>
-          <a:p>
-            <a:r>
-              <a:rPr lang="ru-RU" dirty="0" smtClean="0"/>
-              <a:t>Предлагаемый метод решения</a:t>
-            </a:r>
-          </a:p>
-          <a:p>
-            <a:r>
-              <a:rPr lang="ru-RU" dirty="0" smtClean="0"/>
+              <a:rPr lang="ru-RU" dirty="0"/>
+              <a:t>Постановка задачи многокритериальной оптимизации с дискретными параметрами</a:t>
+            </a:r>
+          </a:p>
+          <a:p>
+            <a:r>
+              <a:rPr lang="ru-RU" dirty="0"/>
+              <a:t>Предлагаемый подход</a:t>
+            </a:r>
+          </a:p>
+          <a:p>
+            <a:pPr lvl="1"/>
+            <a:r>
+              <a:rPr lang="ru-RU" sz="2400" dirty="0"/>
+              <a:t>Сведение задачи МКО к задачам скалярной глобальной оптимизации,</a:t>
+            </a:r>
+          </a:p>
+          <a:p>
+            <a:pPr lvl="1"/>
+            <a:r>
+              <a:rPr lang="ru-RU" sz="2400" dirty="0"/>
+              <a:t>Применение двухэтапной схемы решения задач глобального поиска,</a:t>
+            </a:r>
+          </a:p>
+          <a:p>
+            <a:pPr lvl="1"/>
+            <a:r>
+              <a:rPr lang="ru-RU" sz="2400" dirty="0"/>
+              <a:t>Редукцию размерности с использованием кривых Пеано, </a:t>
+            </a:r>
+          </a:p>
+          <a:p>
+            <a:pPr lvl="1"/>
+            <a:r>
+              <a:rPr lang="ru-RU" sz="2400" dirty="0"/>
+              <a:t>Совместное решение множества оптимизационных задач, </a:t>
+            </a:r>
+          </a:p>
+          <a:p>
+            <a:pPr lvl="1"/>
+            <a:r>
+              <a:rPr lang="ru-RU" sz="2400" dirty="0"/>
+              <a:t>Повторное использование поисковой информации, получаемой в процессе вычислений.</a:t>
+            </a:r>
+            <a:endParaRPr lang="ru-RU" dirty="0"/>
+          </a:p>
+          <a:p>
+            <a:r>
+              <a:rPr lang="ru-RU" dirty="0"/>
               <a:t>Результаты вычислительных экспериментов</a:t>
             </a:r>
-            <a:endParaRPr lang="ru-RU" dirty="0"/>
           </a:p>
         </p:txBody>
       </p:sp>
@@ -12970,7 +13435,7 @@
           <p:cNvPr id="4" name="Дата 3">
             <a:extLst>
               <a:ext uri="{FF2B5EF4-FFF2-40B4-BE49-F238E27FC236}">
-                <a16:creationId xmlns:a16="http://schemas.microsoft.com/office/drawing/2014/main" xmlns="" id="{401A14A2-EACA-4655-9AA9-CF5BBB4BA375}"/>
+                <a16:creationId xmlns:a16="http://schemas.microsoft.com/office/drawing/2014/main" id="{401A14A2-EACA-4655-9AA9-CF5BBB4BA375}"/>
               </a:ext>
             </a:extLst>
           </p:cNvPr>
@@ -12981,7 +13446,12 @@
             <p:ph type="dt" sz="half" idx="2"/>
           </p:nvPr>
         </p:nvSpPr>
-        <p:spPr/>
+        <p:spPr>
+          <a:xfrm>
+            <a:off x="882257" y="6480746"/>
+            <a:ext cx="2051711" cy="260622"/>
+          </a:xfrm>
+        </p:spPr>
         <p:txBody>
           <a:bodyPr/>
           <a:lstStyle/>
@@ -12990,10 +13460,13 @@
               <a:defRPr/>
             </a:pPr>
             <a:r>
-              <a:rPr lang="en-US" smtClean="0"/>
-              <a:t>30.03.2021</a:t>
-            </a:r>
-            <a:endParaRPr lang="ru-RU" dirty="0"/>
+              <a:rPr lang="ru-RU" sz="1200" b="1" dirty="0" err="1"/>
+              <a:t>ПаВТ</a:t>
+            </a:r>
+            <a:r>
+              <a:rPr lang="ru-RU" sz="1200" b="1" dirty="0"/>
+              <a:t> 2021</a:t>
+            </a:r>
           </a:p>
         </p:txBody>
       </p:sp>
@@ -13002,7 +13475,7 @@
           <p:cNvPr id="5" name="Нижний колонтитул 4">
             <a:extLst>
               <a:ext uri="{FF2B5EF4-FFF2-40B4-BE49-F238E27FC236}">
-                <a16:creationId xmlns:a16="http://schemas.microsoft.com/office/drawing/2014/main" xmlns="" id="{2A7E5889-8250-43AF-97FA-E9C42D123AF1}"/>
+                <a16:creationId xmlns:a16="http://schemas.microsoft.com/office/drawing/2014/main" id="{2A7E5889-8250-43AF-97FA-E9C42D123AF1}"/>
               </a:ext>
             </a:extLst>
           </p:cNvPr>
@@ -13022,7 +13495,7 @@
               <a:defRPr/>
             </a:pPr>
             <a:r>
-              <a:rPr lang="en-US" smtClean="0"/>
+              <a:rPr lang="en-US"/>
               <a:t>Parallel Computations for Solving Multicriteria Mixed-Integer Optimization Problems</a:t>
             </a:r>
             <a:endParaRPr lang="ru-RU" dirty="0"/>
@@ -13039,7 +13512,12 @@
             <p:ph type="sldNum" sz="quarter" idx="4"/>
           </p:nvPr>
         </p:nvSpPr>
-        <p:spPr/>
+        <p:spPr>
+          <a:xfrm>
+            <a:off x="8843171" y="6480746"/>
+            <a:ext cx="935567" cy="260622"/>
+          </a:xfrm>
+        </p:spPr>
         <p:txBody>
           <a:bodyPr/>
           <a:lstStyle/>
@@ -13047,29 +13525,25 @@
             <a:pPr>
               <a:defRPr/>
             </a:pPr>
-            <a:fld id="{4F2367BF-7A57-4F5A-B357-719264272D2E}" type="slidenum">
+            <a:fld id="{7E093767-AD85-4822-8B9D-FFDF67D216EA}" type="slidenum">
               <a:rPr lang="ru-RU" smtClean="0"/>
-              <a:pPr>
-                <a:defRPr/>
-              </a:pPr>
               <a:t>2</a:t>
             </a:fld>
             <a:r>
-              <a:rPr lang="en-US" smtClean="0"/>
+              <a:rPr lang="en-US" dirty="0"/>
               <a:t>/</a:t>
             </a:r>
             <a:r>
-              <a:rPr lang="ru-RU" smtClean="0"/>
+              <a:rPr lang="ru-RU" dirty="0"/>
               <a:t>16</a:t>
             </a:r>
-            <a:endParaRPr lang="ru-RU" dirty="0"/>
           </a:p>
         </p:txBody>
       </p:sp>
     </p:spTree>
     <p:extLst>
       <p:ext uri="{BB962C8B-B14F-4D97-AF65-F5344CB8AC3E}">
-        <p14:creationId xmlns:p14="http://schemas.microsoft.com/office/powerpoint/2010/main" xmlns="" val="2838622647"/>
+        <p14:creationId xmlns:p14="http://schemas.microsoft.com/office/powerpoint/2010/main" val="2838622647"/>
       </p:ext>
     </p:extLst>
   </p:cSld>
@@ -13101,7 +13575,7 @@
           <p:cNvPr id="2" name="Заголовок 1">
             <a:extLst>
               <a:ext uri="{FF2B5EF4-FFF2-40B4-BE49-F238E27FC236}">
-                <a16:creationId xmlns:a16="http://schemas.microsoft.com/office/drawing/2014/main" xmlns="" id="{8C288D20-BE3C-4886-98AA-BFEE71C93C76}"/>
+                <a16:creationId xmlns:a16="http://schemas.microsoft.com/office/drawing/2014/main" id="{8C288D20-BE3C-4886-98AA-BFEE71C93C76}"/>
               </a:ext>
             </a:extLst>
           </p:cNvPr>
@@ -13129,7 +13603,7 @@
           <p:cNvPr id="3" name="Объект 2">
             <a:extLst>
               <a:ext uri="{FF2B5EF4-FFF2-40B4-BE49-F238E27FC236}">
-                <a16:creationId xmlns:a16="http://schemas.microsoft.com/office/drawing/2014/main" xmlns="" id="{6D201DF5-404B-4617-9A32-6401B9679A5B}"/>
+                <a16:creationId xmlns:a16="http://schemas.microsoft.com/office/drawing/2014/main" id="{6D201DF5-404B-4617-9A32-6401B9679A5B}"/>
               </a:ext>
             </a:extLst>
           </p:cNvPr>
@@ -13147,230 +13621,149 @@
           <a:p>
             <a:r>
               <a:rPr lang="ru-RU" dirty="0"/>
-              <a:t>Задача многокритериальной оптимизации с дискретными </a:t>
-            </a:r>
-            <a:r>
-              <a:rPr lang="ru-RU" dirty="0" smtClean="0"/>
-              <a:t>параметрами</a:t>
-            </a:r>
-          </a:p>
-          <a:p>
-            <a:endParaRPr lang="ru-RU" dirty="0" smtClean="0"/>
+              <a:t>Задача многокритериальной оптимизации с дискретными параметрами:</a:t>
+            </a:r>
+          </a:p>
+          <a:p>
+            <a:endParaRPr lang="ru-RU" dirty="0"/>
           </a:p>
           <a:p>
             <a:pPr lvl="1"/>
             <a:r>
-              <a:rPr lang="en-US" sz="2400" i="1" dirty="0" smtClean="0"/>
+              <a:rPr lang="en-US" sz="2400" i="1" dirty="0"/>
               <a:t>f</a:t>
             </a:r>
             <a:r>
-              <a:rPr lang="en-US" sz="2400" dirty="0" smtClean="0"/>
+              <a:rPr lang="en-US" sz="2400" dirty="0"/>
               <a:t>  – </a:t>
             </a:r>
             <a:r>
-              <a:rPr lang="ru-RU" sz="2400" dirty="0" smtClean="0"/>
-              <a:t>векторный </a:t>
-            </a:r>
-            <a:r>
-              <a:rPr lang="ru-RU" sz="2400" dirty="0" smtClean="0"/>
-              <a:t>критерий </a:t>
-            </a:r>
-            <a:r>
-              <a:rPr lang="ru-RU" sz="2400" dirty="0" smtClean="0"/>
-              <a:t>эффективности</a:t>
-            </a:r>
-            <a:endParaRPr lang="en-US" sz="2400" dirty="0" smtClean="0"/>
+              <a:rPr lang="ru-RU" sz="2400" dirty="0"/>
+              <a:t>векторный критерий эффективности,</a:t>
+            </a:r>
+            <a:endParaRPr lang="en-US" sz="2400" dirty="0"/>
           </a:p>
           <a:p>
             <a:pPr lvl="1"/>
             <a:r>
-              <a:rPr lang="en-US" sz="2400" i="1" dirty="0" smtClean="0"/>
+              <a:rPr lang="en-US" sz="2400" i="1" dirty="0"/>
               <a:t>y = </a:t>
             </a:r>
             <a:r>
-              <a:rPr lang="en-US" sz="2400" dirty="0" smtClean="0"/>
+              <a:rPr lang="en-US" sz="2400" dirty="0"/>
               <a:t>(</a:t>
             </a:r>
             <a:r>
-              <a:rPr lang="en-US" sz="2400" i="1" dirty="0" smtClean="0"/>
+              <a:rPr lang="en-US" sz="2400" i="1" dirty="0"/>
               <a:t>y</a:t>
             </a:r>
             <a:r>
-              <a:rPr lang="en-US" sz="2400" i="1" baseline="-25000" dirty="0" smtClean="0"/>
+              <a:rPr lang="en-US" sz="2400" i="1" baseline="-25000" dirty="0"/>
               <a:t>1</a:t>
             </a:r>
             <a:r>
-              <a:rPr lang="en-US" sz="2400" i="1" dirty="0" smtClean="0"/>
+              <a:rPr lang="en-US" sz="2400" i="1" dirty="0"/>
               <a:t>, y</a:t>
             </a:r>
             <a:r>
-              <a:rPr lang="en-US" sz="2400" i="1" baseline="-25000" dirty="0" smtClean="0"/>
+              <a:rPr lang="en-US" sz="2400" i="1" baseline="-25000" dirty="0"/>
               <a:t>2</a:t>
             </a:r>
             <a:r>
-              <a:rPr lang="en-US" sz="2400" i="1" dirty="0" smtClean="0"/>
+              <a:rPr lang="en-US" sz="2400" i="1" dirty="0"/>
               <a:t>, …, </a:t>
             </a:r>
             <a:r>
-              <a:rPr lang="en-US" sz="2400" i="1" dirty="0" err="1" smtClean="0"/>
+              <a:rPr lang="en-US" sz="2400" i="1" dirty="0" err="1"/>
               <a:t>y</a:t>
             </a:r>
             <a:r>
-              <a:rPr lang="en-US" sz="2400" i="1" baseline="-25000" dirty="0" err="1" smtClean="0"/>
+              <a:rPr lang="en-US" sz="2400" i="1" baseline="-25000" dirty="0" err="1"/>
               <a:t>n</a:t>
             </a:r>
             <a:r>
-              <a:rPr lang="en-US" sz="2400" dirty="0" smtClean="0"/>
+              <a:rPr lang="en-US" sz="2400" dirty="0"/>
               <a:t>) – </a:t>
             </a:r>
             <a:r>
-              <a:rPr lang="ru-RU" sz="2400" dirty="0" smtClean="0"/>
-              <a:t>набор </a:t>
-            </a:r>
-            <a:r>
-              <a:rPr lang="ru-RU" sz="2400" dirty="0" smtClean="0"/>
-              <a:t>непрерывных параметров</a:t>
+              <a:rPr lang="ru-RU" sz="2400" dirty="0"/>
+              <a:t>набор непрерывных параметров</a:t>
             </a:r>
           </a:p>
           <a:p>
             <a:pPr lvl="1"/>
-            <a:endParaRPr lang="ru-RU" sz="2400" dirty="0" smtClean="0"/>
+            <a:endParaRPr lang="ru-RU" sz="2400" dirty="0"/>
           </a:p>
           <a:p>
             <a:pPr lvl="1"/>
             <a:r>
-              <a:rPr lang="en-US" sz="2400" i="1" dirty="0" smtClean="0"/>
-              <a:t>u </a:t>
-            </a:r>
-            <a:r>
-              <a:rPr lang="en-US" sz="2400" i="1" dirty="0" smtClean="0"/>
-              <a:t>= </a:t>
-            </a:r>
-            <a:r>
-              <a:rPr lang="en-US" sz="2400" dirty="0" smtClean="0"/>
+              <a:rPr lang="en-US" sz="2400" i="1" dirty="0"/>
+              <a:t>u = </a:t>
+            </a:r>
+            <a:r>
+              <a:rPr lang="en-US" sz="2400" dirty="0"/>
               <a:t>(</a:t>
             </a:r>
             <a:r>
-              <a:rPr lang="en-US" sz="2400" i="1" dirty="0" smtClean="0"/>
+              <a:rPr lang="en-US" sz="2400" i="1" dirty="0"/>
               <a:t>u</a:t>
             </a:r>
             <a:r>
-              <a:rPr lang="en-US" sz="2400" i="1" baseline="-25000" dirty="0" smtClean="0"/>
+              <a:rPr lang="en-US" sz="2400" i="1" baseline="-25000" dirty="0"/>
               <a:t>1</a:t>
             </a:r>
             <a:r>
-              <a:rPr lang="en-US" sz="2400" i="1" dirty="0" smtClean="0"/>
-              <a:t>, </a:t>
-            </a:r>
-            <a:r>
-              <a:rPr lang="en-US" sz="2400" i="1" dirty="0" smtClean="0"/>
-              <a:t>u</a:t>
-            </a:r>
-            <a:r>
-              <a:rPr lang="en-US" sz="2400" i="1" baseline="-25000" dirty="0" smtClean="0"/>
+              <a:rPr lang="en-US" sz="2400" i="1" dirty="0"/>
+              <a:t>, u</a:t>
+            </a:r>
+            <a:r>
+              <a:rPr lang="en-US" sz="2400" i="1" baseline="-25000" dirty="0"/>
               <a:t>2</a:t>
             </a:r>
             <a:r>
-              <a:rPr lang="en-US" sz="2400" i="1" dirty="0" smtClean="0"/>
-              <a:t>, …, </a:t>
-            </a:r>
-            <a:r>
-              <a:rPr lang="en-US" sz="2400" i="1" dirty="0" smtClean="0"/>
-              <a:t>u</a:t>
-            </a:r>
-            <a:r>
-              <a:rPr lang="en-US" sz="2400" i="1" baseline="-25000" dirty="0" smtClean="0"/>
+              <a:rPr lang="en-US" sz="2400" i="1" dirty="0"/>
+              <a:t>, …, u</a:t>
+            </a:r>
+            <a:r>
+              <a:rPr lang="en-US" sz="2400" i="1" baseline="-25000" dirty="0"/>
               <a:t>n</a:t>
             </a:r>
             <a:r>
-              <a:rPr lang="en-US" sz="2400" dirty="0" smtClean="0"/>
-              <a:t>) </a:t>
-            </a:r>
-            <a:r>
-              <a:rPr lang="en-US" sz="2400" dirty="0" smtClean="0"/>
-              <a:t>– </a:t>
-            </a:r>
-            <a:r>
-              <a:rPr lang="ru-RU" sz="2400" dirty="0" smtClean="0"/>
-              <a:t>набор дискретных параметров</a:t>
+              <a:rPr lang="en-US" sz="2400" dirty="0"/>
+              <a:t>) – </a:t>
+            </a:r>
+            <a:r>
+              <a:rPr lang="ru-RU" sz="2400" dirty="0"/>
+              <a:t>набор дискретных параметров,</a:t>
             </a:r>
           </a:p>
           <a:p>
             <a:pPr lvl="1"/>
             <a:r>
-              <a:rPr lang="ru-RU" dirty="0" smtClean="0"/>
-              <a:t>Каждый дискретный параметр </a:t>
-            </a:r>
-            <a:r>
-              <a:rPr lang="ru-RU" dirty="0" smtClean="0"/>
-              <a:t>может принимать </a:t>
-            </a:r>
-            <a:r>
-              <a:rPr lang="ru-RU" dirty="0" smtClean="0"/>
-              <a:t>фиксированный набор значений</a:t>
-            </a:r>
-          </a:p>
-          <a:p>
-            <a:r>
-              <a:rPr lang="ru-RU" sz="2600" dirty="0" smtClean="0"/>
-              <a:t>Предполагается, что критерии: </a:t>
-            </a:r>
-            <a:r>
-              <a:rPr lang="ru-RU" dirty="0" err="1" smtClean="0"/>
-              <a:t>Многоэкстримальные</a:t>
-            </a:r>
-            <a:r>
-              <a:rPr lang="ru-RU" dirty="0" smtClean="0"/>
-              <a:t>, вычислительно сложные, а также </a:t>
-            </a:r>
-            <a:r>
-              <a:rPr lang="ru-RU" dirty="0" smtClean="0"/>
-              <a:t>удовлетворяют условию </a:t>
-            </a:r>
-            <a:r>
-              <a:rPr lang="ru-RU" dirty="0" err="1" smtClean="0"/>
+              <a:rPr lang="ru-RU" sz="2400" dirty="0"/>
+              <a:t>каждый дискретный параметр может принимать фиксированный набор значений.</a:t>
+            </a:r>
+          </a:p>
+          <a:p>
+            <a:r>
+              <a:rPr lang="ru-RU" dirty="0"/>
+              <a:t>Предполагается, что критерии многоэкстремальные, вычислительно- трудоемкие, а также удовлетворяют условию </a:t>
+            </a:r>
+            <a:r>
+              <a:rPr lang="ru-RU" dirty="0" err="1"/>
               <a:t>Липщица</a:t>
             </a:r>
-            <a:endParaRPr lang="ru-RU" dirty="0" smtClean="0"/>
-          </a:p>
-          <a:p>
-            <a:pPr lvl="1"/>
-            <a:endParaRPr lang="ru-RU" dirty="0" smtClean="0"/>
+            <a:r>
+              <a:rPr lang="ru-RU" dirty="0"/>
+              <a:t>:</a:t>
+            </a:r>
           </a:p>
           <a:p>
             <a:pPr lvl="1"/>
             <a:endParaRPr lang="ru-RU" dirty="0"/>
           </a:p>
-        </p:txBody>
-      </p:sp>
-      <p:sp>
-        <p:nvSpPr>
-          <p:cNvPr id="4" name="Дата 3">
-            <a:extLst>
-              <a:ext uri="{FF2B5EF4-FFF2-40B4-BE49-F238E27FC236}">
-                <a16:creationId xmlns:a16="http://schemas.microsoft.com/office/drawing/2014/main" xmlns="" id="{69934A50-6B4E-4536-AC4F-C78ABC330B78}"/>
-              </a:ext>
-            </a:extLst>
-          </p:cNvPr>
-          <p:cNvSpPr>
-            <a:spLocks noGrp="1"/>
-          </p:cNvSpPr>
-          <p:nvPr>
-            <p:ph type="dt" sz="half" idx="2"/>
-          </p:nvPr>
-        </p:nvSpPr>
-        <p:spPr/>
-        <p:txBody>
-          <a:bodyPr/>
-          <a:lstStyle/>
-          <a:p>
-            <a:pPr>
-              <a:defRPr/>
-            </a:pPr>
-            <a:r>
-              <a:rPr lang="en-US" smtClean="0"/>
-              <a:t>30.03.2021</a:t>
-            </a:r>
+          <a:p>
+            <a:pPr lvl="1"/>
             <a:endParaRPr lang="ru-RU" dirty="0"/>
           </a:p>
         </p:txBody>
@@ -13380,7 +13773,7 @@
           <p:cNvPr id="5" name="Нижний колонтитул 4">
             <a:extLst>
               <a:ext uri="{FF2B5EF4-FFF2-40B4-BE49-F238E27FC236}">
-                <a16:creationId xmlns:a16="http://schemas.microsoft.com/office/drawing/2014/main" xmlns="" id="{F5C8FDDF-B87E-4002-A80A-BFC97BE81F90}"/>
+                <a16:creationId xmlns:a16="http://schemas.microsoft.com/office/drawing/2014/main" id="{F5C8FDDF-B87E-4002-A80A-BFC97BE81F90}"/>
               </a:ext>
             </a:extLst>
           </p:cNvPr>
@@ -13400,7 +13793,7 @@
               <a:defRPr/>
             </a:pPr>
             <a:r>
-              <a:rPr lang="en-US" smtClean="0"/>
+              <a:rPr lang="en-US"/>
               <a:t>Parallel Computations for Solving Multicriteria Mixed-Integer Optimization Problems</a:t>
             </a:r>
             <a:endParaRPr lang="ru-RU" dirty="0"/>
@@ -13720,7 +14113,7 @@
               <a:buNone/>
               <a:tabLst/>
             </a:pPr>
-            <a:endParaRPr kumimoji="0" lang="en-US" sz="1800" b="0" i="0" u="none" strike="noStrike" cap="none" normalizeH="0" baseline="0" smtClean="0">
+            <a:endParaRPr kumimoji="0" lang="en-US" sz="1800" b="0" i="0" u="none" strike="noStrike" cap="none" normalizeH="0" baseline="0">
               <a:ln>
                 <a:noFill/>
               </a:ln>
@@ -13736,7 +14129,47 @@
       </p:sp>
       <p:sp>
         <p:nvSpPr>
-          <p:cNvPr id="16" name="Номер слайда 15"/>
+          <p:cNvPr id="15" name="Дата 3">
+            <a:extLst>
+              <a:ext uri="{FF2B5EF4-FFF2-40B4-BE49-F238E27FC236}">
+                <a16:creationId xmlns:a16="http://schemas.microsoft.com/office/drawing/2014/main" id="{401A14A2-EACA-4655-9AA9-CF5BBB4BA375}"/>
+              </a:ext>
+            </a:extLst>
+          </p:cNvPr>
+          <p:cNvSpPr>
+            <a:spLocks noGrp="1"/>
+          </p:cNvSpPr>
+          <p:nvPr>
+            <p:ph type="dt" sz="half" idx="2"/>
+          </p:nvPr>
+        </p:nvSpPr>
+        <p:spPr>
+          <a:xfrm>
+            <a:off x="882257" y="6480746"/>
+            <a:ext cx="2051711" cy="260622"/>
+          </a:xfrm>
+        </p:spPr>
+        <p:txBody>
+          <a:bodyPr/>
+          <a:lstStyle/>
+          <a:p>
+            <a:pPr>
+              <a:defRPr/>
+            </a:pPr>
+            <a:r>
+              <a:rPr lang="ru-RU" sz="1200" b="1" dirty="0" err="1"/>
+              <a:t>ПаВТ</a:t>
+            </a:r>
+            <a:r>
+              <a:rPr lang="ru-RU" sz="1200" b="1" dirty="0"/>
+              <a:t> 2021</a:t>
+            </a:r>
+          </a:p>
+        </p:txBody>
+      </p:sp>
+      <p:sp>
+        <p:nvSpPr>
+          <p:cNvPr id="19" name="Номер слайда 6"/>
           <p:cNvSpPr>
             <a:spLocks noGrp="1"/>
           </p:cNvSpPr>
@@ -13744,7 +14177,12 @@
             <p:ph type="sldNum" sz="quarter" idx="4"/>
           </p:nvPr>
         </p:nvSpPr>
-        <p:spPr/>
+        <p:spPr>
+          <a:xfrm>
+            <a:off x="8843171" y="6480746"/>
+            <a:ext cx="935567" cy="260622"/>
+          </a:xfrm>
+        </p:spPr>
         <p:txBody>
           <a:bodyPr/>
           <a:lstStyle/>
@@ -13752,29 +14190,25 @@
             <a:pPr>
               <a:defRPr/>
             </a:pPr>
-            <a:fld id="{4F2367BF-7A57-4F5A-B357-719264272D2E}" type="slidenum">
+            <a:fld id="{7E093767-AD85-4822-8B9D-FFDF67D216EA}" type="slidenum">
               <a:rPr lang="ru-RU" smtClean="0"/>
-              <a:pPr>
-                <a:defRPr/>
-              </a:pPr>
               <a:t>3</a:t>
             </a:fld>
             <a:r>
-              <a:rPr lang="en-US" smtClean="0"/>
+              <a:rPr lang="en-US" dirty="0"/>
               <a:t>/</a:t>
             </a:r>
             <a:r>
-              <a:rPr lang="ru-RU" smtClean="0"/>
+              <a:rPr lang="ru-RU" dirty="0"/>
               <a:t>16</a:t>
             </a:r>
-            <a:endParaRPr lang="ru-RU" dirty="0"/>
           </a:p>
         </p:txBody>
       </p:sp>
     </p:spTree>
     <p:extLst>
       <p:ext uri="{BB962C8B-B14F-4D97-AF65-F5344CB8AC3E}">
-        <p14:creationId xmlns:p14="http://schemas.microsoft.com/office/powerpoint/2010/main" xmlns="" val="1941675353"/>
+        <p14:creationId xmlns:p14="http://schemas.microsoft.com/office/powerpoint/2010/main" val="1941675353"/>
       </p:ext>
     </p:extLst>
   </p:cSld>
@@ -13817,8 +14251,8 @@
           <a:lstStyle/>
           <a:p>
             <a:r>
-              <a:rPr lang="ru-RU" dirty="0" smtClean="0"/>
-              <a:t>Основы предлагаемого подхода</a:t>
+              <a:rPr lang="ru-RU" dirty="0"/>
+              <a:t>Основы подхода</a:t>
             </a:r>
             <a:endParaRPr lang="en-US" dirty="0"/>
           </a:p>
@@ -13840,84 +14274,45 @@
           <a:lstStyle/>
           <a:p>
             <a:r>
-              <a:rPr lang="ru-RU" dirty="0" smtClean="0"/>
-              <a:t>Метод решения многокритериальных задач </a:t>
-            </a:r>
-            <a:r>
-              <a:rPr lang="ru-RU" dirty="0" smtClean="0"/>
-              <a:t>оптимизации с дискретными </a:t>
-            </a:r>
-            <a:r>
-              <a:rPr lang="ru-RU" dirty="0" smtClean="0"/>
-              <a:t>параметрами включает следующие техники:</a:t>
+              <a:rPr lang="ru-RU" dirty="0"/>
+              <a:t>Разработанный подход для решения многокритериальных задач оптимизации с дискретными параметрами состоит в следующем:</a:t>
             </a:r>
           </a:p>
           <a:p>
             <a:pPr lvl="1"/>
             <a:r>
-              <a:rPr lang="ru-RU" dirty="0" smtClean="0"/>
-              <a:t>Свертка частных критериев</a:t>
+              <a:rPr lang="ru-RU" sz="2400" dirty="0"/>
+              <a:t>Сведение задачи МКО к задачам скалярной глобальной оптимизации,</a:t>
             </a:r>
           </a:p>
           <a:p>
             <a:pPr lvl="1"/>
             <a:r>
-              <a:rPr lang="ru-RU" dirty="0" smtClean="0"/>
-              <a:t>Применение двухэтапной схемы решения задах глобальной оптимизации</a:t>
+              <a:rPr lang="ru-RU" sz="2400" dirty="0"/>
+              <a:t>Применение двухэтапной схемы решения задач глобального поиска,</a:t>
             </a:r>
           </a:p>
           <a:p>
             <a:pPr lvl="1"/>
             <a:r>
-              <a:rPr lang="ru-RU" dirty="0" smtClean="0"/>
-              <a:t>Редукция размерности на основе кривых Пеано </a:t>
-            </a:r>
-            <a:endParaRPr lang="ru-RU" dirty="0" smtClean="0"/>
+              <a:rPr lang="ru-RU" sz="2400" dirty="0"/>
+              <a:t>Редукцию размерности с использованием кривых Пеано, </a:t>
+            </a:r>
           </a:p>
           <a:p>
             <a:pPr lvl="1"/>
             <a:r>
-              <a:rPr lang="ru-RU" dirty="0" smtClean="0"/>
-              <a:t>Совместное решение множества задач </a:t>
-            </a:r>
-            <a:r>
-              <a:rPr lang="ru-RU" dirty="0" smtClean="0"/>
-              <a:t>глобальной оптимизации </a:t>
+              <a:rPr lang="ru-RU" sz="2400" dirty="0"/>
+              <a:t>Совместное решение множества оптимизационных задач, </a:t>
             </a:r>
           </a:p>
           <a:p>
             <a:pPr lvl="1"/>
             <a:r>
-              <a:rPr lang="ru-RU" dirty="0" smtClean="0"/>
-              <a:t>Повторное использование поисковой информации</a:t>
-            </a:r>
-            <a:endParaRPr lang="en-US" dirty="0"/>
-          </a:p>
-        </p:txBody>
-      </p:sp>
-      <p:sp>
-        <p:nvSpPr>
-          <p:cNvPr id="4" name="Дата 3"/>
-          <p:cNvSpPr>
-            <a:spLocks noGrp="1"/>
-          </p:cNvSpPr>
-          <p:nvPr>
-            <p:ph type="dt" sz="half" idx="2"/>
-          </p:nvPr>
-        </p:nvSpPr>
-        <p:spPr/>
-        <p:txBody>
-          <a:bodyPr/>
-          <a:lstStyle/>
-          <a:p>
-            <a:pPr>
-              <a:defRPr/>
-            </a:pPr>
-            <a:r>
-              <a:rPr lang="en-US" smtClean="0"/>
-              <a:t>30.03.2021</a:t>
-            </a:r>
-            <a:endParaRPr lang="ru-RU" dirty="0"/>
+              <a:rPr lang="ru-RU" sz="2400" dirty="0"/>
+              <a:t>Повторное использование поисковой информации, получаемой в процессе вычислений.</a:t>
+            </a:r>
+            <a:endParaRPr lang="en-US" sz="2400" dirty="0"/>
           </a:p>
         </p:txBody>
       </p:sp>
@@ -13940,7 +14335,7 @@
               <a:defRPr/>
             </a:pPr>
             <a:r>
-              <a:rPr lang="en-US" smtClean="0"/>
+              <a:rPr lang="en-US"/>
               <a:t>Parallel Computations for Solving Multicriteria Mixed-Integer Optimization Problems</a:t>
             </a:r>
             <a:endParaRPr lang="ru-RU" dirty="0"/>
@@ -13949,7 +14344,47 @@
       </p:sp>
       <p:sp>
         <p:nvSpPr>
-          <p:cNvPr id="7" name="Номер слайда 6"/>
+          <p:cNvPr id="8" name="Дата 3">
+            <a:extLst>
+              <a:ext uri="{FF2B5EF4-FFF2-40B4-BE49-F238E27FC236}">
+                <a16:creationId xmlns:a16="http://schemas.microsoft.com/office/drawing/2014/main" id="{401A14A2-EACA-4655-9AA9-CF5BBB4BA375}"/>
+              </a:ext>
+            </a:extLst>
+          </p:cNvPr>
+          <p:cNvSpPr>
+            <a:spLocks noGrp="1"/>
+          </p:cNvSpPr>
+          <p:nvPr>
+            <p:ph type="dt" sz="half" idx="2"/>
+          </p:nvPr>
+        </p:nvSpPr>
+        <p:spPr>
+          <a:xfrm>
+            <a:off x="882257" y="6480746"/>
+            <a:ext cx="2051711" cy="260622"/>
+          </a:xfrm>
+        </p:spPr>
+        <p:txBody>
+          <a:bodyPr/>
+          <a:lstStyle/>
+          <a:p>
+            <a:pPr>
+              <a:defRPr/>
+            </a:pPr>
+            <a:r>
+              <a:rPr lang="ru-RU" sz="1200" b="1" dirty="0" err="1"/>
+              <a:t>ПаВТ</a:t>
+            </a:r>
+            <a:r>
+              <a:rPr lang="ru-RU" sz="1200" b="1" dirty="0"/>
+              <a:t> 2021</a:t>
+            </a:r>
+          </a:p>
+        </p:txBody>
+      </p:sp>
+      <p:sp>
+        <p:nvSpPr>
+          <p:cNvPr id="9" name="Номер слайда 6"/>
           <p:cNvSpPr>
             <a:spLocks noGrp="1"/>
           </p:cNvSpPr>
@@ -13957,7 +14392,12 @@
             <p:ph type="sldNum" sz="quarter" idx="4"/>
           </p:nvPr>
         </p:nvSpPr>
-        <p:spPr/>
+        <p:spPr>
+          <a:xfrm>
+            <a:off x="8843171" y="6480746"/>
+            <a:ext cx="935567" cy="260622"/>
+          </a:xfrm>
+        </p:spPr>
         <p:txBody>
           <a:bodyPr/>
           <a:lstStyle/>
@@ -13973,14 +14413,13 @@
               <a:t>4</a:t>
             </a:fld>
             <a:r>
-              <a:rPr lang="en-US" smtClean="0"/>
+              <a:rPr lang="en-US" dirty="0"/>
               <a:t>/</a:t>
             </a:r>
             <a:r>
-              <a:rPr lang="ru-RU" smtClean="0"/>
+              <a:rPr lang="ru-RU" dirty="0"/>
               <a:t>16</a:t>
             </a:r>
-            <a:endParaRPr lang="ru-RU" dirty="0"/>
           </a:p>
         </p:txBody>
       </p:sp>
@@ -13989,13 +14428,6 @@
   <p:clrMapOvr>
     <a:masterClrMapping/>
   </p:clrMapOvr>
-  <p:timing>
-    <p:tnLst>
-      <p:par>
-        <p:cTn id="1" dur="indefinite" restart="never" nodeType="tmRoot"/>
-      </p:par>
-    </p:tnLst>
-  </p:timing>
 </p:sld>
 </file>
 
@@ -14032,19 +14464,8 @@
           <a:lstStyle/>
           <a:p>
             <a:r>
-              <a:rPr lang="ru-RU" dirty="0" smtClean="0"/>
-              <a:t>Основы предлагаемого подхода: </a:t>
-            </a:r>
-            <a:br>
-              <a:rPr lang="ru-RU" dirty="0" smtClean="0"/>
-            </a:br>
-            <a:r>
-              <a:rPr lang="ru-RU" dirty="0" smtClean="0"/>
-              <a:t>Свертка </a:t>
-            </a:r>
-            <a:r>
-              <a:rPr lang="ru-RU" dirty="0" smtClean="0"/>
-              <a:t>частных критериев</a:t>
+              <a:rPr lang="ru-RU" dirty="0"/>
+              <a:t>Основы подхода: Свертка частных критериев</a:t>
             </a:r>
             <a:endParaRPr lang="en-US" dirty="0"/>
           </a:p>
@@ -14066,107 +14487,73 @@
           <a:lstStyle/>
           <a:p>
             <a:r>
-              <a:rPr lang="ru-RU" dirty="0" smtClean="0"/>
+              <a:rPr lang="ru-RU" dirty="0"/>
               <a:t>Для построения скалярного показателя эффективности </a:t>
             </a:r>
             <a:r>
-              <a:rPr lang="ru-RU" i="1" dirty="0" smtClean="0"/>
+              <a:rPr lang="ru-RU" i="1" dirty="0"/>
               <a:t>F(</a:t>
             </a:r>
             <a:r>
-              <a:rPr lang="ru-RU" i="1" dirty="0" err="1" smtClean="0"/>
+              <a:rPr lang="ru-RU" i="1" dirty="0" err="1"/>
               <a:t>α</a:t>
             </a:r>
             <a:r>
-              <a:rPr lang="ru-RU" i="1" dirty="0" smtClean="0"/>
+              <a:rPr lang="ru-RU" i="1" dirty="0"/>
               <a:t>,</a:t>
             </a:r>
             <a:r>
-              <a:rPr lang="ru-RU" i="1" dirty="0" err="1" smtClean="0"/>
+              <a:rPr lang="ru-RU" i="1" dirty="0" err="1"/>
               <a:t>y,u</a:t>
             </a:r>
             <a:r>
-              <a:rPr lang="ru-RU" i="1" dirty="0" smtClean="0"/>
+              <a:rPr lang="ru-RU" i="1" dirty="0"/>
               <a:t>)</a:t>
             </a:r>
             <a:r>
-              <a:rPr lang="ru-RU" dirty="0" smtClean="0"/>
-              <a:t> используется </a:t>
-            </a:r>
-            <a:r>
-              <a:rPr lang="ru-RU" dirty="0" smtClean="0"/>
-              <a:t>минимаксная свертка критериев</a:t>
-            </a:r>
-          </a:p>
-          <a:p>
-            <a:endParaRPr lang="ru-RU" dirty="0" smtClean="0"/>
+              <a:rPr lang="ru-RU" dirty="0"/>
+              <a:t> используется минимаксная свертка критериев</a:t>
+            </a:r>
+          </a:p>
+          <a:p>
+            <a:endParaRPr lang="ru-RU" dirty="0"/>
           </a:p>
           <a:p>
             <a:pPr lvl="1"/>
             <a:r>
-              <a:rPr lang="ru-RU" dirty="0" smtClean="0"/>
-              <a:t>г</a:t>
-            </a:r>
-            <a:r>
-              <a:rPr lang="ru-RU" dirty="0" smtClean="0"/>
-              <a:t>де набор коэффициентов свертки </a:t>
-            </a:r>
-            <a:r>
-              <a:rPr lang="el-GR" i="1" dirty="0" smtClean="0"/>
+              <a:rPr lang="ru-RU" dirty="0"/>
+              <a:t>где набор коэффициентов свертки </a:t>
+            </a:r>
+            <a:r>
+              <a:rPr lang="el-GR" i="1" dirty="0"/>
               <a:t>λ</a:t>
             </a:r>
             <a:r>
-              <a:rPr lang="ru-RU" i="1" dirty="0" smtClean="0"/>
+              <a:rPr lang="ru-RU" i="1" dirty="0"/>
               <a:t> </a:t>
             </a:r>
             <a:r>
-              <a:rPr lang="ru-RU" dirty="0" smtClean="0"/>
+              <a:rPr lang="ru-RU" dirty="0"/>
               <a:t>удовлетворяет следующим условиям</a:t>
             </a:r>
-            <a:endParaRPr lang="en-US" dirty="0" smtClean="0"/>
+            <a:endParaRPr lang="en-US" dirty="0"/>
           </a:p>
           <a:p>
             <a:pPr lvl="1"/>
-            <a:endParaRPr lang="en-US" i="1" dirty="0" smtClean="0"/>
+            <a:endParaRPr lang="en-US" i="1" dirty="0"/>
           </a:p>
           <a:p>
             <a:pPr lvl="1"/>
-            <a:endParaRPr lang="en-US" i="1" dirty="0" smtClean="0"/>
-          </a:p>
-          <a:p>
-            <a:r>
-              <a:rPr lang="ru-RU" dirty="0" smtClean="0"/>
+            <a:endParaRPr lang="en-US" i="1" dirty="0"/>
+          </a:p>
+          <a:p>
+            <a:r>
+              <a:rPr lang="ru-RU" dirty="0"/>
               <a:t>В результате свертки частных критериев появляется множество задач глобальной оптимизации (ГО)</a:t>
             </a:r>
           </a:p>
           <a:p>
             <a:endParaRPr lang="en-US" dirty="0"/>
-          </a:p>
-        </p:txBody>
-      </p:sp>
-      <p:sp>
-        <p:nvSpPr>
-          <p:cNvPr id="4" name="Дата 3"/>
-          <p:cNvSpPr>
-            <a:spLocks noGrp="1"/>
-          </p:cNvSpPr>
-          <p:nvPr>
-            <p:ph type="dt" sz="half" idx="2"/>
-          </p:nvPr>
-        </p:nvSpPr>
-        <p:spPr/>
-        <p:txBody>
-          <a:bodyPr/>
-          <a:lstStyle/>
-          <a:p>
-            <a:pPr>
-              <a:defRPr/>
-            </a:pPr>
-            <a:r>
-              <a:rPr lang="en-US" smtClean="0"/>
-              <a:t>30.03.2021</a:t>
-            </a:r>
-            <a:endParaRPr lang="ru-RU" dirty="0"/>
           </a:p>
         </p:txBody>
       </p:sp>
@@ -14189,7 +14576,7 @@
               <a:defRPr/>
             </a:pPr>
             <a:r>
-              <a:rPr lang="en-US" smtClean="0"/>
+              <a:rPr lang="en-US"/>
               <a:t>Parallel Computations for Solving Multicriteria Mixed-Integer Optimization Problems</a:t>
             </a:r>
             <a:endParaRPr lang="ru-RU" dirty="0"/>
@@ -14321,7 +14708,7 @@
               <a:buNone/>
               <a:tabLst/>
             </a:pPr>
-            <a:endParaRPr kumimoji="0" lang="en-US" sz="1800" b="0" i="0" u="none" strike="noStrike" cap="none" normalizeH="0" baseline="0" smtClean="0">
+            <a:endParaRPr kumimoji="0" lang="en-US" sz="1800" b="0" i="0" u="none" strike="noStrike" cap="none" normalizeH="0" baseline="0">
               <a:ln>
                 <a:noFill/>
               </a:ln>
@@ -14497,23 +14884,8 @@
               <a:buNone/>
               <a:tabLst/>
             </a:pPr>
-            <a:r>
-              <a:rPr kumimoji="0" lang="ru-RU" sz="1200" b="0" i="0" u="none" strike="noStrike" cap="none" normalizeH="0" baseline="0" smtClean="0">
-                <a:ln>
-                  <a:noFill/>
-                </a:ln>
-                <a:solidFill>
-                  <a:schemeClr val="tx1"/>
-                </a:solidFill>
-                <a:effectLst/>
-                <a:latin typeface="Times New Roman" pitchFamily="18" charset="0"/>
-                <a:ea typeface="Times New Roman" pitchFamily="18" charset="0"/>
-                <a:cs typeface="Arial" pitchFamily="34" charset="0"/>
-              </a:rPr>
-              <a:t/>
-            </a:r>
             <a:br>
-              <a:rPr kumimoji="0" lang="ru-RU" sz="1200" b="0" i="0" u="none" strike="noStrike" cap="none" normalizeH="0" baseline="0" smtClean="0">
+              <a:rPr kumimoji="0" lang="ru-RU" sz="1200" b="0" i="0" u="none" strike="noStrike" cap="none" normalizeH="0" baseline="0">
                 <a:ln>
                   <a:noFill/>
                 </a:ln>
@@ -14526,7 +14898,7 @@
                 <a:cs typeface="Arial" pitchFamily="34" charset="0"/>
               </a:rPr>
             </a:br>
-            <a:endParaRPr kumimoji="0" lang="ru-RU" sz="1800" b="0" i="0" u="none" strike="noStrike" cap="none" normalizeH="0" baseline="0" smtClean="0">
+            <a:endParaRPr kumimoji="0" lang="ru-RU" sz="1800" b="0" i="0" u="none" strike="noStrike" cap="none" normalizeH="0" baseline="0">
               <a:ln>
                 <a:noFill/>
               </a:ln>
@@ -14590,7 +14962,7 @@
               <a:buNone/>
               <a:tabLst/>
             </a:pPr>
-            <a:endParaRPr kumimoji="0" lang="en-US" sz="1800" b="0" i="0" u="none" strike="noStrike" cap="none" normalizeH="0" baseline="0" smtClean="0">
+            <a:endParaRPr kumimoji="0" lang="en-US" sz="1800" b="0" i="0" u="none" strike="noStrike" cap="none" normalizeH="0" baseline="0">
               <a:ln>
                 <a:noFill/>
               </a:ln>
@@ -14621,7 +14993,7 @@
         </p:blipFill>
         <p:spPr bwMode="auto">
           <a:xfrm>
-            <a:off x="776536" y="4653136"/>
+            <a:off x="776536" y="4581128"/>
             <a:ext cx="8916987" cy="1676400"/>
           </a:xfrm>
           <a:prstGeom prst="rect">
@@ -14639,7 +15011,47 @@
       </p:pic>
       <p:sp>
         <p:nvSpPr>
-          <p:cNvPr id="34" name="Номер слайда 33"/>
+          <p:cNvPr id="16" name="Дата 3">
+            <a:extLst>
+              <a:ext uri="{FF2B5EF4-FFF2-40B4-BE49-F238E27FC236}">
+                <a16:creationId xmlns:a16="http://schemas.microsoft.com/office/drawing/2014/main" id="{401A14A2-EACA-4655-9AA9-CF5BBB4BA375}"/>
+              </a:ext>
+            </a:extLst>
+          </p:cNvPr>
+          <p:cNvSpPr>
+            <a:spLocks noGrp="1"/>
+          </p:cNvSpPr>
+          <p:nvPr>
+            <p:ph type="dt" sz="half" idx="2"/>
+          </p:nvPr>
+        </p:nvSpPr>
+        <p:spPr>
+          <a:xfrm>
+            <a:off x="882257" y="6480746"/>
+            <a:ext cx="2051711" cy="260622"/>
+          </a:xfrm>
+        </p:spPr>
+        <p:txBody>
+          <a:bodyPr/>
+          <a:lstStyle/>
+          <a:p>
+            <a:pPr>
+              <a:defRPr/>
+            </a:pPr>
+            <a:r>
+              <a:rPr lang="ru-RU" sz="1200" b="1" dirty="0" err="1"/>
+              <a:t>ПаВТ</a:t>
+            </a:r>
+            <a:r>
+              <a:rPr lang="ru-RU" sz="1200" b="1" dirty="0"/>
+              <a:t> 2021</a:t>
+            </a:r>
+          </a:p>
+        </p:txBody>
+      </p:sp>
+      <p:sp>
+        <p:nvSpPr>
+          <p:cNvPr id="17" name="Номер слайда 6"/>
           <p:cNvSpPr>
             <a:spLocks noGrp="1"/>
           </p:cNvSpPr>
@@ -14647,7 +15059,12 @@
             <p:ph type="sldNum" sz="quarter" idx="4"/>
           </p:nvPr>
         </p:nvSpPr>
-        <p:spPr/>
+        <p:spPr>
+          <a:xfrm>
+            <a:off x="8843171" y="6480746"/>
+            <a:ext cx="935567" cy="260622"/>
+          </a:xfrm>
+        </p:spPr>
         <p:txBody>
           <a:bodyPr/>
           <a:lstStyle/>
@@ -14663,14 +15080,13 @@
               <a:t>5</a:t>
             </a:fld>
             <a:r>
-              <a:rPr lang="en-US" smtClean="0"/>
+              <a:rPr lang="en-US" dirty="0"/>
               <a:t>/</a:t>
             </a:r>
             <a:r>
-              <a:rPr lang="ru-RU" smtClean="0"/>
+              <a:rPr lang="ru-RU" dirty="0"/>
               <a:t>16</a:t>
             </a:r>
-            <a:endParaRPr lang="ru-RU" dirty="0"/>
           </a:p>
         </p:txBody>
       </p:sp>
@@ -14679,13 +15095,6 @@
   <p:clrMapOvr>
     <a:masterClrMapping/>
   </p:clrMapOvr>
-  <p:timing>
-    <p:tnLst>
-      <p:par>
-        <p:cTn id="1" dur="indefinite" restart="never" nodeType="tmRoot"/>
-      </p:par>
-    </p:tnLst>
-  </p:timing>
 </p:sld>
 </file>
 
@@ -14722,23 +15131,8 @@
           <a:lstStyle/>
           <a:p>
             <a:r>
-              <a:rPr lang="ru-RU" dirty="0" smtClean="0"/>
-              <a:t>Основы предлагаемого подхода: </a:t>
-            </a:r>
-            <a:br>
-              <a:rPr lang="ru-RU" dirty="0" smtClean="0"/>
-            </a:br>
-            <a:r>
-              <a:rPr lang="ru-RU" dirty="0" smtClean="0"/>
-              <a:t>Двухэтапная схема </a:t>
-            </a:r>
-            <a:r>
-              <a:rPr lang="ru-RU" dirty="0" smtClean="0"/>
-              <a:t>решения </a:t>
-            </a:r>
-            <a:r>
-              <a:rPr lang="ru-RU" dirty="0" smtClean="0"/>
-              <a:t>задах ГО</a:t>
+              <a:rPr lang="ru-RU" dirty="0"/>
+              <a:t>Основы подхода: Двухэтапная схема решения</a:t>
             </a:r>
             <a:endParaRPr lang="en-US" dirty="0"/>
           </a:p>
@@ -14754,105 +15148,80 @@
             <p:ph idx="1"/>
           </p:nvPr>
         </p:nvSpPr>
-        <p:spPr/>
+        <p:spPr>
+          <a:xfrm>
+            <a:off x="238092" y="1071546"/>
+            <a:ext cx="9667908" cy="5214974"/>
+          </a:xfrm>
+        </p:spPr>
         <p:txBody>
           <a:bodyPr/>
           <a:lstStyle/>
           <a:p>
             <a:r>
-              <a:rPr lang="ru-RU" dirty="0" smtClean="0"/>
-              <a:t>Для решения многокритериальной задачи </a:t>
-            </a:r>
-            <a:r>
-              <a:rPr lang="ru-RU" dirty="0" smtClean="0"/>
-              <a:t>оптимизации с дискретными </a:t>
-            </a:r>
-            <a:r>
-              <a:rPr lang="ru-RU" dirty="0" smtClean="0"/>
-              <a:t>параметрами можно использовать многошаговую схему редукции размерности</a:t>
-            </a:r>
-          </a:p>
-          <a:p>
-            <a:endParaRPr lang="ru-RU" dirty="0" smtClean="0"/>
-          </a:p>
-          <a:p>
-            <a:endParaRPr lang="ru-RU" dirty="0" smtClean="0"/>
+              <a:rPr lang="ru-RU" dirty="0"/>
+              <a:t>Для решения многокритериальной задачи оптимизации с дискретными параметрами используется многошаговая схема редукции размерности:</a:t>
+            </a:r>
+          </a:p>
+          <a:p>
+            <a:endParaRPr lang="ru-RU" dirty="0"/>
+          </a:p>
+          <a:p>
+            <a:endParaRPr lang="ru-RU" dirty="0"/>
           </a:p>
           <a:p>
             <a:pPr lvl="1"/>
             <a:r>
-              <a:rPr lang="ru-RU" dirty="0" smtClean="0"/>
-              <a:t>Число дискретных параметров фиксировано</a:t>
+              <a:rPr lang="en-US" dirty="0"/>
+              <a:t>U </a:t>
+            </a:r>
+            <a:r>
+              <a:rPr lang="ru-RU" dirty="0"/>
+              <a:t>есть множество различных вариантов значений дискретных параметров,</a:t>
             </a:r>
           </a:p>
           <a:p>
             <a:pPr lvl="1"/>
             <a:r>
-              <a:rPr lang="ru-RU" dirty="0" smtClean="0"/>
+              <a:rPr lang="ru-RU" dirty="0"/>
               <a:t>Исходная постановка задачи сводиться к совместному решению множества задач глобальной оптимизации</a:t>
             </a:r>
           </a:p>
           <a:p>
             <a:pPr lvl="1"/>
-            <a:endParaRPr lang="ru-RU" dirty="0" smtClean="0"/>
+            <a:endParaRPr lang="ru-RU" dirty="0"/>
           </a:p>
           <a:p>
             <a:pPr lvl="1"/>
-            <a:endParaRPr lang="ru-RU" dirty="0" smtClean="0"/>
+            <a:endParaRPr lang="ru-RU" dirty="0"/>
           </a:p>
           <a:p>
             <a:pPr lvl="1"/>
-            <a:endParaRPr lang="ru-RU" dirty="0" smtClean="0"/>
+            <a:endParaRPr lang="ru-RU" dirty="0"/>
           </a:p>
           <a:p>
             <a:pPr lvl="1">
               <a:buNone/>
             </a:pPr>
             <a:r>
-              <a:rPr lang="ru-RU" dirty="0" smtClean="0"/>
+              <a:rPr lang="ru-RU" dirty="0"/>
               <a:t>	где </a:t>
             </a:r>
             <a:r>
-              <a:rPr lang="en-US" i="1" dirty="0" smtClean="0"/>
+              <a:rPr lang="en-US" i="1" dirty="0"/>
               <a:t>l</a:t>
             </a:r>
             <a:r>
-              <a:rPr lang="en-US" dirty="0" smtClean="0"/>
+              <a:rPr lang="en-US" dirty="0"/>
               <a:t> </a:t>
             </a:r>
             <a:r>
-              <a:rPr lang="ru-RU" dirty="0" smtClean="0"/>
-              <a:t>– число комбинаций дискретных параметров</a:t>
+              <a:rPr lang="ru-RU" dirty="0"/>
+              <a:t>– число различных вариантов значений дискретных параметров.</a:t>
             </a:r>
           </a:p>
           <a:p>
             <a:pPr lvl="1"/>
-            <a:endParaRPr lang="ru-RU" dirty="0" smtClean="0"/>
-          </a:p>
-        </p:txBody>
-      </p:sp>
-      <p:sp>
-        <p:nvSpPr>
-          <p:cNvPr id="4" name="Дата 3"/>
-          <p:cNvSpPr>
-            <a:spLocks noGrp="1"/>
-          </p:cNvSpPr>
-          <p:nvPr>
-            <p:ph type="dt" sz="half" idx="2"/>
-          </p:nvPr>
-        </p:nvSpPr>
-        <p:spPr/>
-        <p:txBody>
-          <a:bodyPr/>
-          <a:lstStyle/>
-          <a:p>
-            <a:pPr>
-              <a:defRPr/>
-            </a:pPr>
-            <a:r>
-              <a:rPr lang="en-US" smtClean="0"/>
-              <a:t>30.03.2021</a:t>
-            </a:r>
             <a:endParaRPr lang="ru-RU" dirty="0"/>
           </a:p>
         </p:txBody>
@@ -14876,7 +15245,7 @@
               <a:defRPr/>
             </a:pPr>
             <a:r>
-              <a:rPr lang="en-US" smtClean="0"/>
+              <a:rPr lang="en-US"/>
               <a:t>Parallel Computations for Solving Multicriteria Mixed-Integer Optimization Problems</a:t>
             </a:r>
             <a:endParaRPr lang="ru-RU" dirty="0"/>
@@ -15120,7 +15489,7 @@
               <a:buNone/>
               <a:tabLst/>
             </a:pPr>
-            <a:endParaRPr kumimoji="0" lang="en-US" sz="1800" b="0" i="0" u="none" strike="noStrike" cap="none" normalizeH="0" baseline="0" smtClean="0">
+            <a:endParaRPr kumimoji="0" lang="en-US" sz="1800" b="0" i="0" u="none" strike="noStrike" cap="none" normalizeH="0" baseline="0">
               <a:ln>
                 <a:noFill/>
               </a:ln>
@@ -15184,7 +15553,7 @@
               <a:buNone/>
               <a:tabLst/>
             </a:pPr>
-            <a:endParaRPr kumimoji="0" lang="en-US" sz="1800" b="0" i="0" u="none" strike="noStrike" cap="none" normalizeH="0" baseline="0" smtClean="0">
+            <a:endParaRPr kumimoji="0" lang="en-US" sz="1800" b="0" i="0" u="none" strike="noStrike" cap="none" normalizeH="0" baseline="0">
               <a:ln>
                 <a:noFill/>
               </a:ln>
@@ -15200,7 +15569,47 @@
       </p:sp>
       <p:sp>
         <p:nvSpPr>
-          <p:cNvPr id="14" name="Номер слайда 13"/>
+          <p:cNvPr id="15" name="Дата 3">
+            <a:extLst>
+              <a:ext uri="{FF2B5EF4-FFF2-40B4-BE49-F238E27FC236}">
+                <a16:creationId xmlns:a16="http://schemas.microsoft.com/office/drawing/2014/main" id="{401A14A2-EACA-4655-9AA9-CF5BBB4BA375}"/>
+              </a:ext>
+            </a:extLst>
+          </p:cNvPr>
+          <p:cNvSpPr>
+            <a:spLocks noGrp="1"/>
+          </p:cNvSpPr>
+          <p:nvPr>
+            <p:ph type="dt" sz="half" idx="2"/>
+          </p:nvPr>
+        </p:nvSpPr>
+        <p:spPr>
+          <a:xfrm>
+            <a:off x="882257" y="6480746"/>
+            <a:ext cx="2051711" cy="260622"/>
+          </a:xfrm>
+        </p:spPr>
+        <p:txBody>
+          <a:bodyPr/>
+          <a:lstStyle/>
+          <a:p>
+            <a:pPr>
+              <a:defRPr/>
+            </a:pPr>
+            <a:r>
+              <a:rPr lang="ru-RU" sz="1200" b="1" dirty="0" err="1"/>
+              <a:t>ПаВТ</a:t>
+            </a:r>
+            <a:r>
+              <a:rPr lang="ru-RU" sz="1200" b="1" dirty="0"/>
+              <a:t> 2021</a:t>
+            </a:r>
+          </a:p>
+        </p:txBody>
+      </p:sp>
+      <p:sp>
+        <p:nvSpPr>
+          <p:cNvPr id="16" name="Номер слайда 6"/>
           <p:cNvSpPr>
             <a:spLocks noGrp="1"/>
           </p:cNvSpPr>
@@ -15208,7 +15617,12 @@
             <p:ph type="sldNum" sz="quarter" idx="4"/>
           </p:nvPr>
         </p:nvSpPr>
-        <p:spPr/>
+        <p:spPr>
+          <a:xfrm>
+            <a:off x="8843171" y="6480746"/>
+            <a:ext cx="935567" cy="260622"/>
+          </a:xfrm>
+        </p:spPr>
         <p:txBody>
           <a:bodyPr/>
           <a:lstStyle/>
@@ -15224,14 +15638,13 @@
               <a:t>6</a:t>
             </a:fld>
             <a:r>
-              <a:rPr lang="en-US" smtClean="0"/>
+              <a:rPr lang="en-US" dirty="0"/>
               <a:t>/</a:t>
             </a:r>
             <a:r>
-              <a:rPr lang="ru-RU" smtClean="0"/>
+              <a:rPr lang="ru-RU" dirty="0"/>
               <a:t>16</a:t>
             </a:r>
-            <a:endParaRPr lang="ru-RU" dirty="0"/>
           </a:p>
         </p:txBody>
       </p:sp>
@@ -15240,13 +15653,6 @@
   <p:clrMapOvr>
     <a:masterClrMapping/>
   </p:clrMapOvr>
-  <p:timing>
-    <p:tnLst>
-      <p:par>
-        <p:cTn id="1" dur="indefinite" restart="never" nodeType="tmRoot"/>
-      </p:par>
-    </p:tnLst>
-  </p:timing>
 </p:sld>
 </file>
 
@@ -15280,53 +15686,15 @@
         <p:spPr/>
         <p:txBody>
           <a:bodyPr>
-            <a:normAutofit fontScale="90000"/>
+            <a:normAutofit/>
           </a:bodyPr>
           <a:lstStyle/>
           <a:p>
             <a:r>
               <a:rPr lang="ru-RU" dirty="0"/>
-              <a:t>Основы предлагаемого подхода: </a:t>
-            </a:r>
-            <a:br>
-              <a:rPr lang="ru-RU" dirty="0"/>
-            </a:br>
-            <a:r>
-              <a:rPr lang="ru-RU" dirty="0"/>
-              <a:t>Сведение задач МКО к одномерным задачам ГО</a:t>
+              <a:t>Основы подхода: Редукция размерности</a:t>
             </a:r>
             <a:endParaRPr lang="en-US" dirty="0"/>
-          </a:p>
-        </p:txBody>
-      </p:sp>
-      <p:sp>
-        <p:nvSpPr>
-          <p:cNvPr id="7" name="Дата 6"/>
-          <p:cNvSpPr>
-            <a:spLocks noGrp="1"/>
-          </p:cNvSpPr>
-          <p:nvPr>
-            <p:ph type="dt" sz="half" idx="2"/>
-          </p:nvPr>
-        </p:nvSpPr>
-        <p:spPr>
-          <a:xfrm>
-            <a:off x="882257" y="6408738"/>
-            <a:ext cx="2051711" cy="449262"/>
-          </a:xfrm>
-        </p:spPr>
-        <p:txBody>
-          <a:bodyPr/>
-          <a:lstStyle/>
-          <a:p>
-            <a:pPr>
-              <a:defRPr/>
-            </a:pPr>
-            <a:r>
-              <a:rPr lang="en-US" smtClean="0"/>
-              <a:t>30.03.2021</a:t>
-            </a:r>
-            <a:endParaRPr lang="ru-RU" dirty="0"/>
           </a:p>
         </p:txBody>
       </p:sp>
@@ -15349,7 +15717,7 @@
               <a:defRPr/>
             </a:pPr>
             <a:r>
-              <a:rPr lang="en-US" smtClean="0"/>
+              <a:rPr lang="en-US"/>
               <a:t>Parallel Computations for Solving Multicriteria Mixed-Integer Optimization Problems</a:t>
             </a:r>
             <a:endParaRPr lang="ru-RU" dirty="0"/>
@@ -15529,12 +15897,8 @@
           <a:lstStyle/>
           <a:p>
             <a:r>
-              <a:rPr lang="ru-RU" sz="2600" dirty="0" smtClean="0"/>
-              <a:t>Редукция </a:t>
-            </a:r>
-            <a:r>
               <a:rPr lang="ru-RU" sz="2600" dirty="0"/>
-              <a:t>размерности на основе </a:t>
+              <a:t>Редукция размерности с использованием </a:t>
             </a:r>
             <a:r>
               <a:rPr lang="ru-RU" sz="2600" i="1" dirty="0"/>
@@ -15542,14 +15906,10 @@
             </a:r>
             <a:r>
               <a:rPr lang="ru-RU" sz="2600" dirty="0"/>
-              <a:t> </a:t>
-            </a:r>
-            <a:r>
-              <a:rPr lang="ru-RU" sz="2600" dirty="0" smtClean="0"/>
-              <a:t>Пеано</a:t>
-            </a:r>
-            <a:r>
-              <a:rPr lang="en-US" sz="2600" dirty="0" smtClean="0"/>
+              <a:t> Пеано</a:t>
+            </a:r>
+            <a:r>
+              <a:rPr lang="en-US" sz="2600" dirty="0"/>
               <a:t> </a:t>
             </a:r>
             <a:r>
@@ -15869,7 +16229,47 @@
       </p:pic>
       <p:sp>
         <p:nvSpPr>
-          <p:cNvPr id="24" name="Номер слайда 23"/>
+          <p:cNvPr id="18" name="Дата 3">
+            <a:extLst>
+              <a:ext uri="{FF2B5EF4-FFF2-40B4-BE49-F238E27FC236}">
+                <a16:creationId xmlns:a16="http://schemas.microsoft.com/office/drawing/2014/main" id="{401A14A2-EACA-4655-9AA9-CF5BBB4BA375}"/>
+              </a:ext>
+            </a:extLst>
+          </p:cNvPr>
+          <p:cNvSpPr>
+            <a:spLocks noGrp="1"/>
+          </p:cNvSpPr>
+          <p:nvPr>
+            <p:ph type="dt" sz="half" idx="2"/>
+          </p:nvPr>
+        </p:nvSpPr>
+        <p:spPr>
+          <a:xfrm>
+            <a:off x="882257" y="6480746"/>
+            <a:ext cx="2051711" cy="260622"/>
+          </a:xfrm>
+        </p:spPr>
+        <p:txBody>
+          <a:bodyPr/>
+          <a:lstStyle/>
+          <a:p>
+            <a:pPr>
+              <a:defRPr/>
+            </a:pPr>
+            <a:r>
+              <a:rPr lang="ru-RU" sz="1200" b="1" dirty="0" err="1"/>
+              <a:t>ПаВТ</a:t>
+            </a:r>
+            <a:r>
+              <a:rPr lang="ru-RU" sz="1200" b="1" dirty="0"/>
+              <a:t> 2021</a:t>
+            </a:r>
+          </a:p>
+        </p:txBody>
+      </p:sp>
+      <p:sp>
+        <p:nvSpPr>
+          <p:cNvPr id="19" name="Номер слайда 6"/>
           <p:cNvSpPr>
             <a:spLocks noGrp="1"/>
           </p:cNvSpPr>
@@ -15877,7 +16277,12 @@
             <p:ph type="sldNum" sz="quarter" idx="4"/>
           </p:nvPr>
         </p:nvSpPr>
-        <p:spPr/>
+        <p:spPr>
+          <a:xfrm>
+            <a:off x="8843171" y="6480746"/>
+            <a:ext cx="935567" cy="260622"/>
+          </a:xfrm>
+        </p:spPr>
         <p:txBody>
           <a:bodyPr/>
           <a:lstStyle/>
@@ -15893,14 +16298,13 @@
               <a:t>7</a:t>
             </a:fld>
             <a:r>
-              <a:rPr lang="en-US" smtClean="0"/>
+              <a:rPr lang="en-US" dirty="0"/>
               <a:t>/</a:t>
             </a:r>
             <a:r>
-              <a:rPr lang="ru-RU" smtClean="0"/>
+              <a:rPr lang="ru-RU" dirty="0"/>
               <a:t>16</a:t>
             </a:r>
-            <a:endParaRPr lang="ru-RU" dirty="0"/>
           </a:p>
         </p:txBody>
       </p:sp>
@@ -15909,13 +16313,6 @@
   <p:clrMapOvr>
     <a:masterClrMapping/>
   </p:clrMapOvr>
-  <p:timing>
-    <p:tnLst>
-      <p:par>
-        <p:cTn id="1" dur="indefinite" restart="never" nodeType="tmRoot"/>
-      </p:par>
-    </p:tnLst>
-  </p:timing>
 </p:sld>
 </file>
 
@@ -15952,21 +16349,10 @@
           <a:lstStyle/>
           <a:p>
             <a:r>
-              <a:rPr lang="ru-RU" dirty="0" smtClean="0"/>
-              <a:t>Основы предлагаемого подхода: </a:t>
-            </a:r>
-            <a:br>
-              <a:rPr lang="ru-RU" dirty="0" smtClean="0"/>
-            </a:br>
-            <a:r>
-              <a:rPr lang="ru-RU" dirty="0" smtClean="0"/>
-              <a:t>Совместное решение множества задач </a:t>
-            </a:r>
-            <a:r>
-              <a:rPr lang="ru-RU" dirty="0" smtClean="0"/>
-              <a:t>ГО</a:t>
-            </a:r>
-            <a:endParaRPr lang="en-US" dirty="0"/>
+              <a:rPr lang="ru-RU" sz="2800" dirty="0"/>
+              <a:t>Основы подхода: Совместное решение задач</a:t>
+            </a:r>
+            <a:endParaRPr lang="en-US" sz="2800" dirty="0"/>
           </a:p>
         </p:txBody>
       </p:sp>
@@ -15980,57 +16366,27 @@
             <p:ph idx="1"/>
           </p:nvPr>
         </p:nvSpPr>
-        <p:spPr/>
+        <p:spPr>
+          <a:xfrm>
+            <a:off x="344488" y="1022338"/>
+            <a:ext cx="9561512" cy="5214974"/>
+          </a:xfrm>
+        </p:spPr>
         <p:txBody>
           <a:bodyPr/>
           <a:lstStyle/>
           <a:p>
             <a:r>
-              <a:rPr lang="ru-RU" dirty="0" smtClean="0"/>
-              <a:t>Множество задач ГО можно решать совместно.</a:t>
+              <a:rPr lang="ru-RU" dirty="0"/>
+              <a:t>Множество задач глобальной оптимизации можно решать совместно.</a:t>
             </a:r>
           </a:p>
           <a:p>
             <a:pPr lvl="1"/>
             <a:r>
-              <a:rPr lang="ru-RU" dirty="0" smtClean="0"/>
-              <a:t>Для совместного решения множество </a:t>
-            </a:r>
-            <a:r>
-              <a:rPr lang="ru-RU" dirty="0" smtClean="0"/>
-              <a:t>задач </a:t>
-            </a:r>
-            <a:r>
-              <a:rPr lang="ru-RU" dirty="0" smtClean="0"/>
-              <a:t>ГО может быть построен следующий критерий эффективности</a:t>
-            </a:r>
-            <a:endParaRPr lang="ru-RU" dirty="0" smtClean="0"/>
-          </a:p>
-        </p:txBody>
-      </p:sp>
-      <p:sp>
-        <p:nvSpPr>
-          <p:cNvPr id="4" name="Дата 3"/>
-          <p:cNvSpPr>
-            <a:spLocks noGrp="1"/>
-          </p:cNvSpPr>
-          <p:nvPr>
-            <p:ph type="dt" sz="half" idx="2"/>
-          </p:nvPr>
-        </p:nvSpPr>
-        <p:spPr/>
-        <p:txBody>
-          <a:bodyPr/>
-          <a:lstStyle/>
-          <a:p>
-            <a:pPr>
-              <a:defRPr/>
-            </a:pPr>
-            <a:r>
-              <a:rPr lang="en-US" smtClean="0"/>
-              <a:t>30.03.2021</a:t>
-            </a:r>
-            <a:endParaRPr lang="ru-RU" dirty="0"/>
+              <a:rPr lang="ru-RU" dirty="0"/>
+              <a:t>Для совместного решения множество задач ГО конструируется интегральный критерий эффективности</a:t>
+            </a:r>
           </a:p>
         </p:txBody>
       </p:sp>
@@ -16053,7 +16409,7 @@
               <a:defRPr/>
             </a:pPr>
             <a:r>
-              <a:rPr lang="en-US" smtClean="0"/>
+              <a:rPr lang="en-US"/>
               <a:t>Parallel Computations for Solving Multicriteria Mixed-Integer Optimization Problems</a:t>
             </a:r>
             <a:endParaRPr lang="ru-RU" dirty="0"/>
@@ -16148,7 +16504,7 @@
               <a:buNone/>
               <a:tabLst/>
             </a:pPr>
-            <a:endParaRPr kumimoji="0" lang="en-US" sz="1800" b="0" i="0" u="none" strike="noStrike" cap="none" normalizeH="0" baseline="0" smtClean="0">
+            <a:endParaRPr kumimoji="0" lang="en-US" sz="1800" b="0" i="0" u="none" strike="noStrike" cap="none" normalizeH="0" baseline="0">
               <a:ln>
                 <a:noFill/>
               </a:ln>
@@ -16178,7 +16534,7 @@
         </p:blipFill>
         <p:spPr>
           <a:xfrm>
-            <a:off x="128464" y="3073733"/>
+            <a:off x="2345785" y="3073733"/>
             <a:ext cx="5631551" cy="3163579"/>
           </a:xfrm>
           <a:prstGeom prst="rect">
@@ -16311,7 +16667,7 @@
               <a:buNone/>
               <a:tabLst/>
             </a:pPr>
-            <a:endParaRPr kumimoji="0" lang="en-US" sz="1800" b="0" i="0" u="none" strike="noStrike" cap="none" normalizeH="0" baseline="0" smtClean="0">
+            <a:endParaRPr kumimoji="0" lang="en-US" sz="1800" b="0" i="0" u="none" strike="noStrike" cap="none" normalizeH="0" baseline="0">
               <a:ln>
                 <a:noFill/>
               </a:ln>
@@ -16327,7 +16683,47 @@
       </p:sp>
       <p:sp>
         <p:nvSpPr>
-          <p:cNvPr id="14" name="Номер слайда 13"/>
+          <p:cNvPr id="13" name="Дата 3">
+            <a:extLst>
+              <a:ext uri="{FF2B5EF4-FFF2-40B4-BE49-F238E27FC236}">
+                <a16:creationId xmlns:a16="http://schemas.microsoft.com/office/drawing/2014/main" id="{401A14A2-EACA-4655-9AA9-CF5BBB4BA375}"/>
+              </a:ext>
+            </a:extLst>
+          </p:cNvPr>
+          <p:cNvSpPr>
+            <a:spLocks noGrp="1"/>
+          </p:cNvSpPr>
+          <p:nvPr>
+            <p:ph type="dt" sz="half" idx="2"/>
+          </p:nvPr>
+        </p:nvSpPr>
+        <p:spPr>
+          <a:xfrm>
+            <a:off x="882257" y="6480746"/>
+            <a:ext cx="2051711" cy="260622"/>
+          </a:xfrm>
+        </p:spPr>
+        <p:txBody>
+          <a:bodyPr/>
+          <a:lstStyle/>
+          <a:p>
+            <a:pPr>
+              <a:defRPr/>
+            </a:pPr>
+            <a:r>
+              <a:rPr lang="ru-RU" sz="1200" b="1" dirty="0" err="1"/>
+              <a:t>ПаВТ</a:t>
+            </a:r>
+            <a:r>
+              <a:rPr lang="ru-RU" sz="1200" b="1" dirty="0"/>
+              <a:t> 2021</a:t>
+            </a:r>
+          </a:p>
+        </p:txBody>
+      </p:sp>
+      <p:sp>
+        <p:nvSpPr>
+          <p:cNvPr id="15" name="Номер слайда 6"/>
           <p:cNvSpPr>
             <a:spLocks noGrp="1"/>
           </p:cNvSpPr>
@@ -16335,7 +16731,12 @@
             <p:ph type="sldNum" sz="quarter" idx="4"/>
           </p:nvPr>
         </p:nvSpPr>
-        <p:spPr/>
+        <p:spPr>
+          <a:xfrm>
+            <a:off x="8843171" y="6480746"/>
+            <a:ext cx="935567" cy="260622"/>
+          </a:xfrm>
+        </p:spPr>
         <p:txBody>
           <a:bodyPr/>
           <a:lstStyle/>
@@ -16351,14 +16752,13 @@
               <a:t>8</a:t>
             </a:fld>
             <a:r>
-              <a:rPr lang="en-US" smtClean="0"/>
+              <a:rPr lang="en-US" dirty="0"/>
               <a:t>/</a:t>
             </a:r>
             <a:r>
-              <a:rPr lang="ru-RU" smtClean="0"/>
+              <a:rPr lang="ru-RU" dirty="0"/>
               <a:t>16</a:t>
             </a:r>
-            <a:endParaRPr lang="ru-RU" dirty="0"/>
           </a:p>
         </p:txBody>
       </p:sp>
@@ -16367,13 +16767,6 @@
   <p:clrMapOvr>
     <a:masterClrMapping/>
   </p:clrMapOvr>
-  <p:timing>
-    <p:tnLst>
-      <p:par>
-        <p:cTn id="1" dur="indefinite" restart="never" nodeType="tmRoot"/>
-      </p:par>
-    </p:tnLst>
-  </p:timing>
 </p:sld>
 </file>
 
@@ -16407,52 +16800,15 @@
         <p:spPr/>
         <p:txBody>
           <a:bodyPr>
-            <a:normAutofit fontScale="90000"/>
+            <a:normAutofit/>
           </a:bodyPr>
           <a:lstStyle/>
           <a:p>
             <a:r>
               <a:rPr lang="ru-RU" dirty="0"/>
-              <a:t>Основы предлагаемого подхода: </a:t>
-            </a:r>
-            <a:br>
-              <a:rPr lang="ru-RU" dirty="0"/>
-            </a:br>
-            <a:r>
-              <a:rPr lang="ru-RU" dirty="0"/>
-              <a:t>Базовый алгоритм глобального поиска (</a:t>
-            </a:r>
-            <a:r>
-              <a:rPr lang="ru-RU" dirty="0" smtClean="0"/>
-              <a:t>АГП)</a:t>
+              <a:t>Основы подхода: Базовый алгоритм (АГП)</a:t>
             </a:r>
             <a:endParaRPr lang="en-US" dirty="0"/>
-          </a:p>
-        </p:txBody>
-      </p:sp>
-      <p:sp>
-        <p:nvSpPr>
-          <p:cNvPr id="4" name="Дата 3"/>
-          <p:cNvSpPr>
-            <a:spLocks noGrp="1"/>
-          </p:cNvSpPr>
-          <p:nvPr>
-            <p:ph type="dt" sz="half" idx="2"/>
-          </p:nvPr>
-        </p:nvSpPr>
-        <p:spPr/>
-        <p:txBody>
-          <a:bodyPr/>
-          <a:lstStyle/>
-          <a:p>
-            <a:pPr>
-              <a:defRPr/>
-            </a:pPr>
-            <a:r>
-              <a:rPr lang="en-US" smtClean="0"/>
-              <a:t>30.03.2021</a:t>
-            </a:r>
-            <a:endParaRPr lang="ru-RU" dirty="0"/>
           </a:p>
         </p:txBody>
       </p:sp>
@@ -16475,7 +16831,7 @@
               <a:defRPr/>
             </a:pPr>
             <a:r>
-              <a:rPr lang="en-US" smtClean="0"/>
+              <a:rPr lang="en-US"/>
               <a:t>Parallel Computations for Solving Multicriteria Mixed-Integer Optimization Problems</a:t>
             </a:r>
             <a:endParaRPr lang="ru-RU" dirty="0"/>
@@ -16492,70 +16848,63 @@
             <p:ph idx="1"/>
           </p:nvPr>
         </p:nvSpPr>
-        <p:spPr/>
+        <p:spPr>
+          <a:xfrm>
+            <a:off x="128464" y="1071546"/>
+            <a:ext cx="9777536" cy="5214974"/>
+          </a:xfrm>
+        </p:spPr>
         <p:txBody>
           <a:bodyPr>
-            <a:normAutofit fontScale="92500" lnSpcReduction="10000"/>
+            <a:normAutofit fontScale="92500" lnSpcReduction="20000"/>
           </a:bodyPr>
           <a:lstStyle/>
           <a:p>
             <a:r>
               <a:rPr lang="ru-RU" dirty="0"/>
-              <a:t>Испытание – вычисление значений </a:t>
-            </a:r>
-            <a:r>
-              <a:rPr lang="ru-RU" dirty="0" err="1"/>
-              <a:t>вектор-функции</a:t>
+              <a:t>Испытание – вычисление значений скалярного критерия </a:t>
+            </a:r>
+            <a:r>
+              <a:rPr lang="ru-RU" i="1" dirty="0"/>
+              <a:t>Ф</a:t>
+            </a:r>
+            <a:r>
+              <a:rPr lang="en-US" dirty="0"/>
+              <a:t>(</a:t>
+            </a:r>
+            <a:r>
+              <a:rPr lang="el-GR" i="1" dirty="0"/>
+              <a:t>α,</a:t>
+            </a:r>
+            <a:r>
+              <a:rPr lang="en-US" i="1" dirty="0"/>
+              <a:t>y</a:t>
+            </a:r>
+            <a:r>
+              <a:rPr lang="en-US" dirty="0"/>
+              <a:t>(</a:t>
             </a:r>
             <a:r>
               <a:rPr lang="ru-RU" dirty="0"/>
-              <a:t> </a:t>
-            </a:r>
-            <a:r>
-              <a:rPr lang="ru-RU" i="1" dirty="0" smtClean="0"/>
-              <a:t>Ф</a:t>
-            </a:r>
-            <a:r>
-              <a:rPr lang="en-US" dirty="0" smtClean="0"/>
-              <a:t>(</a:t>
-            </a:r>
-            <a:r>
-              <a:rPr lang="el-GR" i="1" dirty="0" smtClean="0"/>
-              <a:t>α,</a:t>
-            </a:r>
-            <a:r>
-              <a:rPr lang="en-US" i="1" dirty="0" smtClean="0"/>
-              <a:t>y</a:t>
-            </a:r>
-            <a:r>
-              <a:rPr lang="en-US" dirty="0" smtClean="0"/>
-              <a:t>(</a:t>
-            </a:r>
-            <a:r>
-              <a:rPr lang="ru-RU" dirty="0" smtClean="0"/>
               <a:t>𝑥</a:t>
-            </a:r>
-            <a:r>
-              <a:rPr lang="ru-RU" baseline="-25000" dirty="0" smtClean="0"/>
-              <a:t>𝑖</a:t>
-            </a:r>
-            <a:r>
-              <a:rPr lang="en-US" dirty="0" smtClean="0"/>
-              <a:t>))</a:t>
-            </a:r>
-            <a:r>
-              <a:rPr lang="ru-RU" dirty="0" smtClean="0"/>
-              <a:t> </a:t>
-            </a:r>
-            <a:r>
-              <a:rPr lang="ru-RU" dirty="0"/>
-              <a:t>в точке 𝑥</a:t>
             </a:r>
             <a:r>
               <a:rPr lang="ru-RU" baseline="-25000" dirty="0"/>
               <a:t>𝑖</a:t>
             </a:r>
             <a:r>
+              <a:rPr lang="en-US" dirty="0"/>
+              <a:t>))</a:t>
+            </a:r>
+            <a:r>
+              <a:rPr lang="ru-RU" dirty="0"/>
+              <a:t> в точке 𝑥</a:t>
+            </a:r>
+            <a:r>
+              <a:rPr lang="ru-RU" baseline="-25000" dirty="0"/>
+              <a:t>𝑖</a:t>
+            </a:r>
+            <a:r>
               <a:rPr lang="ru-RU" dirty="0"/>
               <a:t>. </a:t>
             </a:r>
@@ -16563,12 +16912,13 @@
           <a:p>
             <a:r>
               <a:rPr lang="ru-RU" dirty="0"/>
-              <a:t>Общая схема алгоритма поиска глобального минимума: </a:t>
+              <a:t>Общая схема Алгоритма Глобального Поиска (АГП): </a:t>
             </a:r>
           </a:p>
           <a:p>
             <a:pPr>
-              <a:buNone/>
+              <a:buFont typeface="Arial" panose="020B0604020202020204" pitchFamily="34" charset="0"/>
+              <a:buChar char="•"/>
             </a:pPr>
             <a:r>
               <a:rPr lang="ru-RU" dirty="0"/>
@@ -16592,27 +16942,29 @@
             </a:r>
             <a:r>
               <a:rPr lang="ru-RU" dirty="0"/>
-              <a:t>(</a:t>
-            </a:r>
-            <a:r>
-              <a:rPr lang="ru-RU" dirty="0" smtClean="0"/>
-              <a:t>0,</a:t>
-            </a:r>
-            <a:r>
-              <a:rPr lang="en-US" i="1" dirty="0" smtClean="0"/>
+              <a:t>(0,</a:t>
+            </a:r>
+            <a:r>
+              <a:rPr lang="en-US" i="1" dirty="0"/>
               <a:t>l</a:t>
             </a:r>
             <a:r>
-              <a:rPr lang="ru-RU" dirty="0" smtClean="0"/>
+              <a:rPr lang="ru-RU" dirty="0"/>
               <a:t>). </a:t>
             </a:r>
+          </a:p>
+          <a:p>
+            <a:pPr>
+              <a:buFont typeface="Arial" panose="020B0604020202020204" pitchFamily="34" charset="0"/>
+              <a:buChar char="•"/>
+            </a:pPr>
             <a:r>
               <a:rPr lang="ru-RU" dirty="0"/>
-              <a:t>Далее:</a:t>
-            </a:r>
-          </a:p>
-          <a:p>
-            <a:pPr marL="457200" indent="-457200">
+              <a:t>Правила выполнения итераций глобального поиска состоят в следующем:</a:t>
+            </a:r>
+          </a:p>
+          <a:p>
+            <a:pPr>
               <a:lnSpc>
                 <a:spcPct val="120000"/>
               </a:lnSpc>
@@ -16775,17 +17127,16 @@
               <a:t> </a:t>
             </a:r>
             <a:r>
-              <a:rPr lang="en-US" sz="2200" i="1" dirty="0" smtClean="0"/>
+              <a:rPr lang="en-US" sz="2200" i="1" dirty="0"/>
               <a:t>l</a:t>
             </a:r>
             <a:r>
-              <a:rPr lang="ru-RU" sz="2200" dirty="0" smtClean="0"/>
+              <a:rPr lang="ru-RU" sz="2200" dirty="0"/>
               <a:t>.</a:t>
             </a:r>
-            <a:endParaRPr lang="ru-RU" sz="2200" dirty="0"/>
-          </a:p>
-          <a:p>
-            <a:pPr marL="457200" indent="-457200">
+          </a:p>
+          <a:p>
+            <a:pPr>
               <a:lnSpc>
                 <a:spcPct val="120000"/>
               </a:lnSpc>
@@ -16822,7 +17173,7 @@
             </a:r>
           </a:p>
           <a:p>
-            <a:pPr marL="457200" indent="-457200">
+            <a:pPr>
               <a:lnSpc>
                 <a:spcPct val="120000"/>
               </a:lnSpc>
@@ -16861,10 +17212,6 @@
               <a:rPr lang="ru-RU" sz="2200" dirty="0"/>
               <a:t>), </a:t>
             </a:r>
-            <a:r>
-              <a:rPr lang="en-US" sz="2200" dirty="0"/>
-              <a:t/>
-            </a:r>
             <a:br>
               <a:rPr lang="en-US" sz="2200" dirty="0"/>
             </a:br>
@@ -16879,10 +17226,6 @@
               <a:rPr lang="ru-RU" sz="2200" dirty="0"/>
               <a:t>характеристика </a:t>
             </a:r>
-            <a:r>
-              <a:rPr lang="en-US" sz="2200" dirty="0"/>
-              <a:t/>
-            </a:r>
             <a:br>
               <a:rPr lang="en-US" sz="2200" dirty="0"/>
             </a:br>
@@ -16948,7 +17291,7 @@
             </a:r>
           </a:p>
           <a:p>
-            <a:pPr marL="457200" indent="-457200">
+            <a:pPr>
               <a:lnSpc>
                 <a:spcPct val="120000"/>
               </a:lnSpc>
@@ -16959,10 +17302,6 @@
               <a:rPr lang="ru-RU" sz="2200" dirty="0"/>
               <a:t>Провести очередное испытание в точке </a:t>
             </a:r>
-            <a:r>
-              <a:rPr lang="en-US" sz="2200" dirty="0"/>
-              <a:t/>
-            </a:r>
             <a:br>
               <a:rPr lang="en-US" sz="2200" dirty="0"/>
             </a:br>
@@ -17020,7 +17359,7 @@
             </a:r>
           </a:p>
           <a:p>
-            <a:pPr marL="457200" indent="-457200">
+            <a:pPr>
               <a:lnSpc>
                 <a:spcPct val="120000"/>
               </a:lnSpc>
@@ -17050,10 +17389,6 @@
             <a:r>
               <a:rPr lang="ru-RU" sz="2200" dirty="0"/>
               <a:t>𝜀, где</a:t>
-            </a:r>
-            <a:r>
-              <a:rPr lang="en-US" sz="2200" dirty="0"/>
-              <a:t/>
             </a:r>
             <a:br>
               <a:rPr lang="en-US" sz="2200" dirty="0"/>
@@ -17225,7 +17560,7 @@
         </p:blipFill>
         <p:spPr bwMode="auto">
           <a:xfrm>
-            <a:off x="5241032" y="3356992"/>
+            <a:off x="5241032" y="3599954"/>
             <a:ext cx="4464496" cy="2637358"/>
           </a:xfrm>
           <a:prstGeom prst="rect">
@@ -17245,7 +17580,47 @@
       </p:pic>
       <p:sp>
         <p:nvSpPr>
-          <p:cNvPr id="14" name="Номер слайда 13"/>
+          <p:cNvPr id="11" name="Дата 3">
+            <a:extLst>
+              <a:ext uri="{FF2B5EF4-FFF2-40B4-BE49-F238E27FC236}">
+                <a16:creationId xmlns:a16="http://schemas.microsoft.com/office/drawing/2014/main" id="{401A14A2-EACA-4655-9AA9-CF5BBB4BA375}"/>
+              </a:ext>
+            </a:extLst>
+          </p:cNvPr>
+          <p:cNvSpPr>
+            <a:spLocks noGrp="1"/>
+          </p:cNvSpPr>
+          <p:nvPr>
+            <p:ph type="dt" sz="half" idx="2"/>
+          </p:nvPr>
+        </p:nvSpPr>
+        <p:spPr>
+          <a:xfrm>
+            <a:off x="882257" y="6480746"/>
+            <a:ext cx="2051711" cy="260622"/>
+          </a:xfrm>
+        </p:spPr>
+        <p:txBody>
+          <a:bodyPr/>
+          <a:lstStyle/>
+          <a:p>
+            <a:pPr>
+              <a:defRPr/>
+            </a:pPr>
+            <a:r>
+              <a:rPr lang="ru-RU" sz="1200" b="1" dirty="0" err="1"/>
+              <a:t>ПаВТ</a:t>
+            </a:r>
+            <a:r>
+              <a:rPr lang="ru-RU" sz="1200" b="1" dirty="0"/>
+              <a:t> 2021</a:t>
+            </a:r>
+          </a:p>
+        </p:txBody>
+      </p:sp>
+      <p:sp>
+        <p:nvSpPr>
+          <p:cNvPr id="12" name="Номер слайда 6"/>
           <p:cNvSpPr>
             <a:spLocks noGrp="1"/>
           </p:cNvSpPr>
@@ -17253,7 +17628,12 @@
             <p:ph type="sldNum" sz="quarter" idx="4"/>
           </p:nvPr>
         </p:nvSpPr>
-        <p:spPr/>
+        <p:spPr>
+          <a:xfrm>
+            <a:off x="8843171" y="6480746"/>
+            <a:ext cx="935567" cy="260622"/>
+          </a:xfrm>
+        </p:spPr>
         <p:txBody>
           <a:bodyPr/>
           <a:lstStyle/>
@@ -17269,14 +17649,13 @@
               <a:t>9</a:t>
             </a:fld>
             <a:r>
-              <a:rPr lang="en-US" smtClean="0"/>
+              <a:rPr lang="en-US" dirty="0"/>
               <a:t>/</a:t>
             </a:r>
             <a:r>
-              <a:rPr lang="ru-RU" smtClean="0"/>
+              <a:rPr lang="ru-RU" dirty="0"/>
               <a:t>16</a:t>
             </a:r>
-            <a:endParaRPr lang="ru-RU" dirty="0"/>
           </a:p>
         </p:txBody>
       </p:sp>
@@ -17285,13 +17664,6 @@
   <p:clrMapOvr>
     <a:masterClrMapping/>
   </p:clrMapOvr>
-  <p:timing>
-    <p:tnLst>
-      <p:par>
-        <p:cTn id="1" dur="indefinite" restart="never" nodeType="tmRoot"/>
-      </p:par>
-    </p:tnLst>
-  </p:timing>
 </p:sld>
 </file>
 

--- a/2021/PСT_GergelKozinov/PCT2021_kozinov.pptx
+++ b/2021/PСT_GergelKozinov/PCT2021_kozinov.pptx
@@ -3391,7 +3391,7 @@
               <a:rPr lang="ru-RU" altLang="ru-RU" sz="2200" b="1" u="sng" dirty="0">
                 <a:latin typeface="Cambria" panose="02040503050406030204" pitchFamily="18" charset="0"/>
               </a:rPr>
-              <a:t> Е.А. , ИТММ, ННГУ</a:t>
+              <a:t> Е.А., ИТММ, ННГУ</a:t>
             </a:r>
           </a:p>
         </p:txBody>
@@ -8691,7 +8691,7 @@
           <a:p>
             <a:r>
               <a:rPr lang="ru-RU" dirty="0"/>
-              <a:t>В результатах экспериментов приведено среднее число испытаний, выполняемое для решение одной задачи из серии.</a:t>
+              <a:t>В результатах экспериментов приведено среднее число испытаний, выполняемое для решения одной задачи из серии.</a:t>
             </a:r>
           </a:p>
         </p:txBody>
@@ -8840,14 +8840,14 @@
             <p:ph idx="1"/>
             <p:extLst>
               <p:ext uri="{D42A27DB-BD31-4B8C-83A1-F6EECF244321}">
-                <p14:modId xmlns:p14="http://schemas.microsoft.com/office/powerpoint/2010/main" val="13365408"/>
+                <p14:modId xmlns:p14="http://schemas.microsoft.com/office/powerpoint/2010/main" val="4005181203"/>
               </p:ext>
             </p:extLst>
           </p:nvPr>
         </p:nvGraphicFramePr>
         <p:xfrm>
           <a:off x="920552" y="1268762"/>
-          <a:ext cx="8424936" cy="4859412"/>
+          <a:ext cx="8424936" cy="5018584"/>
         </p:xfrm>
         <a:graphic>
           <a:graphicData uri="http://schemas.openxmlformats.org/drawingml/2006/table">
@@ -9232,7 +9232,7 @@
                   </a:ext>
                 </a:extLst>
               </a:tr>
-              <a:tr h="292832">
+              <a:tr h="494452">
                 <a:tc gridSpan="5">
                   <a:txBody>
                     <a:bodyPr/>
@@ -9252,7 +9252,7 @@
                           <a:ea typeface="Times New Roman"/>
                           <a:cs typeface="Times New Roman"/>
                         </a:rPr>
-                        <a:t>Оценка области Парето полученная перебором</a:t>
+                        <a:t>Оценка области Парето, полученная перебором</a:t>
                       </a:r>
                       <a:endParaRPr lang="en-US" sz="2200" dirty="0">
                         <a:latin typeface="Times New Roman"/>
@@ -9261,7 +9261,7 @@
                       </a:endParaRPr>
                     </a:p>
                   </a:txBody>
-                  <a:tcPr marL="68580" marR="68580" marT="0" marB="0" anchor="b">
+                  <a:tcPr marL="68580" marR="68580" marT="0" marB="0" anchor="ctr">
                     <a:lnL w="12700" cap="flat" cmpd="sng" algn="ctr">
                       <a:solidFill>
                         <a:srgbClr val="000000"/>
@@ -13404,7 +13404,7 @@
             <a:pPr lvl="1"/>
             <a:r>
               <a:rPr lang="ru-RU" sz="2400" dirty="0"/>
-              <a:t>Редукцию размерности с использованием кривых Пеано, </a:t>
+              <a:t>Редукция размерности с использованием кривых Пеано, </a:t>
             </a:r>
           </a:p>
           <a:p>
@@ -13726,7 +13726,7 @@
             </a:r>
             <a:r>
               <a:rPr lang="en-US" sz="2400" i="1" baseline="-25000" dirty="0"/>
-              <a:t>n</a:t>
+              <a:t>m</a:t>
             </a:r>
             <a:r>
               <a:rPr lang="en-US" sz="2400" dirty="0"/>
@@ -14296,7 +14296,7 @@
             <a:pPr lvl="1"/>
             <a:r>
               <a:rPr lang="ru-RU" sz="2400" dirty="0"/>
-              <a:t>Редукцию размерности с использованием кривых Пеано, </a:t>
+              <a:t>Редукция размерности с использованием кривых Пеано, </a:t>
             </a:r>
           </a:p>
           <a:p>
@@ -15184,7 +15184,7 @@
             <a:pPr lvl="1"/>
             <a:r>
               <a:rPr lang="ru-RU" dirty="0"/>
-              <a:t>Исходная постановка задачи сводиться к совместному решению множества задач глобальной оптимизации</a:t>
+              <a:t>Исходная постановка задачи сводится к совместному решению множества задач глобальной оптимизации</a:t>
             </a:r>
           </a:p>
           <a:p>
@@ -16385,7 +16385,7 @@
             <a:pPr lvl="1"/>
             <a:r>
               <a:rPr lang="ru-RU" dirty="0"/>
-              <a:t>Для совместного решения множество задач ГО конструируется интегральный критерий эффективности</a:t>
+              <a:t>Для совместного решения множества задач ГО конструируется интегральный критерий эффективности</a:t>
             </a:r>
           </a:p>
         </p:txBody>
